--- a/figure/figs.pptx
+++ b/figure/figs.pptx
@@ -5,10 +5,18 @@
     <p:sldMasterId id="2147483648" r:id="rId1"/>
   </p:sldMasterIdLst>
   <p:notesMasterIdLst>
-    <p:notesMasterId r:id="rId3"/>
+    <p:notesMasterId r:id="rId11"/>
   </p:notesMasterIdLst>
   <p:sldIdLst>
     <p:sldId id="256" r:id="rId2"/>
+    <p:sldId id="257" r:id="rId3"/>
+    <p:sldId id="261" r:id="rId4"/>
+    <p:sldId id="260" r:id="rId5"/>
+    <p:sldId id="263" r:id="rId6"/>
+    <p:sldId id="264" r:id="rId7"/>
+    <p:sldId id="262" r:id="rId8"/>
+    <p:sldId id="259" r:id="rId9"/>
+    <p:sldId id="258" r:id="rId10"/>
   </p:sldIdLst>
   <p:sldSz cx="12192000" cy="6858000"/>
   <p:notesSz cx="6858000" cy="9144000"/>
@@ -107,6 +115,11 @@
       </a:defRPr>
     </a:lvl9pPr>
   </p:defaultTextStyle>
+  <p:extLst>
+    <p:ext uri="{EFAFB233-063F-42B5-8137-9DF3F51BA10A}">
+      <p15:sldGuideLst xmlns:p15="http://schemas.microsoft.com/office/powerpoint/2012/main"/>
+    </p:ext>
+  </p:extLst>
 </p:presentation>
 </file>
 
@@ -365,7 +378,7 @@
   </p:cSld>
   <p:clrMap bg1="lt1" tx1="dk1" bg2="lt2" tx2="dk2" accent1="accent1" accent2="accent2" accent3="accent3" accent4="accent4" accent5="accent5" accent6="accent6" hlink="hlink" folHlink="folHlink"/>
   <p:notesStyle>
-    <a:lvl1pPr marL="0" algn="l" defTabSz="914400" rtl="0" eaLnBrk="1" latinLnBrk="0" hangingPunct="1">
+    <a:lvl1pPr marL="0" algn="l" defTabSz="914377" rtl="0" eaLnBrk="1" latinLnBrk="0" hangingPunct="1">
       <a:defRPr sz="1200" kern="1200">
         <a:solidFill>
           <a:schemeClr val="tx1"/>
@@ -375,7 +388,7 @@
         <a:cs typeface="+mn-cs"/>
       </a:defRPr>
     </a:lvl1pPr>
-    <a:lvl2pPr marL="457200" algn="l" defTabSz="914400" rtl="0" eaLnBrk="1" latinLnBrk="0" hangingPunct="1">
+    <a:lvl2pPr marL="457189" algn="l" defTabSz="914377" rtl="0" eaLnBrk="1" latinLnBrk="0" hangingPunct="1">
       <a:defRPr sz="1200" kern="1200">
         <a:solidFill>
           <a:schemeClr val="tx1"/>
@@ -385,7 +398,7 @@
         <a:cs typeface="+mn-cs"/>
       </a:defRPr>
     </a:lvl2pPr>
-    <a:lvl3pPr marL="914400" algn="l" defTabSz="914400" rtl="0" eaLnBrk="1" latinLnBrk="0" hangingPunct="1">
+    <a:lvl3pPr marL="914377" algn="l" defTabSz="914377" rtl="0" eaLnBrk="1" latinLnBrk="0" hangingPunct="1">
       <a:defRPr sz="1200" kern="1200">
         <a:solidFill>
           <a:schemeClr val="tx1"/>
@@ -395,7 +408,7 @@
         <a:cs typeface="+mn-cs"/>
       </a:defRPr>
     </a:lvl3pPr>
-    <a:lvl4pPr marL="1371600" algn="l" defTabSz="914400" rtl="0" eaLnBrk="1" latinLnBrk="0" hangingPunct="1">
+    <a:lvl4pPr marL="1371566" algn="l" defTabSz="914377" rtl="0" eaLnBrk="1" latinLnBrk="0" hangingPunct="1">
       <a:defRPr sz="1200" kern="1200">
         <a:solidFill>
           <a:schemeClr val="tx1"/>
@@ -405,7 +418,7 @@
         <a:cs typeface="+mn-cs"/>
       </a:defRPr>
     </a:lvl4pPr>
-    <a:lvl5pPr marL="1828800" algn="l" defTabSz="914400" rtl="0" eaLnBrk="1" latinLnBrk="0" hangingPunct="1">
+    <a:lvl5pPr marL="1828754" algn="l" defTabSz="914377" rtl="0" eaLnBrk="1" latinLnBrk="0" hangingPunct="1">
       <a:defRPr sz="1200" kern="1200">
         <a:solidFill>
           <a:schemeClr val="tx1"/>
@@ -415,7 +428,7 @@
         <a:cs typeface="+mn-cs"/>
       </a:defRPr>
     </a:lvl5pPr>
-    <a:lvl6pPr marL="2286000" algn="l" defTabSz="914400" rtl="0" eaLnBrk="1" latinLnBrk="0" hangingPunct="1">
+    <a:lvl6pPr marL="2285943" algn="l" defTabSz="914377" rtl="0" eaLnBrk="1" latinLnBrk="0" hangingPunct="1">
       <a:defRPr sz="1200" kern="1200">
         <a:solidFill>
           <a:schemeClr val="tx1"/>
@@ -425,7 +438,7 @@
         <a:cs typeface="+mn-cs"/>
       </a:defRPr>
     </a:lvl6pPr>
-    <a:lvl7pPr marL="2743200" algn="l" defTabSz="914400" rtl="0" eaLnBrk="1" latinLnBrk="0" hangingPunct="1">
+    <a:lvl7pPr marL="2743131" algn="l" defTabSz="914377" rtl="0" eaLnBrk="1" latinLnBrk="0" hangingPunct="1">
       <a:defRPr sz="1200" kern="1200">
         <a:solidFill>
           <a:schemeClr val="tx1"/>
@@ -435,7 +448,7 @@
         <a:cs typeface="+mn-cs"/>
       </a:defRPr>
     </a:lvl7pPr>
-    <a:lvl8pPr marL="3200400" algn="l" defTabSz="914400" rtl="0" eaLnBrk="1" latinLnBrk="0" hangingPunct="1">
+    <a:lvl8pPr marL="3200320" algn="l" defTabSz="914377" rtl="0" eaLnBrk="1" latinLnBrk="0" hangingPunct="1">
       <a:defRPr sz="1200" kern="1200">
         <a:solidFill>
           <a:schemeClr val="tx1"/>
@@ -445,7 +458,7 @@
         <a:cs typeface="+mn-cs"/>
       </a:defRPr>
     </a:lvl8pPr>
-    <a:lvl9pPr marL="3657600" algn="l" defTabSz="914400" rtl="0" eaLnBrk="1" latinLnBrk="0" hangingPunct="1">
+    <a:lvl9pPr marL="3657509" algn="l" defTabSz="914377" rtl="0" eaLnBrk="1" latinLnBrk="0" hangingPunct="1">
       <a:defRPr sz="1200" kern="1200">
         <a:solidFill>
           <a:schemeClr val="tx1"/>
@@ -460,6 +473,95 @@
 </file>
 
 <file path=ppt/notesSlides/notesSlide1.xml><?xml version="1.0" encoding="utf-8"?>
+<p:notes xmlns:a="http://schemas.openxmlformats.org/drawingml/2006/main" xmlns:r="http://schemas.openxmlformats.org/officeDocument/2006/relationships" xmlns:p="http://schemas.openxmlformats.org/presentationml/2006/main">
+  <p:cSld>
+    <p:spTree>
+      <p:nvGrpSpPr>
+        <p:cNvPr id="1" name=""/>
+        <p:cNvGrpSpPr/>
+        <p:nvPr/>
+      </p:nvGrpSpPr>
+      <p:grpSpPr>
+        <a:xfrm>
+          <a:off x="0" y="0"/>
+          <a:ext cx="0" cy="0"/>
+          <a:chOff x="0" y="0"/>
+          <a:chExt cx="0" cy="0"/>
+        </a:xfrm>
+      </p:grpSpPr>
+      <p:sp>
+        <p:nvSpPr>
+          <p:cNvPr id="2" name="Slide Image Placeholder 1"/>
+          <p:cNvSpPr>
+            <a:spLocks noGrp="1" noRot="1" noChangeAspect="1"/>
+          </p:cNvSpPr>
+          <p:nvPr>
+            <p:ph type="sldImg"/>
+          </p:nvPr>
+        </p:nvSpPr>
+        <p:spPr>
+          <a:xfrm>
+            <a:off x="685800" y="1143000"/>
+            <a:ext cx="5486400" cy="3086100"/>
+          </a:xfrm>
+        </p:spPr>
+      </p:sp>
+      <p:sp>
+        <p:nvSpPr>
+          <p:cNvPr id="3" name="Notes Placeholder 2"/>
+          <p:cNvSpPr>
+            <a:spLocks noGrp="1"/>
+          </p:cNvSpPr>
+          <p:nvPr>
+            <p:ph type="body" idx="1"/>
+          </p:nvPr>
+        </p:nvSpPr>
+        <p:spPr/>
+        <p:txBody>
+          <a:bodyPr/>
+          <a:lstStyle/>
+          <a:p>
+            <a:endParaRPr lang="en-US" dirty="0"/>
+          </a:p>
+        </p:txBody>
+      </p:sp>
+      <p:sp>
+        <p:nvSpPr>
+          <p:cNvPr id="4" name="Slide Number Placeholder 3"/>
+          <p:cNvSpPr>
+            <a:spLocks noGrp="1"/>
+          </p:cNvSpPr>
+          <p:nvPr>
+            <p:ph type="sldNum" sz="quarter" idx="5"/>
+          </p:nvPr>
+        </p:nvSpPr>
+        <p:spPr/>
+        <p:txBody>
+          <a:bodyPr/>
+          <a:lstStyle/>
+          <a:p>
+            <a:fld id="{514BFD9F-2A22-4C8E-B344-257B5D55C7C6}" type="slidenum">
+              <a:rPr lang="en-US" smtClean="0"/>
+              <a:t>1</a:t>
+            </a:fld>
+            <a:endParaRPr lang="en-US"/>
+          </a:p>
+        </p:txBody>
+      </p:sp>
+    </p:spTree>
+    <p:extLst>
+      <p:ext uri="{BB962C8B-B14F-4D97-AF65-F5344CB8AC3E}">
+        <p14:creationId xmlns:p14="http://schemas.microsoft.com/office/powerpoint/2010/main" val="944548418"/>
+      </p:ext>
+    </p:extLst>
+  </p:cSld>
+  <p:clrMapOvr>
+    <a:masterClrMapping/>
+  </p:clrMapOvr>
+</p:notes>
+</file>
+
+<file path=ppt/notesSlides/notesSlide2.xml><?xml version="1.0" encoding="utf-8"?>
 <p:notes xmlns:a="http://schemas.openxmlformats.org/drawingml/2006/main" xmlns:r="http://schemas.openxmlformats.org/officeDocument/2006/relationships" xmlns:p="http://schemas.openxmlformats.org/presentationml/2006/main">
   <p:cSld>
     <p:spTree>
@@ -524,7 +626,7 @@
           <a:p>
             <a:fld id="{514BFD9F-2A22-4C8E-B344-257B5D55C7C6}" type="slidenum">
               <a:rPr lang="en-US" smtClean="0"/>
-              <a:t>1</a:t>
+              <a:t>4</a:t>
             </a:fld>
             <a:endParaRPr lang="en-US"/>
           </a:p>
@@ -533,7 +635,175 @@
     </p:spTree>
     <p:extLst>
       <p:ext uri="{BB962C8B-B14F-4D97-AF65-F5344CB8AC3E}">
-        <p14:creationId xmlns:p14="http://schemas.microsoft.com/office/powerpoint/2010/main" val="944548418"/>
+        <p14:creationId xmlns:p14="http://schemas.microsoft.com/office/powerpoint/2010/main" val="1227596247"/>
+      </p:ext>
+    </p:extLst>
+  </p:cSld>
+  <p:clrMapOvr>
+    <a:masterClrMapping/>
+  </p:clrMapOvr>
+</p:notes>
+</file>
+
+<file path=ppt/notesSlides/notesSlide3.xml><?xml version="1.0" encoding="utf-8"?>
+<p:notes xmlns:a="http://schemas.openxmlformats.org/drawingml/2006/main" xmlns:r="http://schemas.openxmlformats.org/officeDocument/2006/relationships" xmlns:p="http://schemas.openxmlformats.org/presentationml/2006/main">
+  <p:cSld>
+    <p:spTree>
+      <p:nvGrpSpPr>
+        <p:cNvPr id="1" name=""/>
+        <p:cNvGrpSpPr/>
+        <p:nvPr/>
+      </p:nvGrpSpPr>
+      <p:grpSpPr>
+        <a:xfrm>
+          <a:off x="0" y="0"/>
+          <a:ext cx="0" cy="0"/>
+          <a:chOff x="0" y="0"/>
+          <a:chExt cx="0" cy="0"/>
+        </a:xfrm>
+      </p:grpSpPr>
+      <p:sp>
+        <p:nvSpPr>
+          <p:cNvPr id="2" name="Slide Image Placeholder 1"/>
+          <p:cNvSpPr>
+            <a:spLocks noGrp="1" noRot="1" noChangeAspect="1"/>
+          </p:cNvSpPr>
+          <p:nvPr>
+            <p:ph type="sldImg"/>
+          </p:nvPr>
+        </p:nvSpPr>
+        <p:spPr/>
+      </p:sp>
+      <p:sp>
+        <p:nvSpPr>
+          <p:cNvPr id="3" name="Notes Placeholder 2"/>
+          <p:cNvSpPr>
+            <a:spLocks noGrp="1"/>
+          </p:cNvSpPr>
+          <p:nvPr>
+            <p:ph type="body" idx="1"/>
+          </p:nvPr>
+        </p:nvSpPr>
+        <p:spPr/>
+        <p:txBody>
+          <a:bodyPr/>
+          <a:lstStyle/>
+          <a:p>
+            <a:endParaRPr lang="en-US" dirty="0"/>
+          </a:p>
+        </p:txBody>
+      </p:sp>
+      <p:sp>
+        <p:nvSpPr>
+          <p:cNvPr id="4" name="Slide Number Placeholder 3"/>
+          <p:cNvSpPr>
+            <a:spLocks noGrp="1"/>
+          </p:cNvSpPr>
+          <p:nvPr>
+            <p:ph type="sldNum" sz="quarter" idx="5"/>
+          </p:nvPr>
+        </p:nvSpPr>
+        <p:spPr/>
+        <p:txBody>
+          <a:bodyPr/>
+          <a:lstStyle/>
+          <a:p>
+            <a:fld id="{514BFD9F-2A22-4C8E-B344-257B5D55C7C6}" type="slidenum">
+              <a:rPr lang="en-US" smtClean="0"/>
+              <a:t>5</a:t>
+            </a:fld>
+            <a:endParaRPr lang="en-US"/>
+          </a:p>
+        </p:txBody>
+      </p:sp>
+    </p:spTree>
+    <p:extLst>
+      <p:ext uri="{BB962C8B-B14F-4D97-AF65-F5344CB8AC3E}">
+        <p14:creationId xmlns:p14="http://schemas.microsoft.com/office/powerpoint/2010/main" val="1438253374"/>
+      </p:ext>
+    </p:extLst>
+  </p:cSld>
+  <p:clrMapOvr>
+    <a:masterClrMapping/>
+  </p:clrMapOvr>
+</p:notes>
+</file>
+
+<file path=ppt/notesSlides/notesSlide4.xml><?xml version="1.0" encoding="utf-8"?>
+<p:notes xmlns:a="http://schemas.openxmlformats.org/drawingml/2006/main" xmlns:r="http://schemas.openxmlformats.org/officeDocument/2006/relationships" xmlns:p="http://schemas.openxmlformats.org/presentationml/2006/main">
+  <p:cSld>
+    <p:spTree>
+      <p:nvGrpSpPr>
+        <p:cNvPr id="1" name=""/>
+        <p:cNvGrpSpPr/>
+        <p:nvPr/>
+      </p:nvGrpSpPr>
+      <p:grpSpPr>
+        <a:xfrm>
+          <a:off x="0" y="0"/>
+          <a:ext cx="0" cy="0"/>
+          <a:chOff x="0" y="0"/>
+          <a:chExt cx="0" cy="0"/>
+        </a:xfrm>
+      </p:grpSpPr>
+      <p:sp>
+        <p:nvSpPr>
+          <p:cNvPr id="2" name="Slide Image Placeholder 1"/>
+          <p:cNvSpPr>
+            <a:spLocks noGrp="1" noRot="1" noChangeAspect="1"/>
+          </p:cNvSpPr>
+          <p:nvPr>
+            <p:ph type="sldImg"/>
+          </p:nvPr>
+        </p:nvSpPr>
+        <p:spPr/>
+      </p:sp>
+      <p:sp>
+        <p:nvSpPr>
+          <p:cNvPr id="3" name="Notes Placeholder 2"/>
+          <p:cNvSpPr>
+            <a:spLocks noGrp="1"/>
+          </p:cNvSpPr>
+          <p:nvPr>
+            <p:ph type="body" idx="1"/>
+          </p:nvPr>
+        </p:nvSpPr>
+        <p:spPr/>
+        <p:txBody>
+          <a:bodyPr/>
+          <a:lstStyle/>
+          <a:p>
+            <a:endParaRPr lang="en-US" dirty="0"/>
+          </a:p>
+        </p:txBody>
+      </p:sp>
+      <p:sp>
+        <p:nvSpPr>
+          <p:cNvPr id="4" name="Slide Number Placeholder 3"/>
+          <p:cNvSpPr>
+            <a:spLocks noGrp="1"/>
+          </p:cNvSpPr>
+          <p:nvPr>
+            <p:ph type="sldNum" sz="quarter" idx="5"/>
+          </p:nvPr>
+        </p:nvSpPr>
+        <p:spPr/>
+        <p:txBody>
+          <a:bodyPr/>
+          <a:lstStyle/>
+          <a:p>
+            <a:fld id="{514BFD9F-2A22-4C8E-B344-257B5D55C7C6}" type="slidenum">
+              <a:rPr lang="en-US" smtClean="0"/>
+              <a:t>6</a:t>
+            </a:fld>
+            <a:endParaRPr lang="en-US"/>
+          </a:p>
+        </p:txBody>
+      </p:sp>
+    </p:spTree>
+    <p:extLst>
+      <p:ext uri="{BB962C8B-B14F-4D97-AF65-F5344CB8AC3E}">
+        <p14:creationId xmlns:p14="http://schemas.microsoft.com/office/powerpoint/2010/main" val="3758927400"/>
       </p:ext>
     </p:extLst>
   </p:cSld>
@@ -578,7 +848,7 @@
         </p:nvSpPr>
         <p:spPr>
           <a:xfrm>
-            <a:off x="1524000" y="1122363"/>
+            <a:off x="1524000" y="1122364"/>
             <a:ext cx="9144000" cy="2387600"/>
           </a:xfrm>
         </p:spPr>
@@ -626,35 +896,35 @@
               <a:buNone/>
               <a:defRPr sz="2400"/>
             </a:lvl1pPr>
-            <a:lvl2pPr marL="457200" indent="0" algn="ctr">
+            <a:lvl2pPr marL="457184" indent="0" algn="ctr">
               <a:buNone/>
               <a:defRPr sz="2000"/>
             </a:lvl2pPr>
-            <a:lvl3pPr marL="914400" indent="0" algn="ctr">
+            <a:lvl3pPr marL="914369" indent="0" algn="ctr">
               <a:buNone/>
               <a:defRPr sz="1800"/>
             </a:lvl3pPr>
-            <a:lvl4pPr marL="1371600" indent="0" algn="ctr">
+            <a:lvl4pPr marL="1371552" indent="0" algn="ctr">
               <a:buNone/>
               <a:defRPr sz="1600"/>
             </a:lvl4pPr>
-            <a:lvl5pPr marL="1828800" indent="0" algn="ctr">
+            <a:lvl5pPr marL="1828736" indent="0" algn="ctr">
               <a:buNone/>
               <a:defRPr sz="1600"/>
             </a:lvl5pPr>
-            <a:lvl6pPr marL="2286000" indent="0" algn="ctr">
+            <a:lvl6pPr marL="2285920" indent="0" algn="ctr">
               <a:buNone/>
               <a:defRPr sz="1600"/>
             </a:lvl6pPr>
-            <a:lvl7pPr marL="2743200" indent="0" algn="ctr">
+            <a:lvl7pPr marL="2743105" indent="0" algn="ctr">
               <a:buNone/>
               <a:defRPr sz="1600"/>
             </a:lvl7pPr>
-            <a:lvl8pPr marL="3200400" indent="0" algn="ctr">
+            <a:lvl8pPr marL="3200288" indent="0" algn="ctr">
               <a:buNone/>
               <a:defRPr sz="1600"/>
             </a:lvl8pPr>
-            <a:lvl9pPr marL="3657600" indent="0" algn="ctr">
+            <a:lvl9pPr marL="3657472" indent="0" algn="ctr">
               <a:buNone/>
               <a:defRPr sz="1600"/>
             </a:lvl9pPr>
@@ -996,7 +1266,7 @@
         </p:nvSpPr>
         <p:spPr>
           <a:xfrm>
-            <a:off x="8724900" y="365125"/>
+            <a:off x="8724901" y="365126"/>
             <a:ext cx="2628900" cy="5811838"/>
           </a:xfrm>
         </p:spPr>
@@ -1029,7 +1299,7 @@
         </p:nvSpPr>
         <p:spPr>
           <a:xfrm>
-            <a:off x="838200" y="365125"/>
+            <a:off x="838201" y="365126"/>
             <a:ext cx="7734300" cy="5811838"/>
           </a:xfrm>
         </p:spPr>
@@ -1402,7 +1672,7 @@
         </p:nvSpPr>
         <p:spPr>
           <a:xfrm>
-            <a:off x="831850" y="1709738"/>
+            <a:off x="831851" y="1709741"/>
             <a:ext cx="10515600" cy="2852737"/>
           </a:xfrm>
         </p:spPr>
@@ -1439,7 +1709,7 @@
         </p:nvSpPr>
         <p:spPr>
           <a:xfrm>
-            <a:off x="831850" y="4589463"/>
+            <a:off x="831851" y="4589466"/>
             <a:ext cx="10515600" cy="1500187"/>
           </a:xfrm>
         </p:spPr>
@@ -1456,7 +1726,7 @@
                 </a:solidFill>
               </a:defRPr>
             </a:lvl1pPr>
-            <a:lvl2pPr marL="457200" indent="0">
+            <a:lvl2pPr marL="457184" indent="0">
               <a:buNone/>
               <a:defRPr sz="2000">
                 <a:solidFill>
@@ -1466,7 +1736,7 @@
                 </a:solidFill>
               </a:defRPr>
             </a:lvl2pPr>
-            <a:lvl3pPr marL="914400" indent="0">
+            <a:lvl3pPr marL="914369" indent="0">
               <a:buNone/>
               <a:defRPr sz="1800">
                 <a:solidFill>
@@ -1476,7 +1746,7 @@
                 </a:solidFill>
               </a:defRPr>
             </a:lvl3pPr>
-            <a:lvl4pPr marL="1371600" indent="0">
+            <a:lvl4pPr marL="1371552" indent="0">
               <a:buNone/>
               <a:defRPr sz="1600">
                 <a:solidFill>
@@ -1486,7 +1756,7 @@
                 </a:solidFill>
               </a:defRPr>
             </a:lvl4pPr>
-            <a:lvl5pPr marL="1828800" indent="0">
+            <a:lvl5pPr marL="1828736" indent="0">
               <a:buNone/>
               <a:defRPr sz="1600">
                 <a:solidFill>
@@ -1496,7 +1766,7 @@
                 </a:solidFill>
               </a:defRPr>
             </a:lvl5pPr>
-            <a:lvl6pPr marL="2286000" indent="0">
+            <a:lvl6pPr marL="2285920" indent="0">
               <a:buNone/>
               <a:defRPr sz="1600">
                 <a:solidFill>
@@ -1506,7 +1776,7 @@
                 </a:solidFill>
               </a:defRPr>
             </a:lvl6pPr>
-            <a:lvl7pPr marL="2743200" indent="0">
+            <a:lvl7pPr marL="2743105" indent="0">
               <a:buNone/>
               <a:defRPr sz="1600">
                 <a:solidFill>
@@ -1516,7 +1786,7 @@
                 </a:solidFill>
               </a:defRPr>
             </a:lvl7pPr>
-            <a:lvl8pPr marL="3200400" indent="0">
+            <a:lvl8pPr marL="3200288" indent="0">
               <a:buNone/>
               <a:defRPr sz="1600">
                 <a:solidFill>
@@ -1526,7 +1796,7 @@
                 </a:solidFill>
               </a:defRPr>
             </a:lvl8pPr>
-            <a:lvl9pPr marL="3657600" indent="0">
+            <a:lvl9pPr marL="3657472" indent="0">
               <a:buNone/>
               <a:defRPr sz="1600">
                 <a:solidFill>
@@ -1942,7 +2212,7 @@
         </p:nvSpPr>
         <p:spPr>
           <a:xfrm>
-            <a:off x="839788" y="365125"/>
+            <a:off x="839788" y="365128"/>
             <a:ext cx="10515600" cy="1325563"/>
           </a:xfrm>
         </p:spPr>
@@ -1975,7 +2245,7 @@
         </p:nvSpPr>
         <p:spPr>
           <a:xfrm>
-            <a:off x="839788" y="1681163"/>
+            <a:off x="839791" y="1681164"/>
             <a:ext cx="5157787" cy="823912"/>
           </a:xfrm>
         </p:spPr>
@@ -1986,35 +2256,35 @@
               <a:buNone/>
               <a:defRPr sz="2400" b="1"/>
             </a:lvl1pPr>
-            <a:lvl2pPr marL="457200" indent="0">
+            <a:lvl2pPr marL="457184" indent="0">
               <a:buNone/>
               <a:defRPr sz="2000" b="1"/>
             </a:lvl2pPr>
-            <a:lvl3pPr marL="914400" indent="0">
+            <a:lvl3pPr marL="914369" indent="0">
               <a:buNone/>
               <a:defRPr sz="1800" b="1"/>
             </a:lvl3pPr>
-            <a:lvl4pPr marL="1371600" indent="0">
+            <a:lvl4pPr marL="1371552" indent="0">
               <a:buNone/>
               <a:defRPr sz="1600" b="1"/>
             </a:lvl4pPr>
-            <a:lvl5pPr marL="1828800" indent="0">
+            <a:lvl5pPr marL="1828736" indent="0">
               <a:buNone/>
               <a:defRPr sz="1600" b="1"/>
             </a:lvl5pPr>
-            <a:lvl6pPr marL="2286000" indent="0">
+            <a:lvl6pPr marL="2285920" indent="0">
               <a:buNone/>
               <a:defRPr sz="1600" b="1"/>
             </a:lvl6pPr>
-            <a:lvl7pPr marL="2743200" indent="0">
+            <a:lvl7pPr marL="2743105" indent="0">
               <a:buNone/>
               <a:defRPr sz="1600" b="1"/>
             </a:lvl7pPr>
-            <a:lvl8pPr marL="3200400" indent="0">
+            <a:lvl8pPr marL="3200288" indent="0">
               <a:buNone/>
               <a:defRPr sz="1600" b="1"/>
             </a:lvl8pPr>
-            <a:lvl9pPr marL="3657600" indent="0">
+            <a:lvl9pPr marL="3657472" indent="0">
               <a:buNone/>
               <a:defRPr sz="1600" b="1"/>
             </a:lvl9pPr>
@@ -2046,7 +2316,7 @@
         </p:nvSpPr>
         <p:spPr>
           <a:xfrm>
-            <a:off x="839788" y="2505075"/>
+            <a:off x="839791" y="2505075"/>
             <a:ext cx="5157787" cy="3684588"/>
           </a:xfrm>
         </p:spPr>
@@ -2108,7 +2378,7 @@
         </p:nvSpPr>
         <p:spPr>
           <a:xfrm>
-            <a:off x="6172200" y="1681163"/>
+            <a:off x="6172201" y="1681164"/>
             <a:ext cx="5183188" cy="823912"/>
           </a:xfrm>
         </p:spPr>
@@ -2119,35 +2389,35 @@
               <a:buNone/>
               <a:defRPr sz="2400" b="1"/>
             </a:lvl1pPr>
-            <a:lvl2pPr marL="457200" indent="0">
+            <a:lvl2pPr marL="457184" indent="0">
               <a:buNone/>
               <a:defRPr sz="2000" b="1"/>
             </a:lvl2pPr>
-            <a:lvl3pPr marL="914400" indent="0">
+            <a:lvl3pPr marL="914369" indent="0">
               <a:buNone/>
               <a:defRPr sz="1800" b="1"/>
             </a:lvl3pPr>
-            <a:lvl4pPr marL="1371600" indent="0">
+            <a:lvl4pPr marL="1371552" indent="0">
               <a:buNone/>
               <a:defRPr sz="1600" b="1"/>
             </a:lvl4pPr>
-            <a:lvl5pPr marL="1828800" indent="0">
+            <a:lvl5pPr marL="1828736" indent="0">
               <a:buNone/>
               <a:defRPr sz="1600" b="1"/>
             </a:lvl5pPr>
-            <a:lvl6pPr marL="2286000" indent="0">
+            <a:lvl6pPr marL="2285920" indent="0">
               <a:buNone/>
               <a:defRPr sz="1600" b="1"/>
             </a:lvl6pPr>
-            <a:lvl7pPr marL="2743200" indent="0">
+            <a:lvl7pPr marL="2743105" indent="0">
               <a:buNone/>
               <a:defRPr sz="1600" b="1"/>
             </a:lvl7pPr>
-            <a:lvl8pPr marL="3200400" indent="0">
+            <a:lvl8pPr marL="3200288" indent="0">
               <a:buNone/>
               <a:defRPr sz="1600" b="1"/>
             </a:lvl8pPr>
-            <a:lvl9pPr marL="3657600" indent="0">
+            <a:lvl9pPr marL="3657472" indent="0">
               <a:buNone/>
               <a:defRPr sz="1600" b="1"/>
             </a:lvl9pPr>
@@ -2179,7 +2449,7 @@
         </p:nvSpPr>
         <p:spPr>
           <a:xfrm>
-            <a:off x="6172200" y="2505075"/>
+            <a:off x="6172201" y="2505075"/>
             <a:ext cx="5183188" cy="3684588"/>
           </a:xfrm>
         </p:spPr>
@@ -2608,7 +2878,7 @@
         </p:nvSpPr>
         <p:spPr>
           <a:xfrm>
-            <a:off x="839788" y="457200"/>
+            <a:off x="839791" y="457200"/>
             <a:ext cx="3932237" cy="1600200"/>
           </a:xfrm>
         </p:spPr>
@@ -2645,7 +2915,7 @@
         </p:nvSpPr>
         <p:spPr>
           <a:xfrm>
-            <a:off x="5183188" y="987425"/>
+            <a:off x="5183188" y="987427"/>
             <a:ext cx="6172200" cy="4873625"/>
           </a:xfrm>
         </p:spPr>
@@ -2735,7 +3005,7 @@
         </p:nvSpPr>
         <p:spPr>
           <a:xfrm>
-            <a:off x="839788" y="2057400"/>
+            <a:off x="839791" y="2057400"/>
             <a:ext cx="3932237" cy="3811588"/>
           </a:xfrm>
         </p:spPr>
@@ -2746,35 +3016,35 @@
               <a:buNone/>
               <a:defRPr sz="1600"/>
             </a:lvl1pPr>
-            <a:lvl2pPr marL="457200" indent="0">
+            <a:lvl2pPr marL="457184" indent="0">
               <a:buNone/>
               <a:defRPr sz="1400"/>
             </a:lvl2pPr>
-            <a:lvl3pPr marL="914400" indent="0">
+            <a:lvl3pPr marL="914369" indent="0">
               <a:buNone/>
               <a:defRPr sz="1200"/>
             </a:lvl3pPr>
-            <a:lvl4pPr marL="1371600" indent="0">
+            <a:lvl4pPr marL="1371552" indent="0">
               <a:buNone/>
               <a:defRPr sz="1000"/>
             </a:lvl4pPr>
-            <a:lvl5pPr marL="1828800" indent="0">
+            <a:lvl5pPr marL="1828736" indent="0">
               <a:buNone/>
               <a:defRPr sz="1000"/>
             </a:lvl5pPr>
-            <a:lvl6pPr marL="2286000" indent="0">
+            <a:lvl6pPr marL="2285920" indent="0">
               <a:buNone/>
               <a:defRPr sz="1000"/>
             </a:lvl6pPr>
-            <a:lvl7pPr marL="2743200" indent="0">
+            <a:lvl7pPr marL="2743105" indent="0">
               <a:buNone/>
               <a:defRPr sz="1000"/>
             </a:lvl7pPr>
-            <a:lvl8pPr marL="3200400" indent="0">
+            <a:lvl8pPr marL="3200288" indent="0">
               <a:buNone/>
               <a:defRPr sz="1000"/>
             </a:lvl8pPr>
-            <a:lvl9pPr marL="3657600" indent="0">
+            <a:lvl9pPr marL="3657472" indent="0">
               <a:buNone/>
               <a:defRPr sz="1000"/>
             </a:lvl9pPr>
@@ -2919,7 +3189,7 @@
         </p:nvSpPr>
         <p:spPr>
           <a:xfrm>
-            <a:off x="839788" y="457200"/>
+            <a:off x="839791" y="457200"/>
             <a:ext cx="3932237" cy="1600200"/>
           </a:xfrm>
         </p:spPr>
@@ -2956,7 +3226,7 @@
         </p:nvSpPr>
         <p:spPr>
           <a:xfrm>
-            <a:off x="5183188" y="987425"/>
+            <a:off x="5183188" y="987427"/>
             <a:ext cx="6172200" cy="4873625"/>
           </a:xfrm>
         </p:spPr>
@@ -2967,35 +3237,35 @@
               <a:buNone/>
               <a:defRPr sz="3200"/>
             </a:lvl1pPr>
-            <a:lvl2pPr marL="457200" indent="0">
+            <a:lvl2pPr marL="457184" indent="0">
               <a:buNone/>
               <a:defRPr sz="2800"/>
             </a:lvl2pPr>
-            <a:lvl3pPr marL="914400" indent="0">
+            <a:lvl3pPr marL="914369" indent="0">
               <a:buNone/>
               <a:defRPr sz="2400"/>
             </a:lvl3pPr>
-            <a:lvl4pPr marL="1371600" indent="0">
+            <a:lvl4pPr marL="1371552" indent="0">
               <a:buNone/>
               <a:defRPr sz="2000"/>
             </a:lvl4pPr>
-            <a:lvl5pPr marL="1828800" indent="0">
+            <a:lvl5pPr marL="1828736" indent="0">
               <a:buNone/>
               <a:defRPr sz="2000"/>
             </a:lvl5pPr>
-            <a:lvl6pPr marL="2286000" indent="0">
+            <a:lvl6pPr marL="2285920" indent="0">
               <a:buNone/>
               <a:defRPr sz="2000"/>
             </a:lvl6pPr>
-            <a:lvl7pPr marL="2743200" indent="0">
+            <a:lvl7pPr marL="2743105" indent="0">
               <a:buNone/>
               <a:defRPr sz="2000"/>
             </a:lvl7pPr>
-            <a:lvl8pPr marL="3200400" indent="0">
+            <a:lvl8pPr marL="3200288" indent="0">
               <a:buNone/>
               <a:defRPr sz="2000"/>
             </a:lvl8pPr>
-            <a:lvl9pPr marL="3657600" indent="0">
+            <a:lvl9pPr marL="3657472" indent="0">
               <a:buNone/>
               <a:defRPr sz="2000"/>
             </a:lvl9pPr>
@@ -3023,7 +3293,7 @@
         </p:nvSpPr>
         <p:spPr>
           <a:xfrm>
-            <a:off x="839788" y="2057400"/>
+            <a:off x="839791" y="2057400"/>
             <a:ext cx="3932237" cy="3811588"/>
           </a:xfrm>
         </p:spPr>
@@ -3034,35 +3304,35 @@
               <a:buNone/>
               <a:defRPr sz="1600"/>
             </a:lvl1pPr>
-            <a:lvl2pPr marL="457200" indent="0">
+            <a:lvl2pPr marL="457184" indent="0">
               <a:buNone/>
               <a:defRPr sz="1400"/>
             </a:lvl2pPr>
-            <a:lvl3pPr marL="914400" indent="0">
+            <a:lvl3pPr marL="914369" indent="0">
               <a:buNone/>
               <a:defRPr sz="1200"/>
             </a:lvl3pPr>
-            <a:lvl4pPr marL="1371600" indent="0">
+            <a:lvl4pPr marL="1371552" indent="0">
               <a:buNone/>
               <a:defRPr sz="1000"/>
             </a:lvl4pPr>
-            <a:lvl5pPr marL="1828800" indent="0">
+            <a:lvl5pPr marL="1828736" indent="0">
               <a:buNone/>
               <a:defRPr sz="1000"/>
             </a:lvl5pPr>
-            <a:lvl6pPr marL="2286000" indent="0">
+            <a:lvl6pPr marL="2285920" indent="0">
               <a:buNone/>
               <a:defRPr sz="1000"/>
             </a:lvl6pPr>
-            <a:lvl7pPr marL="2743200" indent="0">
+            <a:lvl7pPr marL="2743105" indent="0">
               <a:buNone/>
               <a:defRPr sz="1000"/>
             </a:lvl7pPr>
-            <a:lvl8pPr marL="3200400" indent="0">
+            <a:lvl8pPr marL="3200288" indent="0">
               <a:buNone/>
               <a:defRPr sz="1000"/>
             </a:lvl8pPr>
-            <a:lvl9pPr marL="3657600" indent="0">
+            <a:lvl9pPr marL="3657472" indent="0">
               <a:buNone/>
               <a:defRPr sz="1000"/>
             </a:lvl9pPr>
@@ -3212,7 +3482,7 @@
         </p:nvSpPr>
         <p:spPr>
           <a:xfrm>
-            <a:off x="838200" y="365125"/>
+            <a:off x="838200" y="365128"/>
             <a:ext cx="10515600" cy="1325563"/>
           </a:xfrm>
           <a:prstGeom prst="rect">
@@ -3317,7 +3587,7 @@
         </p:nvSpPr>
         <p:spPr>
           <a:xfrm>
-            <a:off x="838200" y="6356350"/>
+            <a:off x="838200" y="6356352"/>
             <a:ext cx="2743200" cy="365125"/>
           </a:xfrm>
           <a:prstGeom prst="rect">
@@ -3364,7 +3634,7 @@
         </p:nvSpPr>
         <p:spPr>
           <a:xfrm>
-            <a:off x="4038600" y="6356350"/>
+            <a:off x="4038600" y="6356352"/>
             <a:ext cx="4114800" cy="365125"/>
           </a:xfrm>
           <a:prstGeom prst="rect">
@@ -3407,7 +3677,7 @@
         </p:nvSpPr>
         <p:spPr>
           <a:xfrm>
-            <a:off x="8610600" y="6356350"/>
+            <a:off x="8610600" y="6356352"/>
             <a:ext cx="2743200" cy="365125"/>
           </a:xfrm>
           <a:prstGeom prst="rect">
@@ -3459,7 +3729,7 @@
   </p:sldLayoutIdLst>
   <p:txStyles>
     <p:titleStyle>
-      <a:lvl1pPr algn="l" defTabSz="914400" rtl="0" eaLnBrk="1" latinLnBrk="0" hangingPunct="1">
+      <a:lvl1pPr algn="l" defTabSz="914369" rtl="0" eaLnBrk="1" latinLnBrk="0" hangingPunct="1">
         <a:lnSpc>
           <a:spcPct val="90000"/>
         </a:lnSpc>
@@ -3478,7 +3748,7 @@
       </a:lvl1pPr>
     </p:titleStyle>
     <p:bodyStyle>
-      <a:lvl1pPr marL="228600" indent="-228600" algn="l" defTabSz="914400" rtl="0" eaLnBrk="1" latinLnBrk="0" hangingPunct="1">
+      <a:lvl1pPr marL="228593" indent="-228593" algn="l" defTabSz="914369" rtl="0" eaLnBrk="1" latinLnBrk="0" hangingPunct="1">
         <a:lnSpc>
           <a:spcPct val="90000"/>
         </a:lnSpc>
@@ -3496,7 +3766,7 @@
           <a:cs typeface="+mn-cs"/>
         </a:defRPr>
       </a:lvl1pPr>
-      <a:lvl2pPr marL="685800" indent="-228600" algn="l" defTabSz="914400" rtl="0" eaLnBrk="1" latinLnBrk="0" hangingPunct="1">
+      <a:lvl2pPr marL="685776" indent="-228593" algn="l" defTabSz="914369" rtl="0" eaLnBrk="1" latinLnBrk="0" hangingPunct="1">
         <a:lnSpc>
           <a:spcPct val="90000"/>
         </a:lnSpc>
@@ -3514,7 +3784,7 @@
           <a:cs typeface="+mn-cs"/>
         </a:defRPr>
       </a:lvl2pPr>
-      <a:lvl3pPr marL="1143000" indent="-228600" algn="l" defTabSz="914400" rtl="0" eaLnBrk="1" latinLnBrk="0" hangingPunct="1">
+      <a:lvl3pPr marL="1142960" indent="-228593" algn="l" defTabSz="914369" rtl="0" eaLnBrk="1" latinLnBrk="0" hangingPunct="1">
         <a:lnSpc>
           <a:spcPct val="90000"/>
         </a:lnSpc>
@@ -3532,7 +3802,7 @@
           <a:cs typeface="+mn-cs"/>
         </a:defRPr>
       </a:lvl3pPr>
-      <a:lvl4pPr marL="1600200" indent="-228600" algn="l" defTabSz="914400" rtl="0" eaLnBrk="1" latinLnBrk="0" hangingPunct="1">
+      <a:lvl4pPr marL="1600144" indent="-228593" algn="l" defTabSz="914369" rtl="0" eaLnBrk="1" latinLnBrk="0" hangingPunct="1">
         <a:lnSpc>
           <a:spcPct val="90000"/>
         </a:lnSpc>
@@ -3550,7 +3820,7 @@
           <a:cs typeface="+mn-cs"/>
         </a:defRPr>
       </a:lvl4pPr>
-      <a:lvl5pPr marL="2057400" indent="-228600" algn="l" defTabSz="914400" rtl="0" eaLnBrk="1" latinLnBrk="0" hangingPunct="1">
+      <a:lvl5pPr marL="2057327" indent="-228593" algn="l" defTabSz="914369" rtl="0" eaLnBrk="1" latinLnBrk="0" hangingPunct="1">
         <a:lnSpc>
           <a:spcPct val="90000"/>
         </a:lnSpc>
@@ -3568,7 +3838,7 @@
           <a:cs typeface="+mn-cs"/>
         </a:defRPr>
       </a:lvl5pPr>
-      <a:lvl6pPr marL="2514600" indent="-228600" algn="l" defTabSz="914400" rtl="0" eaLnBrk="1" latinLnBrk="0" hangingPunct="1">
+      <a:lvl6pPr marL="2514512" indent="-228593" algn="l" defTabSz="914369" rtl="0" eaLnBrk="1" latinLnBrk="0" hangingPunct="1">
         <a:lnSpc>
           <a:spcPct val="90000"/>
         </a:lnSpc>
@@ -3586,7 +3856,7 @@
           <a:cs typeface="+mn-cs"/>
         </a:defRPr>
       </a:lvl6pPr>
-      <a:lvl7pPr marL="2971800" indent="-228600" algn="l" defTabSz="914400" rtl="0" eaLnBrk="1" latinLnBrk="0" hangingPunct="1">
+      <a:lvl7pPr marL="2971696" indent="-228593" algn="l" defTabSz="914369" rtl="0" eaLnBrk="1" latinLnBrk="0" hangingPunct="1">
         <a:lnSpc>
           <a:spcPct val="90000"/>
         </a:lnSpc>
@@ -3604,7 +3874,7 @@
           <a:cs typeface="+mn-cs"/>
         </a:defRPr>
       </a:lvl7pPr>
-      <a:lvl8pPr marL="3429000" indent="-228600" algn="l" defTabSz="914400" rtl="0" eaLnBrk="1" latinLnBrk="0" hangingPunct="1">
+      <a:lvl8pPr marL="3428880" indent="-228593" algn="l" defTabSz="914369" rtl="0" eaLnBrk="1" latinLnBrk="0" hangingPunct="1">
         <a:lnSpc>
           <a:spcPct val="90000"/>
         </a:lnSpc>
@@ -3622,7 +3892,7 @@
           <a:cs typeface="+mn-cs"/>
         </a:defRPr>
       </a:lvl8pPr>
-      <a:lvl9pPr marL="3886200" indent="-228600" algn="l" defTabSz="914400" rtl="0" eaLnBrk="1" latinLnBrk="0" hangingPunct="1">
+      <a:lvl9pPr marL="3886064" indent="-228593" algn="l" defTabSz="914369" rtl="0" eaLnBrk="1" latinLnBrk="0" hangingPunct="1">
         <a:lnSpc>
           <a:spcPct val="90000"/>
         </a:lnSpc>
@@ -3645,7 +3915,7 @@
       <a:defPPr>
         <a:defRPr lang="en-US"/>
       </a:defPPr>
-      <a:lvl1pPr marL="0" algn="l" defTabSz="914400" rtl="0" eaLnBrk="1" latinLnBrk="0" hangingPunct="1">
+      <a:lvl1pPr marL="0" algn="l" defTabSz="914369" rtl="0" eaLnBrk="1" latinLnBrk="0" hangingPunct="1">
         <a:defRPr sz="1800" kern="1200">
           <a:solidFill>
             <a:schemeClr val="tx1"/>
@@ -3655,7 +3925,7 @@
           <a:cs typeface="+mn-cs"/>
         </a:defRPr>
       </a:lvl1pPr>
-      <a:lvl2pPr marL="457200" algn="l" defTabSz="914400" rtl="0" eaLnBrk="1" latinLnBrk="0" hangingPunct="1">
+      <a:lvl2pPr marL="457184" algn="l" defTabSz="914369" rtl="0" eaLnBrk="1" latinLnBrk="0" hangingPunct="1">
         <a:defRPr sz="1800" kern="1200">
           <a:solidFill>
             <a:schemeClr val="tx1"/>
@@ -3665,7 +3935,7 @@
           <a:cs typeface="+mn-cs"/>
         </a:defRPr>
       </a:lvl2pPr>
-      <a:lvl3pPr marL="914400" algn="l" defTabSz="914400" rtl="0" eaLnBrk="1" latinLnBrk="0" hangingPunct="1">
+      <a:lvl3pPr marL="914369" algn="l" defTabSz="914369" rtl="0" eaLnBrk="1" latinLnBrk="0" hangingPunct="1">
         <a:defRPr sz="1800" kern="1200">
           <a:solidFill>
             <a:schemeClr val="tx1"/>
@@ -3675,7 +3945,7 @@
           <a:cs typeface="+mn-cs"/>
         </a:defRPr>
       </a:lvl3pPr>
-      <a:lvl4pPr marL="1371600" algn="l" defTabSz="914400" rtl="0" eaLnBrk="1" latinLnBrk="0" hangingPunct="1">
+      <a:lvl4pPr marL="1371552" algn="l" defTabSz="914369" rtl="0" eaLnBrk="1" latinLnBrk="0" hangingPunct="1">
         <a:defRPr sz="1800" kern="1200">
           <a:solidFill>
             <a:schemeClr val="tx1"/>
@@ -3685,7 +3955,7 @@
           <a:cs typeface="+mn-cs"/>
         </a:defRPr>
       </a:lvl4pPr>
-      <a:lvl5pPr marL="1828800" algn="l" defTabSz="914400" rtl="0" eaLnBrk="1" latinLnBrk="0" hangingPunct="1">
+      <a:lvl5pPr marL="1828736" algn="l" defTabSz="914369" rtl="0" eaLnBrk="1" latinLnBrk="0" hangingPunct="1">
         <a:defRPr sz="1800" kern="1200">
           <a:solidFill>
             <a:schemeClr val="tx1"/>
@@ -3695,7 +3965,7 @@
           <a:cs typeface="+mn-cs"/>
         </a:defRPr>
       </a:lvl5pPr>
-      <a:lvl6pPr marL="2286000" algn="l" defTabSz="914400" rtl="0" eaLnBrk="1" latinLnBrk="0" hangingPunct="1">
+      <a:lvl6pPr marL="2285920" algn="l" defTabSz="914369" rtl="0" eaLnBrk="1" latinLnBrk="0" hangingPunct="1">
         <a:defRPr sz="1800" kern="1200">
           <a:solidFill>
             <a:schemeClr val="tx1"/>
@@ -3705,7 +3975,7 @@
           <a:cs typeface="+mn-cs"/>
         </a:defRPr>
       </a:lvl6pPr>
-      <a:lvl7pPr marL="2743200" algn="l" defTabSz="914400" rtl="0" eaLnBrk="1" latinLnBrk="0" hangingPunct="1">
+      <a:lvl7pPr marL="2743105" algn="l" defTabSz="914369" rtl="0" eaLnBrk="1" latinLnBrk="0" hangingPunct="1">
         <a:defRPr sz="1800" kern="1200">
           <a:solidFill>
             <a:schemeClr val="tx1"/>
@@ -3715,7 +3985,7 @@
           <a:cs typeface="+mn-cs"/>
         </a:defRPr>
       </a:lvl7pPr>
-      <a:lvl8pPr marL="3200400" algn="l" defTabSz="914400" rtl="0" eaLnBrk="1" latinLnBrk="0" hangingPunct="1">
+      <a:lvl8pPr marL="3200288" algn="l" defTabSz="914369" rtl="0" eaLnBrk="1" latinLnBrk="0" hangingPunct="1">
         <a:defRPr sz="1800" kern="1200">
           <a:solidFill>
             <a:schemeClr val="tx1"/>
@@ -3725,7 +3995,7 @@
           <a:cs typeface="+mn-cs"/>
         </a:defRPr>
       </a:lvl8pPr>
-      <a:lvl9pPr marL="3657600" algn="l" defTabSz="914400" rtl="0" eaLnBrk="1" latinLnBrk="0" hangingPunct="1">
+      <a:lvl9pPr marL="3657472" algn="l" defTabSz="914369" rtl="0" eaLnBrk="1" latinLnBrk="0" hangingPunct="1">
         <a:defRPr sz="1800" kern="1200">
           <a:solidFill>
             <a:schemeClr val="tx1"/>
@@ -3771,8 +4041,8 @@
         </p:nvGrpSpPr>
         <p:grpSpPr>
           <a:xfrm>
-            <a:off x="3223868" y="-159476"/>
-            <a:ext cx="5744264" cy="5655540"/>
+            <a:off x="3223869" y="-159475"/>
+            <a:ext cx="5744266" cy="5655541"/>
             <a:chOff x="3223868" y="-159476"/>
             <a:chExt cx="5744264" cy="5655540"/>
           </a:xfrm>
@@ -4035,12 +4305,12 @@
                 </a:fontRef>
               </p:style>
               <p:txBody>
-                <a:bodyPr spcFirstLastPara="0" vert="horz" wrap="square" lIns="98545" tIns="98545" rIns="98545" bIns="98545" numCol="1" spcCol="1270" anchor="ctr" anchorCtr="0">
+                <a:bodyPr spcFirstLastPara="0" vert="horz" wrap="square" lIns="98546" tIns="98546" rIns="98546" bIns="98546" numCol="1" spcCol="1270" anchor="ctr" anchorCtr="0">
                   <a:noAutofit/>
                 </a:bodyPr>
                 <a:lstStyle/>
                 <a:p>
-                  <a:pPr algn="ctr" defTabSz="711272">
+                  <a:pPr algn="ctr" defTabSz="711230">
                     <a:lnSpc>
                       <a:spcPct val="90000"/>
                     </a:lnSpc>
@@ -4217,12 +4487,12 @@
                 </a:fontRef>
               </p:style>
               <p:txBody>
-                <a:bodyPr spcFirstLastPara="0" vert="horz" wrap="square" lIns="98545" tIns="98545" rIns="98545" bIns="98545" numCol="1" spcCol="1270" anchor="ctr" anchorCtr="0">
+                <a:bodyPr spcFirstLastPara="0" vert="horz" wrap="square" lIns="98546" tIns="98546" rIns="98546" bIns="98546" numCol="1" spcCol="1270" anchor="ctr" anchorCtr="0">
                   <a:noAutofit/>
                 </a:bodyPr>
                 <a:lstStyle/>
                 <a:p>
-                  <a:pPr algn="ctr" defTabSz="711272">
+                  <a:pPr algn="ctr" defTabSz="711230">
                     <a:lnSpc>
                       <a:spcPct val="90000"/>
                     </a:lnSpc>
@@ -4399,12 +4669,12 @@
                 </a:fontRef>
               </p:style>
               <p:txBody>
-                <a:bodyPr spcFirstLastPara="0" vert="horz" wrap="square" lIns="98545" tIns="98545" rIns="98545" bIns="98545" numCol="1" spcCol="1270" anchor="ctr" anchorCtr="0">
+                <a:bodyPr spcFirstLastPara="0" vert="horz" wrap="square" lIns="98546" tIns="98546" rIns="98546" bIns="98546" numCol="1" spcCol="1270" anchor="ctr" anchorCtr="0">
                   <a:noAutofit/>
                 </a:bodyPr>
                 <a:lstStyle/>
                 <a:p>
-                  <a:pPr algn="ctr" defTabSz="711272">
+                  <a:pPr algn="ctr" defTabSz="711230">
                     <a:lnSpc>
                       <a:spcPct val="90000"/>
                     </a:lnSpc>
@@ -4647,12 +4917,12 @@
                 </a:fontRef>
               </p:style>
               <p:txBody>
-                <a:bodyPr spcFirstLastPara="0" vert="horz" wrap="square" lIns="98545" tIns="98545" rIns="98545" bIns="98545" numCol="1" spcCol="1270" anchor="ctr" anchorCtr="0">
+                <a:bodyPr spcFirstLastPara="0" vert="horz" wrap="square" lIns="98546" tIns="98546" rIns="98546" bIns="98546" numCol="1" spcCol="1270" anchor="ctr" anchorCtr="0">
                   <a:noAutofit/>
                 </a:bodyPr>
                 <a:lstStyle/>
                 <a:p>
-                  <a:pPr algn="ctr" defTabSz="711272">
+                  <a:pPr algn="ctr" defTabSz="711230">
                     <a:lnSpc>
                       <a:spcPct val="90000"/>
                     </a:lnSpc>
@@ -4829,12 +5099,12 @@
                 </a:fontRef>
               </p:style>
               <p:txBody>
-                <a:bodyPr spcFirstLastPara="0" vert="horz" wrap="square" lIns="98545" tIns="98545" rIns="98545" bIns="98545" numCol="1" spcCol="1270" anchor="ctr" anchorCtr="0">
+                <a:bodyPr spcFirstLastPara="0" vert="horz" wrap="square" lIns="98546" tIns="98546" rIns="98546" bIns="98546" numCol="1" spcCol="1270" anchor="ctr" anchorCtr="0">
                   <a:noAutofit/>
                 </a:bodyPr>
                 <a:lstStyle/>
                 <a:p>
-                  <a:pPr algn="ctr" defTabSz="711272">
+                  <a:pPr algn="ctr" defTabSz="711230">
                     <a:lnSpc>
                       <a:spcPct val="90000"/>
                     </a:lnSpc>
@@ -5313,6 +5583,5557 @@
     <p:extLst>
       <p:ext uri="{BB962C8B-B14F-4D97-AF65-F5344CB8AC3E}">
         <p14:creationId xmlns:p14="http://schemas.microsoft.com/office/powerpoint/2010/main" val="3638777787"/>
+      </p:ext>
+    </p:extLst>
+  </p:cSld>
+  <p:clrMapOvr>
+    <a:masterClrMapping/>
+  </p:clrMapOvr>
+</p:sld>
+</file>
+
+<file path=ppt/slides/slide2.xml><?xml version="1.0" encoding="utf-8"?>
+<p:sld xmlns:a="http://schemas.openxmlformats.org/drawingml/2006/main" xmlns:r="http://schemas.openxmlformats.org/officeDocument/2006/relationships" xmlns:p="http://schemas.openxmlformats.org/presentationml/2006/main">
+  <p:cSld>
+    <p:spTree>
+      <p:nvGrpSpPr>
+        <p:cNvPr id="1" name=""/>
+        <p:cNvGrpSpPr/>
+        <p:nvPr/>
+      </p:nvGrpSpPr>
+      <p:grpSpPr>
+        <a:xfrm>
+          <a:off x="0" y="0"/>
+          <a:ext cx="0" cy="0"/>
+          <a:chOff x="0" y="0"/>
+          <a:chExt cx="0" cy="0"/>
+        </a:xfrm>
+      </p:grpSpPr>
+      <p:sp>
+        <p:nvSpPr>
+          <p:cNvPr id="28" name="Rectangle: Rounded Corners 27">
+            <a:extLst>
+              <a:ext uri="{FF2B5EF4-FFF2-40B4-BE49-F238E27FC236}">
+                <a16:creationId xmlns:a16="http://schemas.microsoft.com/office/drawing/2014/main" id="{6F3599B3-C16D-4A2D-BC4E-37E26784B975}"/>
+              </a:ext>
+            </a:extLst>
+          </p:cNvPr>
+          <p:cNvSpPr/>
+          <p:nvPr/>
+        </p:nvSpPr>
+        <p:spPr>
+          <a:xfrm>
+            <a:off x="1192122" y="2043062"/>
+            <a:ext cx="4402719" cy="725741"/>
+          </a:xfrm>
+          <a:prstGeom prst="roundRect">
+            <a:avLst/>
+          </a:prstGeom>
+          <a:solidFill>
+            <a:schemeClr val="accent6">
+              <a:lumMod val="20000"/>
+              <a:lumOff val="80000"/>
+            </a:schemeClr>
+          </a:solidFill>
+          <a:ln w="28575">
+            <a:solidFill>
+              <a:schemeClr val="tx1"/>
+            </a:solidFill>
+          </a:ln>
+        </p:spPr>
+        <p:style>
+          <a:lnRef idx="2">
+            <a:schemeClr val="accent1">
+              <a:shade val="50000"/>
+            </a:schemeClr>
+          </a:lnRef>
+          <a:fillRef idx="1">
+            <a:schemeClr val="accent1"/>
+          </a:fillRef>
+          <a:effectRef idx="0">
+            <a:schemeClr val="accent1"/>
+          </a:effectRef>
+          <a:fontRef idx="minor">
+            <a:schemeClr val="lt1"/>
+          </a:fontRef>
+        </p:style>
+        <p:txBody>
+          <a:bodyPr rtlCol="0" anchor="ctr"/>
+          <a:lstStyle/>
+          <a:p>
+            <a:pPr algn="ctr"/>
+            <a:endParaRPr lang="en-US" sz="901"/>
+          </a:p>
+        </p:txBody>
+      </p:sp>
+      <p:sp>
+        <p:nvSpPr>
+          <p:cNvPr id="29" name="Rectangle 28">
+            <a:extLst>
+              <a:ext uri="{FF2B5EF4-FFF2-40B4-BE49-F238E27FC236}">
+                <a16:creationId xmlns:a16="http://schemas.microsoft.com/office/drawing/2014/main" id="{08EB8E5A-6B88-487C-8442-94F4D103B956}"/>
+              </a:ext>
+            </a:extLst>
+          </p:cNvPr>
+          <p:cNvSpPr/>
+          <p:nvPr/>
+        </p:nvSpPr>
+        <p:spPr>
+          <a:xfrm>
+            <a:off x="2301647" y="2159981"/>
+            <a:ext cx="887821" cy="518174"/>
+          </a:xfrm>
+          <a:prstGeom prst="rect">
+            <a:avLst/>
+          </a:prstGeom>
+          <a:noFill/>
+          <a:ln>
+            <a:noFill/>
+          </a:ln>
+        </p:spPr>
+        <p:style>
+          <a:lnRef idx="2">
+            <a:schemeClr val="accent1">
+              <a:shade val="50000"/>
+            </a:schemeClr>
+          </a:lnRef>
+          <a:fillRef idx="1">
+            <a:schemeClr val="accent1"/>
+          </a:fillRef>
+          <a:effectRef idx="0">
+            <a:schemeClr val="accent1"/>
+          </a:effectRef>
+          <a:fontRef idx="minor">
+            <a:schemeClr val="lt1"/>
+          </a:fontRef>
+        </p:style>
+        <p:txBody>
+          <a:bodyPr rtlCol="0" anchor="ctr"/>
+          <a:lstStyle/>
+          <a:p>
+            <a:pPr algn="ctr"/>
+            <a:r>
+              <a:rPr lang="en-US" sz="901" dirty="0">
+                <a:solidFill>
+                  <a:schemeClr val="tx1"/>
+                </a:solidFill>
+                <a:latin typeface="Times New Roman" panose="02020603050405020304" pitchFamily="18" charset="0"/>
+                <a:cs typeface="Times New Roman" panose="02020603050405020304" pitchFamily="18" charset="0"/>
+              </a:rPr>
+              <a:t>Collect and synthesize data</a:t>
+            </a:r>
+            <a:endParaRPr lang="en-US" sz="901" dirty="0"/>
+          </a:p>
+        </p:txBody>
+      </p:sp>
+      <p:sp>
+        <p:nvSpPr>
+          <p:cNvPr id="30" name="Rectangle 29">
+            <a:extLst>
+              <a:ext uri="{FF2B5EF4-FFF2-40B4-BE49-F238E27FC236}">
+                <a16:creationId xmlns:a16="http://schemas.microsoft.com/office/drawing/2014/main" id="{D3F32D2B-911D-43C1-9793-23D43D740601}"/>
+              </a:ext>
+            </a:extLst>
+          </p:cNvPr>
+          <p:cNvSpPr/>
+          <p:nvPr/>
+        </p:nvSpPr>
+        <p:spPr>
+          <a:xfrm>
+            <a:off x="3411175" y="2159981"/>
+            <a:ext cx="887821" cy="518174"/>
+          </a:xfrm>
+          <a:prstGeom prst="rect">
+            <a:avLst/>
+          </a:prstGeom>
+          <a:noFill/>
+          <a:ln>
+            <a:noFill/>
+          </a:ln>
+        </p:spPr>
+        <p:style>
+          <a:lnRef idx="2">
+            <a:schemeClr val="accent1">
+              <a:shade val="50000"/>
+            </a:schemeClr>
+          </a:lnRef>
+          <a:fillRef idx="1">
+            <a:schemeClr val="accent1"/>
+          </a:fillRef>
+          <a:effectRef idx="0">
+            <a:schemeClr val="accent1"/>
+          </a:effectRef>
+          <a:fontRef idx="minor">
+            <a:schemeClr val="lt1"/>
+          </a:fontRef>
+        </p:style>
+        <p:txBody>
+          <a:bodyPr rtlCol="0" anchor="ctr"/>
+          <a:lstStyle/>
+          <a:p>
+            <a:pPr algn="ctr"/>
+            <a:r>
+              <a:rPr lang="en-US" sz="901" dirty="0">
+                <a:solidFill>
+                  <a:schemeClr val="tx1"/>
+                </a:solidFill>
+                <a:latin typeface="Times New Roman" panose="02020603050405020304" pitchFamily="18" charset="0"/>
+                <a:cs typeface="Times New Roman" panose="02020603050405020304" pitchFamily="18" charset="0"/>
+              </a:rPr>
+              <a:t>Develop </a:t>
+            </a:r>
+          </a:p>
+          <a:p>
+            <a:pPr algn="ctr"/>
+            <a:r>
+              <a:rPr lang="en-US" sz="901" dirty="0">
+                <a:solidFill>
+                  <a:schemeClr val="tx1"/>
+                </a:solidFill>
+                <a:latin typeface="Times New Roman" panose="02020603050405020304" pitchFamily="18" charset="0"/>
+                <a:cs typeface="Times New Roman" panose="02020603050405020304" pitchFamily="18" charset="0"/>
+              </a:rPr>
+              <a:t>tool</a:t>
+            </a:r>
+            <a:endParaRPr lang="en-US" sz="901" dirty="0"/>
+          </a:p>
+        </p:txBody>
+      </p:sp>
+      <p:sp>
+        <p:nvSpPr>
+          <p:cNvPr id="31" name="Rectangle 30">
+            <a:extLst>
+              <a:ext uri="{FF2B5EF4-FFF2-40B4-BE49-F238E27FC236}">
+                <a16:creationId xmlns:a16="http://schemas.microsoft.com/office/drawing/2014/main" id="{06250098-FE03-499F-933D-55B834B6996F}"/>
+              </a:ext>
+            </a:extLst>
+          </p:cNvPr>
+          <p:cNvSpPr/>
+          <p:nvPr/>
+        </p:nvSpPr>
+        <p:spPr>
+          <a:xfrm>
+            <a:off x="4651716" y="2165419"/>
+            <a:ext cx="943124" cy="518174"/>
+          </a:xfrm>
+          <a:prstGeom prst="rect">
+            <a:avLst/>
+          </a:prstGeom>
+          <a:noFill/>
+          <a:ln>
+            <a:noFill/>
+          </a:ln>
+        </p:spPr>
+        <p:style>
+          <a:lnRef idx="2">
+            <a:schemeClr val="accent1">
+              <a:shade val="50000"/>
+            </a:schemeClr>
+          </a:lnRef>
+          <a:fillRef idx="1">
+            <a:schemeClr val="accent1"/>
+          </a:fillRef>
+          <a:effectRef idx="0">
+            <a:schemeClr val="accent1"/>
+          </a:effectRef>
+          <a:fontRef idx="minor">
+            <a:schemeClr val="lt1"/>
+          </a:fontRef>
+        </p:style>
+        <p:txBody>
+          <a:bodyPr rtlCol="0" anchor="ctr"/>
+          <a:lstStyle/>
+          <a:p>
+            <a:pPr algn="ctr"/>
+            <a:r>
+              <a:rPr lang="en-US" sz="901" dirty="0">
+                <a:solidFill>
+                  <a:schemeClr val="tx1"/>
+                </a:solidFill>
+                <a:latin typeface="Times New Roman" panose="02020603050405020304" pitchFamily="18" charset="0"/>
+                <a:cs typeface="Times New Roman" panose="02020603050405020304" pitchFamily="18" charset="0"/>
+              </a:rPr>
+              <a:t>Summarize in report or manuscript</a:t>
+            </a:r>
+          </a:p>
+        </p:txBody>
+      </p:sp>
+      <p:cxnSp>
+        <p:nvCxnSpPr>
+          <p:cNvPr id="32" name="Straight Arrow Connector 31">
+            <a:extLst>
+              <a:ext uri="{FF2B5EF4-FFF2-40B4-BE49-F238E27FC236}">
+                <a16:creationId xmlns:a16="http://schemas.microsoft.com/office/drawing/2014/main" id="{9A67E5AF-67C9-44FB-A9EB-4DF41DA18E3D}"/>
+              </a:ext>
+            </a:extLst>
+          </p:cNvPr>
+          <p:cNvCxnSpPr>
+            <a:cxnSpLocks/>
+            <a:stCxn id="29" idx="3"/>
+            <a:endCxn id="30" idx="1"/>
+          </p:cNvCxnSpPr>
+          <p:nvPr/>
+        </p:nvCxnSpPr>
+        <p:spPr>
+          <a:xfrm>
+            <a:off x="3189470" y="2419068"/>
+            <a:ext cx="221705" cy="0"/>
+          </a:xfrm>
+          <a:prstGeom prst="straightConnector1">
+            <a:avLst/>
+          </a:prstGeom>
+          <a:ln>
+            <a:solidFill>
+              <a:schemeClr val="tx1"/>
+            </a:solidFill>
+            <a:tailEnd type="triangle" w="med" len="med"/>
+          </a:ln>
+        </p:spPr>
+        <p:style>
+          <a:lnRef idx="1">
+            <a:schemeClr val="accent1"/>
+          </a:lnRef>
+          <a:fillRef idx="0">
+            <a:schemeClr val="accent1"/>
+          </a:fillRef>
+          <a:effectRef idx="0">
+            <a:schemeClr val="accent1"/>
+          </a:effectRef>
+          <a:fontRef idx="minor">
+            <a:schemeClr val="tx1"/>
+          </a:fontRef>
+        </p:style>
+      </p:cxnSp>
+      <p:cxnSp>
+        <p:nvCxnSpPr>
+          <p:cNvPr id="33" name="Straight Arrow Connector 32">
+            <a:extLst>
+              <a:ext uri="{FF2B5EF4-FFF2-40B4-BE49-F238E27FC236}">
+                <a16:creationId xmlns:a16="http://schemas.microsoft.com/office/drawing/2014/main" id="{EE867130-73A7-424D-A929-C13BE1637FEB}"/>
+              </a:ext>
+            </a:extLst>
+          </p:cNvPr>
+          <p:cNvCxnSpPr>
+            <a:cxnSpLocks/>
+            <a:stCxn id="30" idx="3"/>
+          </p:cNvCxnSpPr>
+          <p:nvPr/>
+        </p:nvCxnSpPr>
+        <p:spPr>
+          <a:xfrm>
+            <a:off x="4298996" y="2419068"/>
+            <a:ext cx="221705" cy="0"/>
+          </a:xfrm>
+          <a:prstGeom prst="straightConnector1">
+            <a:avLst/>
+          </a:prstGeom>
+          <a:ln>
+            <a:solidFill>
+              <a:schemeClr val="tx1"/>
+            </a:solidFill>
+            <a:tailEnd type="triangle" w="med" len="med"/>
+          </a:ln>
+        </p:spPr>
+        <p:style>
+          <a:lnRef idx="1">
+            <a:schemeClr val="accent1"/>
+          </a:lnRef>
+          <a:fillRef idx="0">
+            <a:schemeClr val="accent1"/>
+          </a:fillRef>
+          <a:effectRef idx="0">
+            <a:schemeClr val="accent1"/>
+          </a:effectRef>
+          <a:fontRef idx="minor">
+            <a:schemeClr val="tx1"/>
+          </a:fontRef>
+        </p:style>
+      </p:cxnSp>
+      <p:sp>
+        <p:nvSpPr>
+          <p:cNvPr id="34" name="Rectangle 33">
+            <a:extLst>
+              <a:ext uri="{FF2B5EF4-FFF2-40B4-BE49-F238E27FC236}">
+                <a16:creationId xmlns:a16="http://schemas.microsoft.com/office/drawing/2014/main" id="{8A9563FD-2706-472B-91AB-5F019C4EE8B9}"/>
+              </a:ext>
+            </a:extLst>
+          </p:cNvPr>
+          <p:cNvSpPr/>
+          <p:nvPr/>
+        </p:nvSpPr>
+        <p:spPr>
+          <a:xfrm>
+            <a:off x="1192121" y="2159981"/>
+            <a:ext cx="887821" cy="518174"/>
+          </a:xfrm>
+          <a:prstGeom prst="rect">
+            <a:avLst/>
+          </a:prstGeom>
+          <a:noFill/>
+          <a:ln>
+            <a:noFill/>
+          </a:ln>
+        </p:spPr>
+        <p:style>
+          <a:lnRef idx="2">
+            <a:schemeClr val="accent1">
+              <a:shade val="50000"/>
+            </a:schemeClr>
+          </a:lnRef>
+          <a:fillRef idx="1">
+            <a:schemeClr val="accent1"/>
+          </a:fillRef>
+          <a:effectRef idx="0">
+            <a:schemeClr val="accent1"/>
+          </a:effectRef>
+          <a:fontRef idx="minor">
+            <a:schemeClr val="lt1"/>
+          </a:fontRef>
+        </p:style>
+        <p:txBody>
+          <a:bodyPr rtlCol="0" anchor="ctr"/>
+          <a:lstStyle/>
+          <a:p>
+            <a:pPr algn="ctr"/>
+            <a:r>
+              <a:rPr lang="en-US" sz="901" dirty="0">
+                <a:solidFill>
+                  <a:schemeClr val="tx1"/>
+                </a:solidFill>
+                <a:latin typeface="Times New Roman" panose="02020603050405020304" pitchFamily="18" charset="0"/>
+                <a:cs typeface="Times New Roman" panose="02020603050405020304" pitchFamily="18" charset="0"/>
+              </a:rPr>
+              <a:t>Identify research goals</a:t>
+            </a:r>
+            <a:endParaRPr lang="en-US" sz="901" dirty="0"/>
+          </a:p>
+        </p:txBody>
+      </p:sp>
+      <p:cxnSp>
+        <p:nvCxnSpPr>
+          <p:cNvPr id="35" name="Straight Arrow Connector 34">
+            <a:extLst>
+              <a:ext uri="{FF2B5EF4-FFF2-40B4-BE49-F238E27FC236}">
+                <a16:creationId xmlns:a16="http://schemas.microsoft.com/office/drawing/2014/main" id="{D2EA8392-B8A5-4622-9C7F-4472CF4B4277}"/>
+              </a:ext>
+            </a:extLst>
+          </p:cNvPr>
+          <p:cNvCxnSpPr>
+            <a:cxnSpLocks/>
+            <a:stCxn id="34" idx="3"/>
+            <a:endCxn id="29" idx="1"/>
+          </p:cNvCxnSpPr>
+          <p:nvPr/>
+        </p:nvCxnSpPr>
+        <p:spPr>
+          <a:xfrm>
+            <a:off x="2079942" y="2419068"/>
+            <a:ext cx="221705" cy="0"/>
+          </a:xfrm>
+          <a:prstGeom prst="straightConnector1">
+            <a:avLst/>
+          </a:prstGeom>
+          <a:ln>
+            <a:solidFill>
+              <a:schemeClr val="tx1"/>
+            </a:solidFill>
+            <a:tailEnd type="triangle" w="med" len="med"/>
+          </a:ln>
+        </p:spPr>
+        <p:style>
+          <a:lnRef idx="1">
+            <a:schemeClr val="accent1"/>
+          </a:lnRef>
+          <a:fillRef idx="0">
+            <a:schemeClr val="accent1"/>
+          </a:fillRef>
+          <a:effectRef idx="0">
+            <a:schemeClr val="accent1"/>
+          </a:effectRef>
+          <a:fontRef idx="minor">
+            <a:schemeClr val="tx1"/>
+          </a:fontRef>
+        </p:style>
+      </p:cxnSp>
+      <p:sp>
+        <p:nvSpPr>
+          <p:cNvPr id="55" name="Rectangle: Rounded Corners 54">
+            <a:extLst>
+              <a:ext uri="{FF2B5EF4-FFF2-40B4-BE49-F238E27FC236}">
+                <a16:creationId xmlns:a16="http://schemas.microsoft.com/office/drawing/2014/main" id="{800BF710-E331-4A47-9EE7-8DA709F997D8}"/>
+              </a:ext>
+            </a:extLst>
+          </p:cNvPr>
+          <p:cNvSpPr/>
+          <p:nvPr/>
+        </p:nvSpPr>
+        <p:spPr>
+          <a:xfrm>
+            <a:off x="995358" y="4370397"/>
+            <a:ext cx="4402719" cy="725741"/>
+          </a:xfrm>
+          <a:prstGeom prst="roundRect">
+            <a:avLst/>
+          </a:prstGeom>
+          <a:solidFill>
+            <a:schemeClr val="accent6">
+              <a:lumMod val="20000"/>
+              <a:lumOff val="80000"/>
+            </a:schemeClr>
+          </a:solidFill>
+          <a:ln w="28575">
+            <a:solidFill>
+              <a:schemeClr val="tx1"/>
+            </a:solidFill>
+          </a:ln>
+        </p:spPr>
+        <p:style>
+          <a:lnRef idx="2">
+            <a:schemeClr val="accent1">
+              <a:shade val="50000"/>
+            </a:schemeClr>
+          </a:lnRef>
+          <a:fillRef idx="1">
+            <a:schemeClr val="accent1"/>
+          </a:fillRef>
+          <a:effectRef idx="0">
+            <a:schemeClr val="accent1"/>
+          </a:effectRef>
+          <a:fontRef idx="minor">
+            <a:schemeClr val="lt1"/>
+          </a:fontRef>
+        </p:style>
+        <p:txBody>
+          <a:bodyPr rtlCol="0" anchor="ctr"/>
+          <a:lstStyle/>
+          <a:p>
+            <a:pPr algn="ctr"/>
+            <a:endParaRPr lang="en-US" sz="901"/>
+          </a:p>
+        </p:txBody>
+      </p:sp>
+      <p:sp>
+        <p:nvSpPr>
+          <p:cNvPr id="56" name="Rectangle 55">
+            <a:extLst>
+              <a:ext uri="{FF2B5EF4-FFF2-40B4-BE49-F238E27FC236}">
+                <a16:creationId xmlns:a16="http://schemas.microsoft.com/office/drawing/2014/main" id="{CD8D3593-7575-469F-BCEC-DF3F0A5E0758}"/>
+              </a:ext>
+            </a:extLst>
+          </p:cNvPr>
+          <p:cNvSpPr/>
+          <p:nvPr/>
+        </p:nvSpPr>
+        <p:spPr>
+          <a:xfrm>
+            <a:off x="2104883" y="4487316"/>
+            <a:ext cx="887821" cy="518174"/>
+          </a:xfrm>
+          <a:prstGeom prst="rect">
+            <a:avLst/>
+          </a:prstGeom>
+          <a:noFill/>
+          <a:ln>
+            <a:noFill/>
+          </a:ln>
+        </p:spPr>
+        <p:style>
+          <a:lnRef idx="2">
+            <a:schemeClr val="accent1">
+              <a:shade val="50000"/>
+            </a:schemeClr>
+          </a:lnRef>
+          <a:fillRef idx="1">
+            <a:schemeClr val="accent1"/>
+          </a:fillRef>
+          <a:effectRef idx="0">
+            <a:schemeClr val="accent1"/>
+          </a:effectRef>
+          <a:fontRef idx="minor">
+            <a:schemeClr val="lt1"/>
+          </a:fontRef>
+        </p:style>
+        <p:txBody>
+          <a:bodyPr rtlCol="0" anchor="ctr"/>
+          <a:lstStyle/>
+          <a:p>
+            <a:pPr algn="ctr"/>
+            <a:r>
+              <a:rPr lang="en-US" sz="901" dirty="0">
+                <a:solidFill>
+                  <a:schemeClr val="tx1"/>
+                </a:solidFill>
+                <a:latin typeface="Times New Roman" panose="02020603050405020304" pitchFamily="18" charset="0"/>
+                <a:cs typeface="Times New Roman" panose="02020603050405020304" pitchFamily="18" charset="0"/>
+              </a:rPr>
+              <a:t>Collect and synthesize data</a:t>
+            </a:r>
+            <a:endParaRPr lang="en-US" sz="901" dirty="0"/>
+          </a:p>
+        </p:txBody>
+      </p:sp>
+      <p:sp>
+        <p:nvSpPr>
+          <p:cNvPr id="57" name="Rectangle 56">
+            <a:extLst>
+              <a:ext uri="{FF2B5EF4-FFF2-40B4-BE49-F238E27FC236}">
+                <a16:creationId xmlns:a16="http://schemas.microsoft.com/office/drawing/2014/main" id="{EC6FC52C-4DD5-4EBB-9463-1F015D35F670}"/>
+              </a:ext>
+            </a:extLst>
+          </p:cNvPr>
+          <p:cNvSpPr/>
+          <p:nvPr/>
+        </p:nvSpPr>
+        <p:spPr>
+          <a:xfrm>
+            <a:off x="3214411" y="4487316"/>
+            <a:ext cx="887821" cy="518174"/>
+          </a:xfrm>
+          <a:prstGeom prst="rect">
+            <a:avLst/>
+          </a:prstGeom>
+          <a:noFill/>
+          <a:ln>
+            <a:noFill/>
+          </a:ln>
+        </p:spPr>
+        <p:style>
+          <a:lnRef idx="2">
+            <a:schemeClr val="accent1">
+              <a:shade val="50000"/>
+            </a:schemeClr>
+          </a:lnRef>
+          <a:fillRef idx="1">
+            <a:schemeClr val="accent1"/>
+          </a:fillRef>
+          <a:effectRef idx="0">
+            <a:schemeClr val="accent1"/>
+          </a:effectRef>
+          <a:fontRef idx="minor">
+            <a:schemeClr val="lt1"/>
+          </a:fontRef>
+        </p:style>
+        <p:txBody>
+          <a:bodyPr rtlCol="0" anchor="ctr"/>
+          <a:lstStyle/>
+          <a:p>
+            <a:pPr algn="ctr"/>
+            <a:r>
+              <a:rPr lang="en-US" sz="901" dirty="0">
+                <a:solidFill>
+                  <a:schemeClr val="tx1"/>
+                </a:solidFill>
+                <a:latin typeface="Times New Roman" panose="02020603050405020304" pitchFamily="18" charset="0"/>
+                <a:cs typeface="Times New Roman" panose="02020603050405020304" pitchFamily="18" charset="0"/>
+              </a:rPr>
+              <a:t>Develop </a:t>
+            </a:r>
+          </a:p>
+          <a:p>
+            <a:pPr algn="ctr"/>
+            <a:r>
+              <a:rPr lang="en-US" sz="901" dirty="0">
+                <a:solidFill>
+                  <a:schemeClr val="tx1"/>
+                </a:solidFill>
+                <a:latin typeface="Times New Roman" panose="02020603050405020304" pitchFamily="18" charset="0"/>
+                <a:cs typeface="Times New Roman" panose="02020603050405020304" pitchFamily="18" charset="0"/>
+              </a:rPr>
+              <a:t>tool</a:t>
+            </a:r>
+            <a:endParaRPr lang="en-US" sz="901" dirty="0"/>
+          </a:p>
+        </p:txBody>
+      </p:sp>
+      <p:sp>
+        <p:nvSpPr>
+          <p:cNvPr id="58" name="Rectangle 57">
+            <a:extLst>
+              <a:ext uri="{FF2B5EF4-FFF2-40B4-BE49-F238E27FC236}">
+                <a16:creationId xmlns:a16="http://schemas.microsoft.com/office/drawing/2014/main" id="{0788DE32-3AB4-4B7E-BD7D-5A47B1DEDC84}"/>
+              </a:ext>
+            </a:extLst>
+          </p:cNvPr>
+          <p:cNvSpPr/>
+          <p:nvPr/>
+        </p:nvSpPr>
+        <p:spPr>
+          <a:xfrm>
+            <a:off x="4454952" y="4492754"/>
+            <a:ext cx="943124" cy="518174"/>
+          </a:xfrm>
+          <a:prstGeom prst="rect">
+            <a:avLst/>
+          </a:prstGeom>
+          <a:noFill/>
+          <a:ln>
+            <a:noFill/>
+          </a:ln>
+        </p:spPr>
+        <p:style>
+          <a:lnRef idx="2">
+            <a:schemeClr val="accent1">
+              <a:shade val="50000"/>
+            </a:schemeClr>
+          </a:lnRef>
+          <a:fillRef idx="1">
+            <a:schemeClr val="accent1"/>
+          </a:fillRef>
+          <a:effectRef idx="0">
+            <a:schemeClr val="accent1"/>
+          </a:effectRef>
+          <a:fontRef idx="minor">
+            <a:schemeClr val="lt1"/>
+          </a:fontRef>
+        </p:style>
+        <p:txBody>
+          <a:bodyPr rtlCol="0" anchor="ctr"/>
+          <a:lstStyle/>
+          <a:p>
+            <a:pPr algn="ctr"/>
+            <a:r>
+              <a:rPr lang="en-US" sz="901" dirty="0">
+                <a:solidFill>
+                  <a:schemeClr val="tx1"/>
+                </a:solidFill>
+                <a:latin typeface="Times New Roman" panose="02020603050405020304" pitchFamily="18" charset="0"/>
+                <a:cs typeface="Times New Roman" panose="02020603050405020304" pitchFamily="18" charset="0"/>
+              </a:rPr>
+              <a:t>Summarize in report or manuscript</a:t>
+            </a:r>
+          </a:p>
+        </p:txBody>
+      </p:sp>
+      <p:cxnSp>
+        <p:nvCxnSpPr>
+          <p:cNvPr id="59" name="Straight Arrow Connector 58">
+            <a:extLst>
+              <a:ext uri="{FF2B5EF4-FFF2-40B4-BE49-F238E27FC236}">
+                <a16:creationId xmlns:a16="http://schemas.microsoft.com/office/drawing/2014/main" id="{6AC1CDF4-3810-42EA-9503-516568CF0B2B}"/>
+              </a:ext>
+            </a:extLst>
+          </p:cNvPr>
+          <p:cNvCxnSpPr>
+            <a:cxnSpLocks/>
+            <a:stCxn id="56" idx="3"/>
+            <a:endCxn id="57" idx="1"/>
+          </p:cNvCxnSpPr>
+          <p:nvPr/>
+        </p:nvCxnSpPr>
+        <p:spPr>
+          <a:xfrm>
+            <a:off x="2992706" y="4746403"/>
+            <a:ext cx="221705" cy="0"/>
+          </a:xfrm>
+          <a:prstGeom prst="straightConnector1">
+            <a:avLst/>
+          </a:prstGeom>
+          <a:ln>
+            <a:solidFill>
+              <a:schemeClr val="tx1"/>
+            </a:solidFill>
+            <a:tailEnd type="triangle" w="med" len="med"/>
+          </a:ln>
+        </p:spPr>
+        <p:style>
+          <a:lnRef idx="1">
+            <a:schemeClr val="accent1"/>
+          </a:lnRef>
+          <a:fillRef idx="0">
+            <a:schemeClr val="accent1"/>
+          </a:fillRef>
+          <a:effectRef idx="0">
+            <a:schemeClr val="accent1"/>
+          </a:effectRef>
+          <a:fontRef idx="minor">
+            <a:schemeClr val="tx1"/>
+          </a:fontRef>
+        </p:style>
+      </p:cxnSp>
+      <p:cxnSp>
+        <p:nvCxnSpPr>
+          <p:cNvPr id="60" name="Straight Arrow Connector 59">
+            <a:extLst>
+              <a:ext uri="{FF2B5EF4-FFF2-40B4-BE49-F238E27FC236}">
+                <a16:creationId xmlns:a16="http://schemas.microsoft.com/office/drawing/2014/main" id="{774D3309-03DE-43DD-9B28-818B9BE0F3D8}"/>
+              </a:ext>
+            </a:extLst>
+          </p:cNvPr>
+          <p:cNvCxnSpPr>
+            <a:cxnSpLocks/>
+            <a:stCxn id="57" idx="3"/>
+          </p:cNvCxnSpPr>
+          <p:nvPr/>
+        </p:nvCxnSpPr>
+        <p:spPr>
+          <a:xfrm>
+            <a:off x="4102232" y="4746403"/>
+            <a:ext cx="221705" cy="0"/>
+          </a:xfrm>
+          <a:prstGeom prst="straightConnector1">
+            <a:avLst/>
+          </a:prstGeom>
+          <a:ln>
+            <a:solidFill>
+              <a:schemeClr val="tx1"/>
+            </a:solidFill>
+            <a:tailEnd type="triangle" w="med" len="med"/>
+          </a:ln>
+        </p:spPr>
+        <p:style>
+          <a:lnRef idx="1">
+            <a:schemeClr val="accent1"/>
+          </a:lnRef>
+          <a:fillRef idx="0">
+            <a:schemeClr val="accent1"/>
+          </a:fillRef>
+          <a:effectRef idx="0">
+            <a:schemeClr val="accent1"/>
+          </a:effectRef>
+          <a:fontRef idx="minor">
+            <a:schemeClr val="tx1"/>
+          </a:fontRef>
+        </p:style>
+      </p:cxnSp>
+      <p:sp>
+        <p:nvSpPr>
+          <p:cNvPr id="61" name="Rectangle 60">
+            <a:extLst>
+              <a:ext uri="{FF2B5EF4-FFF2-40B4-BE49-F238E27FC236}">
+                <a16:creationId xmlns:a16="http://schemas.microsoft.com/office/drawing/2014/main" id="{E98EE89C-8A01-49D7-B4C6-D8D814376766}"/>
+              </a:ext>
+            </a:extLst>
+          </p:cNvPr>
+          <p:cNvSpPr/>
+          <p:nvPr/>
+        </p:nvSpPr>
+        <p:spPr>
+          <a:xfrm>
+            <a:off x="995357" y="4487316"/>
+            <a:ext cx="887821" cy="518174"/>
+          </a:xfrm>
+          <a:prstGeom prst="rect">
+            <a:avLst/>
+          </a:prstGeom>
+          <a:noFill/>
+          <a:ln>
+            <a:noFill/>
+          </a:ln>
+        </p:spPr>
+        <p:style>
+          <a:lnRef idx="2">
+            <a:schemeClr val="accent1">
+              <a:shade val="50000"/>
+            </a:schemeClr>
+          </a:lnRef>
+          <a:fillRef idx="1">
+            <a:schemeClr val="accent1"/>
+          </a:fillRef>
+          <a:effectRef idx="0">
+            <a:schemeClr val="accent1"/>
+          </a:effectRef>
+          <a:fontRef idx="minor">
+            <a:schemeClr val="lt1"/>
+          </a:fontRef>
+        </p:style>
+        <p:txBody>
+          <a:bodyPr rtlCol="0" anchor="ctr"/>
+          <a:lstStyle/>
+          <a:p>
+            <a:pPr algn="ctr"/>
+            <a:r>
+              <a:rPr lang="en-US" sz="901" dirty="0">
+                <a:solidFill>
+                  <a:schemeClr val="tx1"/>
+                </a:solidFill>
+                <a:latin typeface="Times New Roman" panose="02020603050405020304" pitchFamily="18" charset="0"/>
+                <a:cs typeface="Times New Roman" panose="02020603050405020304" pitchFamily="18" charset="0"/>
+              </a:rPr>
+              <a:t>Identify research goals</a:t>
+            </a:r>
+            <a:endParaRPr lang="en-US" sz="901" dirty="0"/>
+          </a:p>
+        </p:txBody>
+      </p:sp>
+      <p:cxnSp>
+        <p:nvCxnSpPr>
+          <p:cNvPr id="62" name="Straight Arrow Connector 61">
+            <a:extLst>
+              <a:ext uri="{FF2B5EF4-FFF2-40B4-BE49-F238E27FC236}">
+                <a16:creationId xmlns:a16="http://schemas.microsoft.com/office/drawing/2014/main" id="{6606D29D-C5E0-4779-AA06-E499E4D84EFA}"/>
+              </a:ext>
+            </a:extLst>
+          </p:cNvPr>
+          <p:cNvCxnSpPr>
+            <a:cxnSpLocks/>
+            <a:stCxn id="61" idx="3"/>
+            <a:endCxn id="56" idx="1"/>
+          </p:cNvCxnSpPr>
+          <p:nvPr/>
+        </p:nvCxnSpPr>
+        <p:spPr>
+          <a:xfrm>
+            <a:off x="1883178" y="4746403"/>
+            <a:ext cx="221705" cy="0"/>
+          </a:xfrm>
+          <a:prstGeom prst="straightConnector1">
+            <a:avLst/>
+          </a:prstGeom>
+          <a:ln>
+            <a:solidFill>
+              <a:schemeClr val="tx1"/>
+            </a:solidFill>
+            <a:tailEnd type="triangle" w="med" len="med"/>
+          </a:ln>
+        </p:spPr>
+        <p:style>
+          <a:lnRef idx="1">
+            <a:schemeClr val="accent1"/>
+          </a:lnRef>
+          <a:fillRef idx="0">
+            <a:schemeClr val="accent1"/>
+          </a:fillRef>
+          <a:effectRef idx="0">
+            <a:schemeClr val="accent1"/>
+          </a:effectRef>
+          <a:fontRef idx="minor">
+            <a:schemeClr val="tx1"/>
+          </a:fontRef>
+        </p:style>
+      </p:cxnSp>
+      <p:cxnSp>
+        <p:nvCxnSpPr>
+          <p:cNvPr id="63" name="Straight Arrow Connector 62">
+            <a:extLst>
+              <a:ext uri="{FF2B5EF4-FFF2-40B4-BE49-F238E27FC236}">
+                <a16:creationId xmlns:a16="http://schemas.microsoft.com/office/drawing/2014/main" id="{F3B63B7D-B42C-4D08-A467-47C1CB7B8F4D}"/>
+              </a:ext>
+            </a:extLst>
+          </p:cNvPr>
+          <p:cNvCxnSpPr>
+            <a:cxnSpLocks/>
+            <a:stCxn id="67" idx="0"/>
+          </p:cNvCxnSpPr>
+          <p:nvPr/>
+        </p:nvCxnSpPr>
+        <p:spPr>
+          <a:xfrm flipV="1">
+            <a:off x="2548793" y="4972784"/>
+            <a:ext cx="0" cy="319398"/>
+          </a:xfrm>
+          <a:prstGeom prst="straightConnector1">
+            <a:avLst/>
+          </a:prstGeom>
+          <a:ln>
+            <a:solidFill>
+              <a:schemeClr val="tx1"/>
+            </a:solidFill>
+            <a:tailEnd type="triangle" w="med" len="med"/>
+          </a:ln>
+        </p:spPr>
+        <p:style>
+          <a:lnRef idx="1">
+            <a:schemeClr val="accent1"/>
+          </a:lnRef>
+          <a:fillRef idx="0">
+            <a:schemeClr val="accent1"/>
+          </a:fillRef>
+          <a:effectRef idx="0">
+            <a:schemeClr val="accent1"/>
+          </a:effectRef>
+          <a:fontRef idx="minor">
+            <a:schemeClr val="tx1"/>
+          </a:fontRef>
+        </p:style>
+      </p:cxnSp>
+      <p:cxnSp>
+        <p:nvCxnSpPr>
+          <p:cNvPr id="64" name="Straight Arrow Connector 63">
+            <a:extLst>
+              <a:ext uri="{FF2B5EF4-FFF2-40B4-BE49-F238E27FC236}">
+                <a16:creationId xmlns:a16="http://schemas.microsoft.com/office/drawing/2014/main" id="{D73981BE-63DD-46F9-805C-1366C93C37F0}"/>
+              </a:ext>
+            </a:extLst>
+          </p:cNvPr>
+          <p:cNvCxnSpPr>
+            <a:cxnSpLocks/>
+            <a:stCxn id="66" idx="2"/>
+            <a:endCxn id="61" idx="0"/>
+          </p:cNvCxnSpPr>
+          <p:nvPr/>
+        </p:nvCxnSpPr>
+        <p:spPr>
+          <a:xfrm flipH="1">
+            <a:off x="1439268" y="4169045"/>
+            <a:ext cx="959" cy="318271"/>
+          </a:xfrm>
+          <a:prstGeom prst="straightConnector1">
+            <a:avLst/>
+          </a:prstGeom>
+          <a:ln>
+            <a:solidFill>
+              <a:schemeClr val="tx1"/>
+            </a:solidFill>
+            <a:tailEnd type="triangle" w="med" len="med"/>
+          </a:ln>
+        </p:spPr>
+        <p:style>
+          <a:lnRef idx="1">
+            <a:schemeClr val="accent1"/>
+          </a:lnRef>
+          <a:fillRef idx="0">
+            <a:schemeClr val="accent1"/>
+          </a:fillRef>
+          <a:effectRef idx="0">
+            <a:schemeClr val="accent1"/>
+          </a:effectRef>
+          <a:fontRef idx="minor">
+            <a:schemeClr val="tx1"/>
+          </a:fontRef>
+        </p:style>
+      </p:cxnSp>
+      <p:cxnSp>
+        <p:nvCxnSpPr>
+          <p:cNvPr id="65" name="Straight Arrow Connector 64">
+            <a:extLst>
+              <a:ext uri="{FF2B5EF4-FFF2-40B4-BE49-F238E27FC236}">
+                <a16:creationId xmlns:a16="http://schemas.microsoft.com/office/drawing/2014/main" id="{205D1CF5-7457-4CE0-BF6D-3F1EFEA57394}"/>
+              </a:ext>
+            </a:extLst>
+          </p:cNvPr>
+          <p:cNvCxnSpPr>
+            <a:cxnSpLocks/>
+            <a:stCxn id="68" idx="0"/>
+          </p:cNvCxnSpPr>
+          <p:nvPr/>
+        </p:nvCxnSpPr>
+        <p:spPr>
+          <a:xfrm flipV="1">
+            <a:off x="3658321" y="4972784"/>
+            <a:ext cx="0" cy="319525"/>
+          </a:xfrm>
+          <a:prstGeom prst="straightConnector1">
+            <a:avLst/>
+          </a:prstGeom>
+          <a:ln>
+            <a:solidFill>
+              <a:schemeClr val="tx1"/>
+            </a:solidFill>
+            <a:tailEnd type="triangle" w="med" len="med"/>
+          </a:ln>
+        </p:spPr>
+        <p:style>
+          <a:lnRef idx="1">
+            <a:schemeClr val="accent1"/>
+          </a:lnRef>
+          <a:fillRef idx="0">
+            <a:schemeClr val="accent1"/>
+          </a:fillRef>
+          <a:effectRef idx="0">
+            <a:schemeClr val="accent1"/>
+          </a:effectRef>
+          <a:fontRef idx="minor">
+            <a:schemeClr val="tx1"/>
+          </a:fontRef>
+        </p:style>
+      </p:cxnSp>
+      <p:sp>
+        <p:nvSpPr>
+          <p:cNvPr id="66" name="Rectangle: Rounded Corners 65">
+            <a:extLst>
+              <a:ext uri="{FF2B5EF4-FFF2-40B4-BE49-F238E27FC236}">
+                <a16:creationId xmlns:a16="http://schemas.microsoft.com/office/drawing/2014/main" id="{2EC28593-F4DB-462B-8ABF-1B46565DFBA9}"/>
+              </a:ext>
+            </a:extLst>
+          </p:cNvPr>
+          <p:cNvSpPr/>
+          <p:nvPr/>
+        </p:nvSpPr>
+        <p:spPr>
+          <a:xfrm>
+            <a:off x="989064" y="3664473"/>
+            <a:ext cx="902325" cy="504572"/>
+          </a:xfrm>
+          <a:prstGeom prst="roundRect">
+            <a:avLst/>
+          </a:prstGeom>
+          <a:solidFill>
+            <a:schemeClr val="accent2">
+              <a:lumMod val="20000"/>
+              <a:lumOff val="80000"/>
+            </a:schemeClr>
+          </a:solidFill>
+          <a:ln w="28575">
+            <a:solidFill>
+              <a:schemeClr val="tx1"/>
+            </a:solidFill>
+          </a:ln>
+        </p:spPr>
+        <p:style>
+          <a:lnRef idx="2">
+            <a:schemeClr val="accent1">
+              <a:shade val="50000"/>
+            </a:schemeClr>
+          </a:lnRef>
+          <a:fillRef idx="1">
+            <a:schemeClr val="accent1"/>
+          </a:fillRef>
+          <a:effectRef idx="0">
+            <a:schemeClr val="accent1"/>
+          </a:effectRef>
+          <a:fontRef idx="minor">
+            <a:schemeClr val="lt1"/>
+          </a:fontRef>
+        </p:style>
+        <p:txBody>
+          <a:bodyPr rtlCol="0" anchor="ctr"/>
+          <a:lstStyle/>
+          <a:p>
+            <a:pPr algn="ctr"/>
+            <a:r>
+              <a:rPr lang="en-US" sz="901" dirty="0">
+                <a:solidFill>
+                  <a:schemeClr val="tx1"/>
+                </a:solidFill>
+                <a:latin typeface="Times New Roman" panose="02020603050405020304" pitchFamily="18" charset="0"/>
+                <a:cs typeface="Times New Roman" panose="02020603050405020304" pitchFamily="18" charset="0"/>
+              </a:rPr>
+              <a:t>Managers and stakeholders</a:t>
+            </a:r>
+            <a:endParaRPr lang="en-US" sz="901" dirty="0"/>
+          </a:p>
+        </p:txBody>
+      </p:sp>
+      <p:sp>
+        <p:nvSpPr>
+          <p:cNvPr id="67" name="Rectangle: Rounded Corners 66">
+            <a:extLst>
+              <a:ext uri="{FF2B5EF4-FFF2-40B4-BE49-F238E27FC236}">
+                <a16:creationId xmlns:a16="http://schemas.microsoft.com/office/drawing/2014/main" id="{1D3280B3-6479-4B02-A035-F0D5DCE8955B}"/>
+              </a:ext>
+            </a:extLst>
+          </p:cNvPr>
+          <p:cNvSpPr/>
+          <p:nvPr/>
+        </p:nvSpPr>
+        <p:spPr>
+          <a:xfrm>
+            <a:off x="2097629" y="5292182"/>
+            <a:ext cx="902325" cy="504572"/>
+          </a:xfrm>
+          <a:prstGeom prst="roundRect">
+            <a:avLst/>
+          </a:prstGeom>
+          <a:solidFill>
+            <a:schemeClr val="bg2"/>
+          </a:solidFill>
+          <a:ln w="28575">
+            <a:solidFill>
+              <a:schemeClr val="tx1"/>
+            </a:solidFill>
+          </a:ln>
+        </p:spPr>
+        <p:style>
+          <a:lnRef idx="2">
+            <a:schemeClr val="accent1">
+              <a:shade val="50000"/>
+            </a:schemeClr>
+          </a:lnRef>
+          <a:fillRef idx="1">
+            <a:schemeClr val="accent1"/>
+          </a:fillRef>
+          <a:effectRef idx="0">
+            <a:schemeClr val="accent1"/>
+          </a:effectRef>
+          <a:fontRef idx="minor">
+            <a:schemeClr val="lt1"/>
+          </a:fontRef>
+        </p:style>
+        <p:txBody>
+          <a:bodyPr rtlCol="0" anchor="ctr"/>
+          <a:lstStyle/>
+          <a:p>
+            <a:pPr algn="ctr"/>
+            <a:r>
+              <a:rPr lang="en-US" sz="901" dirty="0">
+                <a:solidFill>
+                  <a:schemeClr val="tx1"/>
+                </a:solidFill>
+                <a:latin typeface="Times New Roman" panose="02020603050405020304" pitchFamily="18" charset="0"/>
+                <a:cs typeface="Times New Roman" panose="02020603050405020304" pitchFamily="18" charset="0"/>
+              </a:rPr>
+              <a:t>External data (RMP, NGO, academic)</a:t>
+            </a:r>
+            <a:endParaRPr lang="en-US" sz="901" dirty="0"/>
+          </a:p>
+        </p:txBody>
+      </p:sp>
+      <p:sp>
+        <p:nvSpPr>
+          <p:cNvPr id="68" name="Rectangle: Rounded Corners 67">
+            <a:extLst>
+              <a:ext uri="{FF2B5EF4-FFF2-40B4-BE49-F238E27FC236}">
+                <a16:creationId xmlns:a16="http://schemas.microsoft.com/office/drawing/2014/main" id="{5F76FDD9-AF31-4F17-9C3C-D8AA1D181321}"/>
+              </a:ext>
+            </a:extLst>
+          </p:cNvPr>
+          <p:cNvSpPr/>
+          <p:nvPr/>
+        </p:nvSpPr>
+        <p:spPr>
+          <a:xfrm>
+            <a:off x="3207157" y="5292308"/>
+            <a:ext cx="902325" cy="504572"/>
+          </a:xfrm>
+          <a:prstGeom prst="roundRect">
+            <a:avLst/>
+          </a:prstGeom>
+          <a:solidFill>
+            <a:schemeClr val="bg2"/>
+          </a:solidFill>
+          <a:ln w="28575">
+            <a:solidFill>
+              <a:schemeClr val="tx1"/>
+            </a:solidFill>
+          </a:ln>
+        </p:spPr>
+        <p:style>
+          <a:lnRef idx="2">
+            <a:schemeClr val="accent1">
+              <a:shade val="50000"/>
+            </a:schemeClr>
+          </a:lnRef>
+          <a:fillRef idx="1">
+            <a:schemeClr val="accent1"/>
+          </a:fillRef>
+          <a:effectRef idx="0">
+            <a:schemeClr val="accent1"/>
+          </a:effectRef>
+          <a:fontRef idx="minor">
+            <a:schemeClr val="lt1"/>
+          </a:fontRef>
+        </p:style>
+        <p:txBody>
+          <a:bodyPr rtlCol="0" anchor="ctr"/>
+          <a:lstStyle/>
+          <a:p>
+            <a:pPr algn="ctr"/>
+            <a:r>
+              <a:rPr lang="en-US" sz="901" dirty="0">
+                <a:solidFill>
+                  <a:schemeClr val="tx1"/>
+                </a:solidFill>
+                <a:latin typeface="Times New Roman" panose="02020603050405020304" pitchFamily="18" charset="0"/>
+                <a:cs typeface="Times New Roman" panose="02020603050405020304" pitchFamily="18" charset="0"/>
+              </a:rPr>
+              <a:t>Primary, secondary literature</a:t>
+            </a:r>
+            <a:endParaRPr lang="en-US" sz="901" dirty="0"/>
+          </a:p>
+        </p:txBody>
+      </p:sp>
+    </p:spTree>
+    <p:extLst>
+      <p:ext uri="{BB962C8B-B14F-4D97-AF65-F5344CB8AC3E}">
+        <p14:creationId xmlns:p14="http://schemas.microsoft.com/office/powerpoint/2010/main" val="1320557126"/>
+      </p:ext>
+    </p:extLst>
+  </p:cSld>
+  <p:clrMapOvr>
+    <a:masterClrMapping/>
+  </p:clrMapOvr>
+</p:sld>
+</file>
+
+<file path=ppt/slides/slide3.xml><?xml version="1.0" encoding="utf-8"?>
+<p:sld xmlns:a="http://schemas.openxmlformats.org/drawingml/2006/main" xmlns:r="http://schemas.openxmlformats.org/officeDocument/2006/relationships" xmlns:p="http://schemas.openxmlformats.org/presentationml/2006/main">
+  <p:cSld>
+    <p:spTree>
+      <p:nvGrpSpPr>
+        <p:cNvPr id="1" name=""/>
+        <p:cNvGrpSpPr/>
+        <p:nvPr/>
+      </p:nvGrpSpPr>
+      <p:grpSpPr>
+        <a:xfrm>
+          <a:off x="0" y="0"/>
+          <a:ext cx="0" cy="0"/>
+          <a:chOff x="0" y="0"/>
+          <a:chExt cx="0" cy="0"/>
+        </a:xfrm>
+      </p:grpSpPr>
+      <p:grpSp>
+        <p:nvGrpSpPr>
+          <p:cNvPr id="4" name="Group 3">
+            <a:extLst>
+              <a:ext uri="{FF2B5EF4-FFF2-40B4-BE49-F238E27FC236}">
+                <a16:creationId xmlns:a16="http://schemas.microsoft.com/office/drawing/2014/main" id="{81E02FF2-303C-4211-870D-CA6462AF0C72}"/>
+              </a:ext>
+            </a:extLst>
+          </p:cNvPr>
+          <p:cNvGrpSpPr/>
+          <p:nvPr/>
+        </p:nvGrpSpPr>
+        <p:grpSpPr>
+          <a:xfrm>
+            <a:off x="948192" y="850274"/>
+            <a:ext cx="5028500" cy="6718131"/>
+            <a:chOff x="1086809" y="850272"/>
+            <a:chExt cx="4751118" cy="6641323"/>
+          </a:xfrm>
+        </p:grpSpPr>
+        <p:sp>
+          <p:nvSpPr>
+            <p:cNvPr id="5" name="Rectangle: Rounded Corners 4">
+              <a:extLst>
+                <a:ext uri="{FF2B5EF4-FFF2-40B4-BE49-F238E27FC236}">
+                  <a16:creationId xmlns:a16="http://schemas.microsoft.com/office/drawing/2014/main" id="{67369F76-1F13-43B0-BD08-44DBB56BF5C7}"/>
+                </a:ext>
+              </a:extLst>
+            </p:cNvPr>
+            <p:cNvSpPr/>
+            <p:nvPr/>
+          </p:nvSpPr>
+          <p:spPr>
+            <a:xfrm>
+              <a:off x="1423167" y="6733977"/>
+              <a:ext cx="3742474" cy="757618"/>
+            </a:xfrm>
+            <a:prstGeom prst="roundRect">
+              <a:avLst/>
+            </a:prstGeom>
+            <a:solidFill>
+              <a:schemeClr val="accent6">
+                <a:lumMod val="20000"/>
+                <a:lumOff val="80000"/>
+              </a:schemeClr>
+            </a:solidFill>
+            <a:ln w="28575">
+              <a:solidFill>
+                <a:schemeClr val="tx1"/>
+              </a:solidFill>
+              <a:prstDash val="dash"/>
+            </a:ln>
+          </p:spPr>
+          <p:style>
+            <a:lnRef idx="2">
+              <a:schemeClr val="accent1">
+                <a:shade val="50000"/>
+              </a:schemeClr>
+            </a:lnRef>
+            <a:fillRef idx="1">
+              <a:schemeClr val="accent1"/>
+            </a:fillRef>
+            <a:effectRef idx="0">
+              <a:schemeClr val="accent1"/>
+            </a:effectRef>
+            <a:fontRef idx="minor">
+              <a:schemeClr val="lt1"/>
+            </a:fontRef>
+          </p:style>
+          <p:txBody>
+            <a:bodyPr rtlCol="0" anchor="ctr"/>
+            <a:lstStyle/>
+            <a:p>
+              <a:pPr algn="ctr"/>
+              <a:endParaRPr lang="en-US" sz="901"/>
+            </a:p>
+          </p:txBody>
+        </p:sp>
+        <p:sp>
+          <p:nvSpPr>
+            <p:cNvPr id="6" name="Rectangle 5">
+              <a:extLst>
+                <a:ext uri="{FF2B5EF4-FFF2-40B4-BE49-F238E27FC236}">
+                  <a16:creationId xmlns:a16="http://schemas.microsoft.com/office/drawing/2014/main" id="{71B9235F-1BE8-447B-97E3-DC5F566E3E70}"/>
+                </a:ext>
+              </a:extLst>
+            </p:cNvPr>
+            <p:cNvSpPr/>
+            <p:nvPr/>
+          </p:nvSpPr>
+          <p:spPr>
+            <a:xfrm>
+              <a:off x="2825081" y="6911157"/>
+              <a:ext cx="838846" cy="512250"/>
+            </a:xfrm>
+            <a:prstGeom prst="rect">
+              <a:avLst/>
+            </a:prstGeom>
+            <a:noFill/>
+            <a:ln>
+              <a:noFill/>
+            </a:ln>
+          </p:spPr>
+          <p:style>
+            <a:lnRef idx="2">
+              <a:schemeClr val="accent1">
+                <a:shade val="50000"/>
+              </a:schemeClr>
+            </a:lnRef>
+            <a:fillRef idx="1">
+              <a:schemeClr val="accent1"/>
+            </a:fillRef>
+            <a:effectRef idx="0">
+              <a:schemeClr val="accent1"/>
+            </a:effectRef>
+            <a:fontRef idx="minor">
+              <a:schemeClr val="lt1"/>
+            </a:fontRef>
+          </p:style>
+          <p:txBody>
+            <a:bodyPr rtlCol="0" anchor="ctr"/>
+            <a:lstStyle/>
+            <a:p>
+              <a:pPr algn="ctr"/>
+              <a:r>
+                <a:rPr lang="en-US" sz="901" dirty="0">
+                  <a:solidFill>
+                    <a:schemeClr val="tx1"/>
+                  </a:solidFill>
+                  <a:latin typeface="Times New Roman" panose="02020603050405020304" pitchFamily="18" charset="0"/>
+                  <a:cs typeface="Times New Roman" panose="02020603050405020304" pitchFamily="18" charset="0"/>
+                </a:rPr>
+                <a:t>Collect and synthesize data</a:t>
+              </a:r>
+              <a:endParaRPr lang="en-US" sz="901" dirty="0"/>
+            </a:p>
+          </p:txBody>
+        </p:sp>
+        <p:sp>
+          <p:nvSpPr>
+            <p:cNvPr id="7" name="Rectangle 6">
+              <a:extLst>
+                <a:ext uri="{FF2B5EF4-FFF2-40B4-BE49-F238E27FC236}">
+                  <a16:creationId xmlns:a16="http://schemas.microsoft.com/office/drawing/2014/main" id="{1B9862A8-9ABF-49A5-923C-61B1628D4C39}"/>
+                </a:ext>
+              </a:extLst>
+            </p:cNvPr>
+            <p:cNvSpPr/>
+            <p:nvPr/>
+          </p:nvSpPr>
+          <p:spPr>
+            <a:xfrm>
+              <a:off x="4147976" y="6911157"/>
+              <a:ext cx="838846" cy="512250"/>
+            </a:xfrm>
+            <a:prstGeom prst="rect">
+              <a:avLst/>
+            </a:prstGeom>
+            <a:noFill/>
+            <a:ln>
+              <a:noFill/>
+            </a:ln>
+          </p:spPr>
+          <p:style>
+            <a:lnRef idx="2">
+              <a:schemeClr val="accent1">
+                <a:shade val="50000"/>
+              </a:schemeClr>
+            </a:lnRef>
+            <a:fillRef idx="1">
+              <a:schemeClr val="accent1"/>
+            </a:fillRef>
+            <a:effectRef idx="0">
+              <a:schemeClr val="accent1"/>
+            </a:effectRef>
+            <a:fontRef idx="minor">
+              <a:schemeClr val="lt1"/>
+            </a:fontRef>
+          </p:style>
+          <p:txBody>
+            <a:bodyPr rtlCol="0" anchor="ctr"/>
+            <a:lstStyle/>
+            <a:p>
+              <a:pPr algn="ctr"/>
+              <a:r>
+                <a:rPr lang="en-US" sz="901" dirty="0">
+                  <a:solidFill>
+                    <a:schemeClr val="tx1"/>
+                  </a:solidFill>
+                  <a:latin typeface="Times New Roman" panose="02020603050405020304" pitchFamily="18" charset="0"/>
+                  <a:cs typeface="Times New Roman" panose="02020603050405020304" pitchFamily="18" charset="0"/>
+                </a:rPr>
+                <a:t>Develop </a:t>
+              </a:r>
+            </a:p>
+            <a:p>
+              <a:pPr algn="ctr"/>
+              <a:r>
+                <a:rPr lang="en-US" sz="901" dirty="0">
+                  <a:solidFill>
+                    <a:schemeClr val="tx1"/>
+                  </a:solidFill>
+                  <a:latin typeface="Times New Roman" panose="02020603050405020304" pitchFamily="18" charset="0"/>
+                  <a:cs typeface="Times New Roman" panose="02020603050405020304" pitchFamily="18" charset="0"/>
+                </a:rPr>
+                <a:t>tool</a:t>
+              </a:r>
+              <a:endParaRPr lang="en-US" sz="901" dirty="0"/>
+            </a:p>
+          </p:txBody>
+        </p:sp>
+        <p:cxnSp>
+          <p:nvCxnSpPr>
+            <p:cNvPr id="8" name="Straight Arrow Connector 7">
+              <a:extLst>
+                <a:ext uri="{FF2B5EF4-FFF2-40B4-BE49-F238E27FC236}">
+                  <a16:creationId xmlns:a16="http://schemas.microsoft.com/office/drawing/2014/main" id="{82442EA9-3A54-4216-B7ED-430846FE6663}"/>
+                </a:ext>
+              </a:extLst>
+            </p:cNvPr>
+            <p:cNvCxnSpPr>
+              <a:cxnSpLocks/>
+              <a:stCxn id="6" idx="3"/>
+              <a:endCxn id="7" idx="1"/>
+            </p:cNvCxnSpPr>
+            <p:nvPr/>
+          </p:nvCxnSpPr>
+          <p:spPr>
+            <a:xfrm>
+              <a:off x="3663928" y="7167284"/>
+              <a:ext cx="484049" cy="0"/>
+            </a:xfrm>
+            <a:prstGeom prst="straightConnector1">
+              <a:avLst/>
+            </a:prstGeom>
+            <a:ln>
+              <a:solidFill>
+                <a:schemeClr val="tx1"/>
+              </a:solidFill>
+              <a:tailEnd type="triangle" w="med" len="med"/>
+            </a:ln>
+          </p:spPr>
+          <p:style>
+            <a:lnRef idx="1">
+              <a:schemeClr val="accent1"/>
+            </a:lnRef>
+            <a:fillRef idx="0">
+              <a:schemeClr val="accent1"/>
+            </a:fillRef>
+            <a:effectRef idx="0">
+              <a:schemeClr val="accent1"/>
+            </a:effectRef>
+            <a:fontRef idx="minor">
+              <a:schemeClr val="tx1"/>
+            </a:fontRef>
+          </p:style>
+        </p:cxnSp>
+        <p:sp>
+          <p:nvSpPr>
+            <p:cNvPr id="9" name="Rectangle 8">
+              <a:extLst>
+                <a:ext uri="{FF2B5EF4-FFF2-40B4-BE49-F238E27FC236}">
+                  <a16:creationId xmlns:a16="http://schemas.microsoft.com/office/drawing/2014/main" id="{028D2779-954F-4575-A74E-E45AFE45286B}"/>
+                </a:ext>
+              </a:extLst>
+            </p:cNvPr>
+            <p:cNvSpPr/>
+            <p:nvPr/>
+          </p:nvSpPr>
+          <p:spPr>
+            <a:xfrm>
+              <a:off x="1512497" y="6911157"/>
+              <a:ext cx="838846" cy="512250"/>
+            </a:xfrm>
+            <a:prstGeom prst="rect">
+              <a:avLst/>
+            </a:prstGeom>
+            <a:noFill/>
+            <a:ln>
+              <a:noFill/>
+            </a:ln>
+          </p:spPr>
+          <p:style>
+            <a:lnRef idx="2">
+              <a:schemeClr val="accent1">
+                <a:shade val="50000"/>
+              </a:schemeClr>
+            </a:lnRef>
+            <a:fillRef idx="1">
+              <a:schemeClr val="accent1"/>
+            </a:fillRef>
+            <a:effectRef idx="0">
+              <a:schemeClr val="accent1"/>
+            </a:effectRef>
+            <a:fontRef idx="minor">
+              <a:schemeClr val="lt1"/>
+            </a:fontRef>
+          </p:style>
+          <p:txBody>
+            <a:bodyPr rtlCol="0" anchor="ctr"/>
+            <a:lstStyle/>
+            <a:p>
+              <a:pPr algn="ctr"/>
+              <a:r>
+                <a:rPr lang="en-US" sz="901" dirty="0">
+                  <a:solidFill>
+                    <a:schemeClr val="tx1"/>
+                  </a:solidFill>
+                  <a:latin typeface="Times New Roman" panose="02020603050405020304" pitchFamily="18" charset="0"/>
+                  <a:cs typeface="Times New Roman" panose="02020603050405020304" pitchFamily="18" charset="0"/>
+                </a:rPr>
+                <a:t>Identify research goals</a:t>
+              </a:r>
+              <a:endParaRPr lang="en-US" sz="901" dirty="0"/>
+            </a:p>
+          </p:txBody>
+        </p:sp>
+        <p:cxnSp>
+          <p:nvCxnSpPr>
+            <p:cNvPr id="10" name="Straight Arrow Connector 9">
+              <a:extLst>
+                <a:ext uri="{FF2B5EF4-FFF2-40B4-BE49-F238E27FC236}">
+                  <a16:creationId xmlns:a16="http://schemas.microsoft.com/office/drawing/2014/main" id="{ADC65D96-1D8A-4FD5-A1B1-11D1F602F181}"/>
+                </a:ext>
+              </a:extLst>
+            </p:cNvPr>
+            <p:cNvCxnSpPr>
+              <a:cxnSpLocks/>
+              <a:stCxn id="9" idx="3"/>
+              <a:endCxn id="6" idx="1"/>
+            </p:cNvCxnSpPr>
+            <p:nvPr/>
+          </p:nvCxnSpPr>
+          <p:spPr>
+            <a:xfrm>
+              <a:off x="2351343" y="7167284"/>
+              <a:ext cx="473738" cy="0"/>
+            </a:xfrm>
+            <a:prstGeom prst="straightConnector1">
+              <a:avLst/>
+            </a:prstGeom>
+            <a:ln>
+              <a:solidFill>
+                <a:schemeClr val="tx1"/>
+              </a:solidFill>
+              <a:tailEnd type="triangle" w="med" len="med"/>
+            </a:ln>
+          </p:spPr>
+          <p:style>
+            <a:lnRef idx="1">
+              <a:schemeClr val="accent1"/>
+            </a:lnRef>
+            <a:fillRef idx="0">
+              <a:schemeClr val="accent1"/>
+            </a:fillRef>
+            <a:effectRef idx="0">
+              <a:schemeClr val="accent1"/>
+            </a:effectRef>
+            <a:fontRef idx="minor">
+              <a:schemeClr val="tx1"/>
+            </a:fontRef>
+          </p:style>
+        </p:cxnSp>
+        <p:cxnSp>
+          <p:nvCxnSpPr>
+            <p:cNvPr id="11" name="Straight Arrow Connector 10">
+              <a:extLst>
+                <a:ext uri="{FF2B5EF4-FFF2-40B4-BE49-F238E27FC236}">
+                  <a16:creationId xmlns:a16="http://schemas.microsoft.com/office/drawing/2014/main" id="{C361C45D-8E1B-4931-BAD2-56ACF3789C28}"/>
+                </a:ext>
+              </a:extLst>
+            </p:cNvPr>
+            <p:cNvCxnSpPr>
+              <a:cxnSpLocks/>
+              <a:endCxn id="6" idx="0"/>
+            </p:cNvCxnSpPr>
+            <p:nvPr/>
+          </p:nvCxnSpPr>
+          <p:spPr>
+            <a:xfrm flipH="1">
+              <a:off x="3244504" y="6549052"/>
+              <a:ext cx="805" cy="362105"/>
+            </a:xfrm>
+            <a:prstGeom prst="straightConnector1">
+              <a:avLst/>
+            </a:prstGeom>
+            <a:ln>
+              <a:solidFill>
+                <a:schemeClr val="tx1"/>
+              </a:solidFill>
+              <a:tailEnd type="triangle" w="med" len="med"/>
+            </a:ln>
+          </p:spPr>
+          <p:style>
+            <a:lnRef idx="1">
+              <a:schemeClr val="accent1"/>
+            </a:lnRef>
+            <a:fillRef idx="0">
+              <a:schemeClr val="accent1"/>
+            </a:fillRef>
+            <a:effectRef idx="0">
+              <a:schemeClr val="accent1"/>
+            </a:effectRef>
+            <a:fontRef idx="minor">
+              <a:schemeClr val="tx1"/>
+            </a:fontRef>
+          </p:style>
+        </p:cxnSp>
+        <p:cxnSp>
+          <p:nvCxnSpPr>
+            <p:cNvPr id="12" name="Straight Arrow Connector 11">
+              <a:extLst>
+                <a:ext uri="{FF2B5EF4-FFF2-40B4-BE49-F238E27FC236}">
+                  <a16:creationId xmlns:a16="http://schemas.microsoft.com/office/drawing/2014/main" id="{A8203365-116B-49FC-9EEE-B15F3D33AECF}"/>
+                </a:ext>
+              </a:extLst>
+            </p:cNvPr>
+            <p:cNvCxnSpPr>
+              <a:cxnSpLocks/>
+              <a:endCxn id="16" idx="0"/>
+            </p:cNvCxnSpPr>
+            <p:nvPr/>
+          </p:nvCxnSpPr>
+          <p:spPr>
+            <a:xfrm>
+              <a:off x="1931921" y="4977015"/>
+              <a:ext cx="0" cy="696677"/>
+            </a:xfrm>
+            <a:prstGeom prst="straightConnector1">
+              <a:avLst/>
+            </a:prstGeom>
+            <a:ln>
+              <a:solidFill>
+                <a:schemeClr val="tx1"/>
+              </a:solidFill>
+              <a:headEnd type="triangle" w="med" len="med"/>
+              <a:tailEnd type="triangle" w="med" len="med"/>
+            </a:ln>
+          </p:spPr>
+          <p:style>
+            <a:lnRef idx="1">
+              <a:schemeClr val="accent1"/>
+            </a:lnRef>
+            <a:fillRef idx="0">
+              <a:schemeClr val="accent1"/>
+            </a:fillRef>
+            <a:effectRef idx="0">
+              <a:schemeClr val="accent1"/>
+            </a:effectRef>
+            <a:fontRef idx="minor">
+              <a:schemeClr val="tx1"/>
+            </a:fontRef>
+          </p:style>
+        </p:cxnSp>
+        <p:cxnSp>
+          <p:nvCxnSpPr>
+            <p:cNvPr id="13" name="Straight Arrow Connector 12">
+              <a:extLst>
+                <a:ext uri="{FF2B5EF4-FFF2-40B4-BE49-F238E27FC236}">
+                  <a16:creationId xmlns:a16="http://schemas.microsoft.com/office/drawing/2014/main" id="{4F9CC393-8612-492A-9105-15882DB8CF18}"/>
+                </a:ext>
+              </a:extLst>
+            </p:cNvPr>
+            <p:cNvCxnSpPr>
+              <a:cxnSpLocks/>
+            </p:cNvCxnSpPr>
+            <p:nvPr/>
+          </p:nvCxnSpPr>
+          <p:spPr>
+            <a:xfrm>
+              <a:off x="4579756" y="6552560"/>
+              <a:ext cx="0" cy="358597"/>
+            </a:xfrm>
+            <a:prstGeom prst="straightConnector1">
+              <a:avLst/>
+            </a:prstGeom>
+            <a:ln>
+              <a:solidFill>
+                <a:schemeClr val="tx1"/>
+              </a:solidFill>
+              <a:tailEnd type="triangle" w="med" len="med"/>
+            </a:ln>
+          </p:spPr>
+          <p:style>
+            <a:lnRef idx="1">
+              <a:schemeClr val="accent1"/>
+            </a:lnRef>
+            <a:fillRef idx="0">
+              <a:schemeClr val="accent1"/>
+            </a:fillRef>
+            <a:effectRef idx="0">
+              <a:schemeClr val="accent1"/>
+            </a:effectRef>
+            <a:fontRef idx="minor">
+              <a:schemeClr val="tx1"/>
+            </a:fontRef>
+          </p:style>
+        </p:cxnSp>
+        <p:sp>
+          <p:nvSpPr>
+            <p:cNvPr id="14" name="Rectangle 13">
+              <a:extLst>
+                <a:ext uri="{FF2B5EF4-FFF2-40B4-BE49-F238E27FC236}">
+                  <a16:creationId xmlns:a16="http://schemas.microsoft.com/office/drawing/2014/main" id="{6161CA3B-B1C1-499E-8F59-0E72319388FC}"/>
+                </a:ext>
+              </a:extLst>
+            </p:cNvPr>
+            <p:cNvSpPr/>
+            <p:nvPr/>
+          </p:nvSpPr>
+          <p:spPr>
+            <a:xfrm>
+              <a:off x="2838999" y="5152293"/>
+              <a:ext cx="838846" cy="512250"/>
+            </a:xfrm>
+            <a:prstGeom prst="rect">
+              <a:avLst/>
+            </a:prstGeom>
+            <a:noFill/>
+            <a:ln>
+              <a:noFill/>
+            </a:ln>
+          </p:spPr>
+          <p:style>
+            <a:lnRef idx="2">
+              <a:schemeClr val="accent1">
+                <a:shade val="50000"/>
+              </a:schemeClr>
+            </a:lnRef>
+            <a:fillRef idx="1">
+              <a:schemeClr val="accent1"/>
+            </a:fillRef>
+            <a:effectRef idx="0">
+              <a:schemeClr val="accent1"/>
+            </a:effectRef>
+            <a:fontRef idx="minor">
+              <a:schemeClr val="lt1"/>
+            </a:fontRef>
+          </p:style>
+          <p:txBody>
+            <a:bodyPr rtlCol="0" anchor="ctr"/>
+            <a:lstStyle/>
+            <a:p>
+              <a:pPr algn="ctr"/>
+              <a:r>
+                <a:rPr lang="en-US" sz="901" dirty="0">
+                  <a:solidFill>
+                    <a:schemeClr val="tx1"/>
+                  </a:solidFill>
+                  <a:latin typeface="Times New Roman" panose="02020603050405020304" pitchFamily="18" charset="0"/>
+                  <a:cs typeface="Times New Roman" panose="02020603050405020304" pitchFamily="18" charset="0"/>
+                </a:rPr>
+                <a:t>Data on open repository</a:t>
+              </a:r>
+              <a:endParaRPr lang="en-US" sz="901" dirty="0"/>
+            </a:p>
+          </p:txBody>
+        </p:sp>
+        <p:sp>
+          <p:nvSpPr>
+            <p:cNvPr id="15" name="Rectangle 14">
+              <a:extLst>
+                <a:ext uri="{FF2B5EF4-FFF2-40B4-BE49-F238E27FC236}">
+                  <a16:creationId xmlns:a16="http://schemas.microsoft.com/office/drawing/2014/main" id="{95441843-0896-4C36-B5FC-33BA28C03285}"/>
+                </a:ext>
+              </a:extLst>
+            </p:cNvPr>
+            <p:cNvSpPr/>
+            <p:nvPr/>
+          </p:nvSpPr>
+          <p:spPr>
+            <a:xfrm>
+              <a:off x="2090926" y="5283005"/>
+              <a:ext cx="648718" cy="239621"/>
+            </a:xfrm>
+            <a:prstGeom prst="rect">
+              <a:avLst/>
+            </a:prstGeom>
+            <a:noFill/>
+            <a:ln>
+              <a:noFill/>
+            </a:ln>
+          </p:spPr>
+          <p:style>
+            <a:lnRef idx="2">
+              <a:schemeClr val="accent1">
+                <a:shade val="50000"/>
+              </a:schemeClr>
+            </a:lnRef>
+            <a:fillRef idx="1">
+              <a:schemeClr val="accent1"/>
+            </a:fillRef>
+            <a:effectRef idx="0">
+              <a:schemeClr val="accent1"/>
+            </a:effectRef>
+            <a:fontRef idx="minor">
+              <a:schemeClr val="lt1"/>
+            </a:fontRef>
+          </p:style>
+          <p:txBody>
+            <a:bodyPr rtlCol="0" anchor="ctr"/>
+            <a:lstStyle/>
+            <a:p>
+              <a:pPr algn="ctr"/>
+              <a:r>
+                <a:rPr lang="en-US" sz="901" dirty="0">
+                  <a:solidFill>
+                    <a:schemeClr val="tx1"/>
+                  </a:solidFill>
+                  <a:latin typeface="Times New Roman" panose="02020603050405020304" pitchFamily="18" charset="0"/>
+                  <a:cs typeface="Times New Roman" panose="02020603050405020304" pitchFamily="18" charset="0"/>
+                </a:rPr>
+                <a:t>Metadata</a:t>
+              </a:r>
+              <a:endParaRPr lang="en-US" sz="901" dirty="0"/>
+            </a:p>
+          </p:txBody>
+        </p:sp>
+        <p:sp>
+          <p:nvSpPr>
+            <p:cNvPr id="16" name="Rectangle 15">
+              <a:extLst>
+                <a:ext uri="{FF2B5EF4-FFF2-40B4-BE49-F238E27FC236}">
+                  <a16:creationId xmlns:a16="http://schemas.microsoft.com/office/drawing/2014/main" id="{754B23B3-C379-46C6-93F5-1FE8C29E7F8B}"/>
+                </a:ext>
+              </a:extLst>
+            </p:cNvPr>
+            <p:cNvSpPr/>
+            <p:nvPr/>
+          </p:nvSpPr>
+          <p:spPr>
+            <a:xfrm>
+              <a:off x="1546164" y="5673691"/>
+              <a:ext cx="771513" cy="326990"/>
+            </a:xfrm>
+            <a:prstGeom prst="rect">
+              <a:avLst/>
+            </a:prstGeom>
+            <a:noFill/>
+            <a:ln>
+              <a:noFill/>
+            </a:ln>
+          </p:spPr>
+          <p:style>
+            <a:lnRef idx="2">
+              <a:schemeClr val="accent1">
+                <a:shade val="50000"/>
+              </a:schemeClr>
+            </a:lnRef>
+            <a:fillRef idx="1">
+              <a:schemeClr val="accent1"/>
+            </a:fillRef>
+            <a:effectRef idx="0">
+              <a:schemeClr val="accent1"/>
+            </a:effectRef>
+            <a:fontRef idx="minor">
+              <a:schemeClr val="lt1"/>
+            </a:fontRef>
+          </p:style>
+          <p:txBody>
+            <a:bodyPr rtlCol="0" anchor="ctr"/>
+            <a:lstStyle/>
+            <a:p>
+              <a:pPr algn="ctr"/>
+              <a:r>
+                <a:rPr lang="en-US" sz="901" dirty="0">
+                  <a:solidFill>
+                    <a:schemeClr val="tx1"/>
+                  </a:solidFill>
+                  <a:latin typeface="Times New Roman" panose="02020603050405020304" pitchFamily="18" charset="0"/>
+                  <a:cs typeface="Times New Roman" panose="02020603050405020304" pitchFamily="18" charset="0"/>
+                </a:rPr>
+                <a:t>Open planning</a:t>
+              </a:r>
+              <a:endParaRPr lang="en-US" sz="901" dirty="0"/>
+            </a:p>
+          </p:txBody>
+        </p:sp>
+        <p:sp>
+          <p:nvSpPr>
+            <p:cNvPr id="17" name="Rectangle 16">
+              <a:extLst>
+                <a:ext uri="{FF2B5EF4-FFF2-40B4-BE49-F238E27FC236}">
+                  <a16:creationId xmlns:a16="http://schemas.microsoft.com/office/drawing/2014/main" id="{376218C9-5F52-48D8-AA87-9EC460B38E7E}"/>
+                </a:ext>
+              </a:extLst>
+            </p:cNvPr>
+            <p:cNvSpPr/>
+            <p:nvPr/>
+          </p:nvSpPr>
+          <p:spPr>
+            <a:xfrm>
+              <a:off x="4126799" y="5152293"/>
+              <a:ext cx="891098" cy="512250"/>
+            </a:xfrm>
+            <a:prstGeom prst="rect">
+              <a:avLst/>
+            </a:prstGeom>
+            <a:noFill/>
+            <a:ln>
+              <a:noFill/>
+            </a:ln>
+          </p:spPr>
+          <p:style>
+            <a:lnRef idx="2">
+              <a:schemeClr val="accent1">
+                <a:shade val="50000"/>
+              </a:schemeClr>
+            </a:lnRef>
+            <a:fillRef idx="1">
+              <a:schemeClr val="accent1"/>
+            </a:fillRef>
+            <a:effectRef idx="0">
+              <a:schemeClr val="accent1"/>
+            </a:effectRef>
+            <a:fontRef idx="minor">
+              <a:schemeClr val="lt1"/>
+            </a:fontRef>
+          </p:style>
+          <p:txBody>
+            <a:bodyPr rtlCol="0" anchor="ctr"/>
+            <a:lstStyle/>
+            <a:p>
+              <a:pPr algn="ctr"/>
+              <a:r>
+                <a:rPr lang="en-US" sz="901" dirty="0">
+                  <a:solidFill>
+                    <a:schemeClr val="tx1"/>
+                  </a:solidFill>
+                  <a:latin typeface="Times New Roman" panose="02020603050405020304" pitchFamily="18" charset="0"/>
+                  <a:cs typeface="Times New Roman" panose="02020603050405020304" pitchFamily="18" charset="0"/>
+                </a:rPr>
+                <a:t>Reproducible summary document</a:t>
+              </a:r>
+            </a:p>
+          </p:txBody>
+        </p:sp>
+        <p:sp>
+          <p:nvSpPr>
+            <p:cNvPr id="18" name="Rectangle 17">
+              <a:extLst>
+                <a:ext uri="{FF2B5EF4-FFF2-40B4-BE49-F238E27FC236}">
+                  <a16:creationId xmlns:a16="http://schemas.microsoft.com/office/drawing/2014/main" id="{8278CC27-1823-47BA-A46A-229D2097C50C}"/>
+                </a:ext>
+              </a:extLst>
+            </p:cNvPr>
+            <p:cNvSpPr/>
+            <p:nvPr/>
+          </p:nvSpPr>
+          <p:spPr>
+            <a:xfrm>
+              <a:off x="2811357" y="4355519"/>
+              <a:ext cx="891098" cy="512250"/>
+            </a:xfrm>
+            <a:prstGeom prst="rect">
+              <a:avLst/>
+            </a:prstGeom>
+            <a:noFill/>
+            <a:ln>
+              <a:noFill/>
+            </a:ln>
+          </p:spPr>
+          <p:style>
+            <a:lnRef idx="2">
+              <a:schemeClr val="accent1">
+                <a:shade val="50000"/>
+              </a:schemeClr>
+            </a:lnRef>
+            <a:fillRef idx="1">
+              <a:schemeClr val="accent1"/>
+            </a:fillRef>
+            <a:effectRef idx="0">
+              <a:schemeClr val="accent1"/>
+            </a:effectRef>
+            <a:fontRef idx="minor">
+              <a:schemeClr val="lt1"/>
+            </a:fontRef>
+          </p:style>
+          <p:txBody>
+            <a:bodyPr rtlCol="0" anchor="ctr"/>
+            <a:lstStyle/>
+            <a:p>
+              <a:pPr algn="ctr"/>
+              <a:r>
+                <a:rPr lang="en-US" sz="901" dirty="0">
+                  <a:solidFill>
+                    <a:schemeClr val="tx1"/>
+                  </a:solidFill>
+                  <a:latin typeface="Times New Roman" panose="02020603050405020304" pitchFamily="18" charset="0"/>
+                  <a:cs typeface="Times New Roman" panose="02020603050405020304" pitchFamily="18" charset="0"/>
+                </a:rPr>
+                <a:t>Interactive</a:t>
+              </a:r>
+            </a:p>
+            <a:p>
+              <a:pPr algn="ctr"/>
+              <a:r>
+                <a:rPr lang="en-US" sz="901" dirty="0">
+                  <a:solidFill>
+                    <a:schemeClr val="tx1"/>
+                  </a:solidFill>
+                  <a:latin typeface="Times New Roman" panose="02020603050405020304" pitchFamily="18" charset="0"/>
+                  <a:cs typeface="Times New Roman" panose="02020603050405020304" pitchFamily="18" charset="0"/>
+                </a:rPr>
+                <a:t>applications</a:t>
+              </a:r>
+            </a:p>
+          </p:txBody>
+        </p:sp>
+        <p:sp>
+          <p:nvSpPr>
+            <p:cNvPr id="19" name="Rectangle 18">
+              <a:extLst>
+                <a:ext uri="{FF2B5EF4-FFF2-40B4-BE49-F238E27FC236}">
+                  <a16:creationId xmlns:a16="http://schemas.microsoft.com/office/drawing/2014/main" id="{471FB62A-2A03-43C1-BA30-3C88CC347ABF}"/>
+                </a:ext>
+              </a:extLst>
+            </p:cNvPr>
+            <p:cNvSpPr/>
+            <p:nvPr/>
+          </p:nvSpPr>
+          <p:spPr>
+            <a:xfrm>
+              <a:off x="4124064" y="4355519"/>
+              <a:ext cx="891098" cy="512250"/>
+            </a:xfrm>
+            <a:prstGeom prst="rect">
+              <a:avLst/>
+            </a:prstGeom>
+            <a:noFill/>
+            <a:ln>
+              <a:noFill/>
+            </a:ln>
+          </p:spPr>
+          <p:style>
+            <a:lnRef idx="2">
+              <a:schemeClr val="accent1">
+                <a:shade val="50000"/>
+              </a:schemeClr>
+            </a:lnRef>
+            <a:fillRef idx="1">
+              <a:schemeClr val="accent1"/>
+            </a:fillRef>
+            <a:effectRef idx="0">
+              <a:schemeClr val="accent1"/>
+            </a:effectRef>
+            <a:fontRef idx="minor">
+              <a:schemeClr val="lt1"/>
+            </a:fontRef>
+          </p:style>
+          <p:txBody>
+            <a:bodyPr rtlCol="0" anchor="ctr"/>
+            <a:lstStyle/>
+            <a:p>
+              <a:pPr algn="ctr"/>
+              <a:r>
+                <a:rPr lang="en-US" sz="901" dirty="0">
+                  <a:solidFill>
+                    <a:schemeClr val="tx1"/>
+                  </a:solidFill>
+                  <a:latin typeface="Times New Roman" panose="02020603050405020304" pitchFamily="18" charset="0"/>
+                  <a:cs typeface="Times New Roman" panose="02020603050405020304" pitchFamily="18" charset="0"/>
+                </a:rPr>
+                <a:t>Accessible tool (e.g., R package)</a:t>
+              </a:r>
+              <a:endParaRPr lang="en-US" sz="901" dirty="0"/>
+            </a:p>
+          </p:txBody>
+        </p:sp>
+        <p:sp>
+          <p:nvSpPr>
+            <p:cNvPr id="20" name="Arc 19">
+              <a:extLst>
+                <a:ext uri="{FF2B5EF4-FFF2-40B4-BE49-F238E27FC236}">
+                  <a16:creationId xmlns:a16="http://schemas.microsoft.com/office/drawing/2014/main" id="{C41BE770-9DE5-4D7E-BC73-4D0718FE1923}"/>
+                </a:ext>
+              </a:extLst>
+            </p:cNvPr>
+            <p:cNvSpPr/>
+            <p:nvPr/>
+          </p:nvSpPr>
+          <p:spPr>
+            <a:xfrm rot="10800000">
+              <a:off x="2428590" y="3939784"/>
+              <a:ext cx="782245" cy="3125944"/>
+            </a:xfrm>
+            <a:prstGeom prst="arc">
+              <a:avLst>
+                <a:gd name="adj1" fmla="val 16200000"/>
+                <a:gd name="adj2" fmla="val 21474858"/>
+              </a:avLst>
+            </a:prstGeom>
+            <a:ln>
+              <a:solidFill>
+                <a:schemeClr val="tx1"/>
+              </a:solidFill>
+              <a:tailEnd type="triangle" w="med" len="med"/>
+            </a:ln>
+          </p:spPr>
+          <p:style>
+            <a:lnRef idx="1">
+              <a:schemeClr val="accent1"/>
+            </a:lnRef>
+            <a:fillRef idx="0">
+              <a:schemeClr val="accent1"/>
+            </a:fillRef>
+            <a:effectRef idx="0">
+              <a:schemeClr val="accent1"/>
+            </a:effectRef>
+            <a:fontRef idx="minor">
+              <a:schemeClr val="tx1"/>
+            </a:fontRef>
+          </p:style>
+          <p:txBody>
+            <a:bodyPr rot="0" spcFirstLastPara="0" vertOverflow="overflow" horzOverflow="overflow" vert="horz" wrap="square" lIns="52906" tIns="26452" rIns="52906" bIns="26452" numCol="1" spcCol="0" rtlCol="0" fromWordArt="0" anchor="ctr" anchorCtr="0" forceAA="0" compatLnSpc="1">
+              <a:prstTxWarp prst="textNoShape">
+                <a:avLst/>
+              </a:prstTxWarp>
+              <a:noAutofit/>
+            </a:bodyPr>
+            <a:lstStyle/>
+            <a:p>
+              <a:pPr algn="ctr"/>
+              <a:endParaRPr lang="en-US" sz="901"/>
+            </a:p>
+          </p:txBody>
+        </p:sp>
+        <p:cxnSp>
+          <p:nvCxnSpPr>
+            <p:cNvPr id="21" name="Straight Arrow Connector 20">
+              <a:extLst>
+                <a:ext uri="{FF2B5EF4-FFF2-40B4-BE49-F238E27FC236}">
+                  <a16:creationId xmlns:a16="http://schemas.microsoft.com/office/drawing/2014/main" id="{A71EE62C-5CA8-4C35-8BAE-A46D9A8E9D2A}"/>
+                </a:ext>
+              </a:extLst>
+            </p:cNvPr>
+            <p:cNvCxnSpPr>
+              <a:cxnSpLocks/>
+            </p:cNvCxnSpPr>
+            <p:nvPr/>
+          </p:nvCxnSpPr>
+          <p:spPr>
+            <a:xfrm flipH="1" flipV="1">
+              <a:off x="2720596" y="5409166"/>
+              <a:ext cx="166514" cy="3755"/>
+            </a:xfrm>
+            <a:prstGeom prst="straightConnector1">
+              <a:avLst/>
+            </a:prstGeom>
+            <a:ln>
+              <a:solidFill>
+                <a:schemeClr val="tx1"/>
+              </a:solidFill>
+              <a:headEnd type="triangle" w="med" len="med"/>
+              <a:tailEnd type="none" w="med" len="med"/>
+            </a:ln>
+          </p:spPr>
+          <p:style>
+            <a:lnRef idx="1">
+              <a:schemeClr val="accent1"/>
+            </a:lnRef>
+            <a:fillRef idx="0">
+              <a:schemeClr val="accent1"/>
+            </a:fillRef>
+            <a:effectRef idx="0">
+              <a:schemeClr val="accent1"/>
+            </a:effectRef>
+            <a:fontRef idx="minor">
+              <a:schemeClr val="tx1"/>
+            </a:fontRef>
+          </p:style>
+        </p:cxnSp>
+        <p:sp>
+          <p:nvSpPr>
+            <p:cNvPr id="22" name="Arc 21">
+              <a:extLst>
+                <a:ext uri="{FF2B5EF4-FFF2-40B4-BE49-F238E27FC236}">
+                  <a16:creationId xmlns:a16="http://schemas.microsoft.com/office/drawing/2014/main" id="{75807332-F311-4422-87FC-4E86C5608E44}"/>
+                </a:ext>
+              </a:extLst>
+            </p:cNvPr>
+            <p:cNvSpPr/>
+            <p:nvPr/>
+          </p:nvSpPr>
+          <p:spPr>
+            <a:xfrm rot="10800000">
+              <a:off x="4435396" y="5409163"/>
+              <a:ext cx="715997" cy="1795074"/>
+            </a:xfrm>
+            <a:prstGeom prst="arc">
+              <a:avLst>
+                <a:gd name="adj1" fmla="val 6146181"/>
+                <a:gd name="adj2" fmla="val 16220867"/>
+              </a:avLst>
+            </a:prstGeom>
+            <a:ln>
+              <a:solidFill>
+                <a:schemeClr val="tx1"/>
+              </a:solidFill>
+              <a:headEnd type="triangle" w="med" len="med"/>
+              <a:tailEnd type="none" w="med" len="med"/>
+            </a:ln>
+          </p:spPr>
+          <p:style>
+            <a:lnRef idx="1">
+              <a:schemeClr val="accent1"/>
+            </a:lnRef>
+            <a:fillRef idx="0">
+              <a:schemeClr val="accent1"/>
+            </a:fillRef>
+            <a:effectRef idx="0">
+              <a:schemeClr val="accent1"/>
+            </a:effectRef>
+            <a:fontRef idx="minor">
+              <a:schemeClr val="tx1"/>
+            </a:fontRef>
+          </p:style>
+          <p:txBody>
+            <a:bodyPr rot="0" spcFirstLastPara="0" vertOverflow="overflow" horzOverflow="overflow" vert="horz" wrap="square" lIns="52906" tIns="26452" rIns="52906" bIns="26452" numCol="1" spcCol="0" rtlCol="0" fromWordArt="0" anchor="ctr" anchorCtr="0" forceAA="0" compatLnSpc="1">
+              <a:prstTxWarp prst="textNoShape">
+                <a:avLst/>
+              </a:prstTxWarp>
+              <a:noAutofit/>
+            </a:bodyPr>
+            <a:lstStyle/>
+            <a:p>
+              <a:pPr algn="ctr"/>
+              <a:endParaRPr lang="en-US" sz="901"/>
+            </a:p>
+          </p:txBody>
+        </p:sp>
+        <p:sp>
+          <p:nvSpPr>
+            <p:cNvPr id="23" name="Arc 22">
+              <a:extLst>
+                <a:ext uri="{FF2B5EF4-FFF2-40B4-BE49-F238E27FC236}">
+                  <a16:creationId xmlns:a16="http://schemas.microsoft.com/office/drawing/2014/main" id="{5633D97B-5213-4F16-AC37-A07D51BCED9C}"/>
+                </a:ext>
+              </a:extLst>
+            </p:cNvPr>
+            <p:cNvSpPr/>
+            <p:nvPr/>
+          </p:nvSpPr>
+          <p:spPr>
+            <a:xfrm rot="10800000">
+              <a:off x="4156918" y="4454007"/>
+              <a:ext cx="1205729" cy="2750231"/>
+            </a:xfrm>
+            <a:prstGeom prst="arc">
+              <a:avLst>
+                <a:gd name="adj1" fmla="val 6246981"/>
+                <a:gd name="adj2" fmla="val 16107865"/>
+              </a:avLst>
+            </a:prstGeom>
+            <a:ln>
+              <a:solidFill>
+                <a:schemeClr val="tx1"/>
+              </a:solidFill>
+              <a:headEnd type="triangle" w="med" len="med"/>
+              <a:tailEnd type="none" w="med" len="med"/>
+            </a:ln>
+          </p:spPr>
+          <p:style>
+            <a:lnRef idx="1">
+              <a:schemeClr val="accent1"/>
+            </a:lnRef>
+            <a:fillRef idx="0">
+              <a:schemeClr val="accent1"/>
+            </a:fillRef>
+            <a:effectRef idx="0">
+              <a:schemeClr val="accent1"/>
+            </a:effectRef>
+            <a:fontRef idx="minor">
+              <a:schemeClr val="tx1"/>
+            </a:fontRef>
+          </p:style>
+          <p:txBody>
+            <a:bodyPr rot="0" spcFirstLastPara="0" vertOverflow="overflow" horzOverflow="overflow" vert="horz" wrap="square" lIns="52906" tIns="26452" rIns="52906" bIns="26452" numCol="1" spcCol="0" rtlCol="0" fromWordArt="0" anchor="ctr" anchorCtr="0" forceAA="0" compatLnSpc="1">
+              <a:prstTxWarp prst="textNoShape">
+                <a:avLst/>
+              </a:prstTxWarp>
+              <a:noAutofit/>
+            </a:bodyPr>
+            <a:lstStyle/>
+            <a:p>
+              <a:pPr algn="ctr"/>
+              <a:endParaRPr lang="en-US" sz="901"/>
+            </a:p>
+          </p:txBody>
+        </p:sp>
+        <p:cxnSp>
+          <p:nvCxnSpPr>
+            <p:cNvPr id="24" name="Straight Arrow Connector 23">
+              <a:extLst>
+                <a:ext uri="{FF2B5EF4-FFF2-40B4-BE49-F238E27FC236}">
+                  <a16:creationId xmlns:a16="http://schemas.microsoft.com/office/drawing/2014/main" id="{FE4E4F40-E9D1-494B-9AC7-2418E1C84FB1}"/>
+                </a:ext>
+              </a:extLst>
+            </p:cNvPr>
+            <p:cNvCxnSpPr>
+              <a:cxnSpLocks/>
+              <a:stCxn id="16" idx="2"/>
+            </p:cNvCxnSpPr>
+            <p:nvPr/>
+          </p:nvCxnSpPr>
+          <p:spPr>
+            <a:xfrm>
+              <a:off x="1931921" y="6000681"/>
+              <a:ext cx="0" cy="910477"/>
+            </a:xfrm>
+            <a:prstGeom prst="straightConnector1">
+              <a:avLst/>
+            </a:prstGeom>
+            <a:ln>
+              <a:solidFill>
+                <a:schemeClr val="tx1"/>
+              </a:solidFill>
+              <a:headEnd type="triangle" w="med" len="med"/>
+              <a:tailEnd type="triangle" w="med" len="med"/>
+            </a:ln>
+          </p:spPr>
+          <p:style>
+            <a:lnRef idx="1">
+              <a:schemeClr val="accent1"/>
+            </a:lnRef>
+            <a:fillRef idx="0">
+              <a:schemeClr val="accent1"/>
+            </a:fillRef>
+            <a:effectRef idx="0">
+              <a:schemeClr val="accent1"/>
+            </a:effectRef>
+            <a:fontRef idx="minor">
+              <a:schemeClr val="tx1"/>
+            </a:fontRef>
+          </p:style>
+        </p:cxnSp>
+        <p:sp>
+          <p:nvSpPr>
+            <p:cNvPr id="25" name="TextBox 24">
+              <a:extLst>
+                <a:ext uri="{FF2B5EF4-FFF2-40B4-BE49-F238E27FC236}">
+                  <a16:creationId xmlns:a16="http://schemas.microsoft.com/office/drawing/2014/main" id="{DC092702-3D2A-4BE1-A951-456C3DCF73DF}"/>
+                </a:ext>
+              </a:extLst>
+            </p:cNvPr>
+            <p:cNvSpPr txBox="1"/>
+            <p:nvPr/>
+          </p:nvSpPr>
+          <p:spPr>
+            <a:xfrm rot="16200000">
+              <a:off x="988333" y="7003672"/>
+              <a:ext cx="632603" cy="218221"/>
+            </a:xfrm>
+            <a:prstGeom prst="rect">
+              <a:avLst/>
+            </a:prstGeom>
+            <a:noFill/>
+          </p:spPr>
+          <p:txBody>
+            <a:bodyPr wrap="none" rtlCol="0">
+              <a:spAutoFit/>
+            </a:bodyPr>
+            <a:lstStyle/>
+            <a:p>
+              <a:r>
+                <a:rPr lang="en-US" sz="901" i="1" dirty="0">
+                  <a:latin typeface="Times New Roman" panose="02020603050405020304" pitchFamily="18" charset="0"/>
+                  <a:cs typeface="Times New Roman" panose="02020603050405020304" pitchFamily="18" charset="0"/>
+                </a:rPr>
+                <a:t>Technical</a:t>
+              </a:r>
+            </a:p>
+          </p:txBody>
+        </p:sp>
+        <p:sp>
+          <p:nvSpPr>
+            <p:cNvPr id="26" name="TextBox 25">
+              <a:extLst>
+                <a:ext uri="{FF2B5EF4-FFF2-40B4-BE49-F238E27FC236}">
+                  <a16:creationId xmlns:a16="http://schemas.microsoft.com/office/drawing/2014/main" id="{CDECD114-66D2-473D-8467-B75C2C160597}"/>
+                </a:ext>
+              </a:extLst>
+            </p:cNvPr>
+            <p:cNvSpPr txBox="1"/>
+            <p:nvPr/>
+          </p:nvSpPr>
+          <p:spPr>
+            <a:xfrm rot="5400000">
+              <a:off x="5189076" y="5065068"/>
+              <a:ext cx="1079482" cy="218221"/>
+            </a:xfrm>
+            <a:prstGeom prst="rect">
+              <a:avLst/>
+            </a:prstGeom>
+            <a:noFill/>
+          </p:spPr>
+          <p:txBody>
+            <a:bodyPr wrap="none" rtlCol="0">
+              <a:spAutoFit/>
+            </a:bodyPr>
+            <a:lstStyle/>
+            <a:p>
+              <a:r>
+                <a:rPr lang="en-US" sz="901" i="1">
+                  <a:latin typeface="Times New Roman" panose="02020603050405020304" pitchFamily="18" charset="0"/>
+                  <a:cs typeface="Times New Roman" panose="02020603050405020304" pitchFamily="18" charset="0"/>
+                </a:rPr>
+                <a:t>Science application</a:t>
+              </a:r>
+              <a:endParaRPr lang="en-US" sz="901" i="1" dirty="0">
+                <a:latin typeface="Times New Roman" panose="02020603050405020304" pitchFamily="18" charset="0"/>
+                <a:cs typeface="Times New Roman" panose="02020603050405020304" pitchFamily="18" charset="0"/>
+              </a:endParaRPr>
+            </a:p>
+          </p:txBody>
+        </p:sp>
+        <p:sp>
+          <p:nvSpPr>
+            <p:cNvPr id="27" name="Right Brace 26">
+              <a:extLst>
+                <a:ext uri="{FF2B5EF4-FFF2-40B4-BE49-F238E27FC236}">
+                  <a16:creationId xmlns:a16="http://schemas.microsoft.com/office/drawing/2014/main" id="{4BC7E8EC-CEE4-4E13-920D-B1D37166A057}"/>
+                </a:ext>
+              </a:extLst>
+            </p:cNvPr>
+            <p:cNvSpPr/>
+            <p:nvPr/>
+          </p:nvSpPr>
+          <p:spPr>
+            <a:xfrm>
+              <a:off x="5480168" y="4315020"/>
+              <a:ext cx="133231" cy="1719868"/>
+            </a:xfrm>
+            <a:prstGeom prst="rightBrace">
+              <a:avLst/>
+            </a:prstGeom>
+            <a:ln>
+              <a:solidFill>
+                <a:schemeClr val="tx1"/>
+              </a:solidFill>
+            </a:ln>
+          </p:spPr>
+          <p:style>
+            <a:lnRef idx="1">
+              <a:schemeClr val="accent1"/>
+            </a:lnRef>
+            <a:fillRef idx="0">
+              <a:schemeClr val="accent1"/>
+            </a:fillRef>
+            <a:effectRef idx="0">
+              <a:schemeClr val="accent1"/>
+            </a:effectRef>
+            <a:fontRef idx="minor">
+              <a:schemeClr val="tx1"/>
+            </a:fontRef>
+          </p:style>
+          <p:txBody>
+            <a:bodyPr rot="0" spcFirstLastPara="0" vertOverflow="overflow" horzOverflow="overflow" vert="horz" wrap="square" lIns="52906" tIns="26452" rIns="52906" bIns="26452" numCol="1" spcCol="0" rtlCol="0" fromWordArt="0" anchor="ctr" anchorCtr="0" forceAA="0" compatLnSpc="1">
+              <a:prstTxWarp prst="textNoShape">
+                <a:avLst/>
+              </a:prstTxWarp>
+              <a:noAutofit/>
+            </a:bodyPr>
+            <a:lstStyle/>
+            <a:p>
+              <a:pPr algn="ctr"/>
+              <a:endParaRPr lang="en-US" sz="901"/>
+            </a:p>
+          </p:txBody>
+        </p:sp>
+        <p:sp>
+          <p:nvSpPr>
+            <p:cNvPr id="28" name="Rectangle: Rounded Corners 27">
+              <a:extLst>
+                <a:ext uri="{FF2B5EF4-FFF2-40B4-BE49-F238E27FC236}">
+                  <a16:creationId xmlns:a16="http://schemas.microsoft.com/office/drawing/2014/main" id="{6F3599B3-C16D-4A2D-BC4E-37E26784B975}"/>
+                </a:ext>
+              </a:extLst>
+            </p:cNvPr>
+            <p:cNvSpPr/>
+            <p:nvPr/>
+          </p:nvSpPr>
+          <p:spPr>
+            <a:xfrm>
+              <a:off x="1317283" y="2029423"/>
+              <a:ext cx="4159856" cy="717444"/>
+            </a:xfrm>
+            <a:prstGeom prst="roundRect">
+              <a:avLst/>
+            </a:prstGeom>
+            <a:solidFill>
+              <a:schemeClr val="accent6">
+                <a:lumMod val="20000"/>
+                <a:lumOff val="80000"/>
+              </a:schemeClr>
+            </a:solidFill>
+            <a:ln w="28575">
+              <a:solidFill>
+                <a:schemeClr val="tx1"/>
+              </a:solidFill>
+            </a:ln>
+          </p:spPr>
+          <p:style>
+            <a:lnRef idx="2">
+              <a:schemeClr val="accent1">
+                <a:shade val="50000"/>
+              </a:schemeClr>
+            </a:lnRef>
+            <a:fillRef idx="1">
+              <a:schemeClr val="accent1"/>
+            </a:fillRef>
+            <a:effectRef idx="0">
+              <a:schemeClr val="accent1"/>
+            </a:effectRef>
+            <a:fontRef idx="minor">
+              <a:schemeClr val="lt1"/>
+            </a:fontRef>
+          </p:style>
+          <p:txBody>
+            <a:bodyPr rtlCol="0" anchor="ctr"/>
+            <a:lstStyle/>
+            <a:p>
+              <a:pPr algn="ctr"/>
+              <a:endParaRPr lang="en-US" sz="901"/>
+            </a:p>
+          </p:txBody>
+        </p:sp>
+        <p:sp>
+          <p:nvSpPr>
+            <p:cNvPr id="29" name="Rectangle 28">
+              <a:extLst>
+                <a:ext uri="{FF2B5EF4-FFF2-40B4-BE49-F238E27FC236}">
+                  <a16:creationId xmlns:a16="http://schemas.microsoft.com/office/drawing/2014/main" id="{08EB8E5A-6B88-487C-8442-94F4D103B956}"/>
+                </a:ext>
+              </a:extLst>
+            </p:cNvPr>
+            <p:cNvSpPr/>
+            <p:nvPr/>
+          </p:nvSpPr>
+          <p:spPr>
+            <a:xfrm>
+              <a:off x="2365605" y="2145005"/>
+              <a:ext cx="838847" cy="512250"/>
+            </a:xfrm>
+            <a:prstGeom prst="rect">
+              <a:avLst/>
+            </a:prstGeom>
+            <a:noFill/>
+            <a:ln>
+              <a:noFill/>
+            </a:ln>
+          </p:spPr>
+          <p:style>
+            <a:lnRef idx="2">
+              <a:schemeClr val="accent1">
+                <a:shade val="50000"/>
+              </a:schemeClr>
+            </a:lnRef>
+            <a:fillRef idx="1">
+              <a:schemeClr val="accent1"/>
+            </a:fillRef>
+            <a:effectRef idx="0">
+              <a:schemeClr val="accent1"/>
+            </a:effectRef>
+            <a:fontRef idx="minor">
+              <a:schemeClr val="lt1"/>
+            </a:fontRef>
+          </p:style>
+          <p:txBody>
+            <a:bodyPr rtlCol="0" anchor="ctr"/>
+            <a:lstStyle/>
+            <a:p>
+              <a:pPr algn="ctr"/>
+              <a:r>
+                <a:rPr lang="en-US" sz="901" dirty="0">
+                  <a:solidFill>
+                    <a:schemeClr val="tx1"/>
+                  </a:solidFill>
+                  <a:latin typeface="Times New Roman" panose="02020603050405020304" pitchFamily="18" charset="0"/>
+                  <a:cs typeface="Times New Roman" panose="02020603050405020304" pitchFamily="18" charset="0"/>
+                </a:rPr>
+                <a:t>Collect and synthesize data</a:t>
+              </a:r>
+              <a:endParaRPr lang="en-US" sz="901" dirty="0"/>
+            </a:p>
+          </p:txBody>
+        </p:sp>
+        <p:sp>
+          <p:nvSpPr>
+            <p:cNvPr id="30" name="Rectangle 29">
+              <a:extLst>
+                <a:ext uri="{FF2B5EF4-FFF2-40B4-BE49-F238E27FC236}">
+                  <a16:creationId xmlns:a16="http://schemas.microsoft.com/office/drawing/2014/main" id="{D3F32D2B-911D-43C1-9793-23D43D740601}"/>
+                </a:ext>
+              </a:extLst>
+            </p:cNvPr>
+            <p:cNvSpPr/>
+            <p:nvPr/>
+          </p:nvSpPr>
+          <p:spPr>
+            <a:xfrm>
+              <a:off x="3413929" y="2145005"/>
+              <a:ext cx="838847" cy="512250"/>
+            </a:xfrm>
+            <a:prstGeom prst="rect">
+              <a:avLst/>
+            </a:prstGeom>
+            <a:noFill/>
+            <a:ln>
+              <a:noFill/>
+            </a:ln>
+          </p:spPr>
+          <p:style>
+            <a:lnRef idx="2">
+              <a:schemeClr val="accent1">
+                <a:shade val="50000"/>
+              </a:schemeClr>
+            </a:lnRef>
+            <a:fillRef idx="1">
+              <a:schemeClr val="accent1"/>
+            </a:fillRef>
+            <a:effectRef idx="0">
+              <a:schemeClr val="accent1"/>
+            </a:effectRef>
+            <a:fontRef idx="minor">
+              <a:schemeClr val="lt1"/>
+            </a:fontRef>
+          </p:style>
+          <p:txBody>
+            <a:bodyPr rtlCol="0" anchor="ctr"/>
+            <a:lstStyle/>
+            <a:p>
+              <a:pPr algn="ctr"/>
+              <a:r>
+                <a:rPr lang="en-US" sz="901" dirty="0">
+                  <a:solidFill>
+                    <a:schemeClr val="tx1"/>
+                  </a:solidFill>
+                  <a:latin typeface="Times New Roman" panose="02020603050405020304" pitchFamily="18" charset="0"/>
+                  <a:cs typeface="Times New Roman" panose="02020603050405020304" pitchFamily="18" charset="0"/>
+                </a:rPr>
+                <a:t>Develop </a:t>
+              </a:r>
+            </a:p>
+            <a:p>
+              <a:pPr algn="ctr"/>
+              <a:r>
+                <a:rPr lang="en-US" sz="901" dirty="0">
+                  <a:solidFill>
+                    <a:schemeClr val="tx1"/>
+                  </a:solidFill>
+                  <a:latin typeface="Times New Roman" panose="02020603050405020304" pitchFamily="18" charset="0"/>
+                  <a:cs typeface="Times New Roman" panose="02020603050405020304" pitchFamily="18" charset="0"/>
+                </a:rPr>
+                <a:t>tool</a:t>
+              </a:r>
+              <a:endParaRPr lang="en-US" sz="901" dirty="0"/>
+            </a:p>
+          </p:txBody>
+        </p:sp>
+        <p:sp>
+          <p:nvSpPr>
+            <p:cNvPr id="31" name="Rectangle 30">
+              <a:extLst>
+                <a:ext uri="{FF2B5EF4-FFF2-40B4-BE49-F238E27FC236}">
+                  <a16:creationId xmlns:a16="http://schemas.microsoft.com/office/drawing/2014/main" id="{06250098-FE03-499F-933D-55B834B6996F}"/>
+                </a:ext>
+              </a:extLst>
+            </p:cNvPr>
+            <p:cNvSpPr/>
+            <p:nvPr/>
+          </p:nvSpPr>
+          <p:spPr>
+            <a:xfrm>
+              <a:off x="4586039" y="2150381"/>
+              <a:ext cx="891099" cy="512250"/>
+            </a:xfrm>
+            <a:prstGeom prst="rect">
+              <a:avLst/>
+            </a:prstGeom>
+            <a:noFill/>
+            <a:ln>
+              <a:noFill/>
+            </a:ln>
+          </p:spPr>
+          <p:style>
+            <a:lnRef idx="2">
+              <a:schemeClr val="accent1">
+                <a:shade val="50000"/>
+              </a:schemeClr>
+            </a:lnRef>
+            <a:fillRef idx="1">
+              <a:schemeClr val="accent1"/>
+            </a:fillRef>
+            <a:effectRef idx="0">
+              <a:schemeClr val="accent1"/>
+            </a:effectRef>
+            <a:fontRef idx="minor">
+              <a:schemeClr val="lt1"/>
+            </a:fontRef>
+          </p:style>
+          <p:txBody>
+            <a:bodyPr rtlCol="0" anchor="ctr"/>
+            <a:lstStyle/>
+            <a:p>
+              <a:pPr algn="ctr"/>
+              <a:r>
+                <a:rPr lang="en-US" sz="901" dirty="0">
+                  <a:solidFill>
+                    <a:schemeClr val="tx1"/>
+                  </a:solidFill>
+                  <a:latin typeface="Times New Roman" panose="02020603050405020304" pitchFamily="18" charset="0"/>
+                  <a:cs typeface="Times New Roman" panose="02020603050405020304" pitchFamily="18" charset="0"/>
+                </a:rPr>
+                <a:t>Summarize in report or manuscript</a:t>
+              </a:r>
+            </a:p>
+          </p:txBody>
+        </p:sp>
+        <p:cxnSp>
+          <p:nvCxnSpPr>
+            <p:cNvPr id="32" name="Straight Arrow Connector 31">
+              <a:extLst>
+                <a:ext uri="{FF2B5EF4-FFF2-40B4-BE49-F238E27FC236}">
+                  <a16:creationId xmlns:a16="http://schemas.microsoft.com/office/drawing/2014/main" id="{9A67E5AF-67C9-44FB-A9EB-4DF41DA18E3D}"/>
+                </a:ext>
+              </a:extLst>
+            </p:cNvPr>
+            <p:cNvCxnSpPr>
+              <a:cxnSpLocks/>
+              <a:stCxn id="29" idx="3"/>
+              <a:endCxn id="30" idx="1"/>
+            </p:cNvCxnSpPr>
+            <p:nvPr/>
+          </p:nvCxnSpPr>
+          <p:spPr>
+            <a:xfrm>
+              <a:off x="3204454" y="2401130"/>
+              <a:ext cx="209475" cy="0"/>
+            </a:xfrm>
+            <a:prstGeom prst="straightConnector1">
+              <a:avLst/>
+            </a:prstGeom>
+            <a:ln>
+              <a:solidFill>
+                <a:schemeClr val="tx1"/>
+              </a:solidFill>
+              <a:tailEnd type="triangle" w="med" len="med"/>
+            </a:ln>
+          </p:spPr>
+          <p:style>
+            <a:lnRef idx="1">
+              <a:schemeClr val="accent1"/>
+            </a:lnRef>
+            <a:fillRef idx="0">
+              <a:schemeClr val="accent1"/>
+            </a:fillRef>
+            <a:effectRef idx="0">
+              <a:schemeClr val="accent1"/>
+            </a:effectRef>
+            <a:fontRef idx="minor">
+              <a:schemeClr val="tx1"/>
+            </a:fontRef>
+          </p:style>
+        </p:cxnSp>
+        <p:cxnSp>
+          <p:nvCxnSpPr>
+            <p:cNvPr id="33" name="Straight Arrow Connector 32">
+              <a:extLst>
+                <a:ext uri="{FF2B5EF4-FFF2-40B4-BE49-F238E27FC236}">
+                  <a16:creationId xmlns:a16="http://schemas.microsoft.com/office/drawing/2014/main" id="{EE867130-73A7-424D-A929-C13BE1637FEB}"/>
+                </a:ext>
+              </a:extLst>
+            </p:cNvPr>
+            <p:cNvCxnSpPr>
+              <a:cxnSpLocks/>
+              <a:stCxn id="30" idx="3"/>
+            </p:cNvCxnSpPr>
+            <p:nvPr/>
+          </p:nvCxnSpPr>
+          <p:spPr>
+            <a:xfrm>
+              <a:off x="4252776" y="2401130"/>
+              <a:ext cx="209475" cy="0"/>
+            </a:xfrm>
+            <a:prstGeom prst="straightConnector1">
+              <a:avLst/>
+            </a:prstGeom>
+            <a:ln>
+              <a:solidFill>
+                <a:schemeClr val="tx1"/>
+              </a:solidFill>
+              <a:tailEnd type="triangle" w="med" len="med"/>
+            </a:ln>
+          </p:spPr>
+          <p:style>
+            <a:lnRef idx="1">
+              <a:schemeClr val="accent1"/>
+            </a:lnRef>
+            <a:fillRef idx="0">
+              <a:schemeClr val="accent1"/>
+            </a:fillRef>
+            <a:effectRef idx="0">
+              <a:schemeClr val="accent1"/>
+            </a:effectRef>
+            <a:fontRef idx="minor">
+              <a:schemeClr val="tx1"/>
+            </a:fontRef>
+          </p:style>
+        </p:cxnSp>
+        <p:sp>
+          <p:nvSpPr>
+            <p:cNvPr id="34" name="Rectangle 33">
+              <a:extLst>
+                <a:ext uri="{FF2B5EF4-FFF2-40B4-BE49-F238E27FC236}">
+                  <a16:creationId xmlns:a16="http://schemas.microsoft.com/office/drawing/2014/main" id="{8A9563FD-2706-472B-91AB-5F019C4EE8B9}"/>
+                </a:ext>
+              </a:extLst>
+            </p:cNvPr>
+            <p:cNvSpPr/>
+            <p:nvPr/>
+          </p:nvSpPr>
+          <p:spPr>
+            <a:xfrm>
+              <a:off x="1317282" y="2145005"/>
+              <a:ext cx="838847" cy="512250"/>
+            </a:xfrm>
+            <a:prstGeom prst="rect">
+              <a:avLst/>
+            </a:prstGeom>
+            <a:noFill/>
+            <a:ln>
+              <a:noFill/>
+            </a:ln>
+          </p:spPr>
+          <p:style>
+            <a:lnRef idx="2">
+              <a:schemeClr val="accent1">
+                <a:shade val="50000"/>
+              </a:schemeClr>
+            </a:lnRef>
+            <a:fillRef idx="1">
+              <a:schemeClr val="accent1"/>
+            </a:fillRef>
+            <a:effectRef idx="0">
+              <a:schemeClr val="accent1"/>
+            </a:effectRef>
+            <a:fontRef idx="minor">
+              <a:schemeClr val="lt1"/>
+            </a:fontRef>
+          </p:style>
+          <p:txBody>
+            <a:bodyPr rtlCol="0" anchor="ctr"/>
+            <a:lstStyle/>
+            <a:p>
+              <a:pPr algn="ctr"/>
+              <a:r>
+                <a:rPr lang="en-US" sz="901" dirty="0">
+                  <a:solidFill>
+                    <a:schemeClr val="tx1"/>
+                  </a:solidFill>
+                  <a:latin typeface="Times New Roman" panose="02020603050405020304" pitchFamily="18" charset="0"/>
+                  <a:cs typeface="Times New Roman" panose="02020603050405020304" pitchFamily="18" charset="0"/>
+                </a:rPr>
+                <a:t>Identify research goals</a:t>
+              </a:r>
+              <a:endParaRPr lang="en-US" sz="901" dirty="0"/>
+            </a:p>
+          </p:txBody>
+        </p:sp>
+        <p:cxnSp>
+          <p:nvCxnSpPr>
+            <p:cNvPr id="35" name="Straight Arrow Connector 34">
+              <a:extLst>
+                <a:ext uri="{FF2B5EF4-FFF2-40B4-BE49-F238E27FC236}">
+                  <a16:creationId xmlns:a16="http://schemas.microsoft.com/office/drawing/2014/main" id="{D2EA8392-B8A5-4622-9C7F-4472CF4B4277}"/>
+                </a:ext>
+              </a:extLst>
+            </p:cNvPr>
+            <p:cNvCxnSpPr>
+              <a:cxnSpLocks/>
+              <a:stCxn id="34" idx="3"/>
+              <a:endCxn id="29" idx="1"/>
+            </p:cNvCxnSpPr>
+            <p:nvPr/>
+          </p:nvCxnSpPr>
+          <p:spPr>
+            <a:xfrm>
+              <a:off x="2156129" y="2401130"/>
+              <a:ext cx="209475" cy="0"/>
+            </a:xfrm>
+            <a:prstGeom prst="straightConnector1">
+              <a:avLst/>
+            </a:prstGeom>
+            <a:ln>
+              <a:solidFill>
+                <a:schemeClr val="tx1"/>
+              </a:solidFill>
+              <a:tailEnd type="triangle" w="med" len="med"/>
+            </a:ln>
+          </p:spPr>
+          <p:style>
+            <a:lnRef idx="1">
+              <a:schemeClr val="accent1"/>
+            </a:lnRef>
+            <a:fillRef idx="0">
+              <a:schemeClr val="accent1"/>
+            </a:fillRef>
+            <a:effectRef idx="0">
+              <a:schemeClr val="accent1"/>
+            </a:effectRef>
+            <a:fontRef idx="minor">
+              <a:schemeClr val="tx1"/>
+            </a:fontRef>
+          </p:style>
+        </p:cxnSp>
+        <p:cxnSp>
+          <p:nvCxnSpPr>
+            <p:cNvPr id="36" name="Straight Arrow Connector 35">
+              <a:extLst>
+                <a:ext uri="{FF2B5EF4-FFF2-40B4-BE49-F238E27FC236}">
+                  <a16:creationId xmlns:a16="http://schemas.microsoft.com/office/drawing/2014/main" id="{07E4F206-950B-4833-A35B-AE6C4585F33C}"/>
+                </a:ext>
+              </a:extLst>
+            </p:cNvPr>
+            <p:cNvCxnSpPr>
+              <a:cxnSpLocks/>
+              <a:stCxn id="44" idx="0"/>
+            </p:cNvCxnSpPr>
+            <p:nvPr/>
+          </p:nvCxnSpPr>
+          <p:spPr>
+            <a:xfrm flipV="1">
+              <a:off x="2785028" y="2624923"/>
+              <a:ext cx="0" cy="315746"/>
+            </a:xfrm>
+            <a:prstGeom prst="straightConnector1">
+              <a:avLst/>
+            </a:prstGeom>
+            <a:ln>
+              <a:solidFill>
+                <a:schemeClr val="tx1"/>
+              </a:solidFill>
+              <a:tailEnd type="triangle" w="med" len="med"/>
+            </a:ln>
+          </p:spPr>
+          <p:style>
+            <a:lnRef idx="1">
+              <a:schemeClr val="accent1"/>
+            </a:lnRef>
+            <a:fillRef idx="0">
+              <a:schemeClr val="accent1"/>
+            </a:fillRef>
+            <a:effectRef idx="0">
+              <a:schemeClr val="accent1"/>
+            </a:effectRef>
+            <a:fontRef idx="minor">
+              <a:schemeClr val="tx1"/>
+            </a:fontRef>
+          </p:style>
+        </p:cxnSp>
+        <p:cxnSp>
+          <p:nvCxnSpPr>
+            <p:cNvPr id="37" name="Straight Arrow Connector 36">
+              <a:extLst>
+                <a:ext uri="{FF2B5EF4-FFF2-40B4-BE49-F238E27FC236}">
+                  <a16:creationId xmlns:a16="http://schemas.microsoft.com/office/drawing/2014/main" id="{43416AA6-5452-44F8-A05F-4B84597B2B71}"/>
+                </a:ext>
+              </a:extLst>
+            </p:cNvPr>
+            <p:cNvCxnSpPr>
+              <a:cxnSpLocks/>
+              <a:stCxn id="43" idx="2"/>
+              <a:endCxn id="34" idx="0"/>
+            </p:cNvCxnSpPr>
+            <p:nvPr/>
+          </p:nvCxnSpPr>
+          <p:spPr>
+            <a:xfrm flipH="1">
+              <a:off x="1736706" y="1830373"/>
+              <a:ext cx="906" cy="314632"/>
+            </a:xfrm>
+            <a:prstGeom prst="straightConnector1">
+              <a:avLst/>
+            </a:prstGeom>
+            <a:ln>
+              <a:solidFill>
+                <a:schemeClr val="tx1"/>
+              </a:solidFill>
+              <a:tailEnd type="triangle" w="med" len="med"/>
+            </a:ln>
+          </p:spPr>
+          <p:style>
+            <a:lnRef idx="1">
+              <a:schemeClr val="accent1"/>
+            </a:lnRef>
+            <a:fillRef idx="0">
+              <a:schemeClr val="accent1"/>
+            </a:fillRef>
+            <a:effectRef idx="0">
+              <a:schemeClr val="accent1"/>
+            </a:effectRef>
+            <a:fontRef idx="minor">
+              <a:schemeClr val="tx1"/>
+            </a:fontRef>
+          </p:style>
+        </p:cxnSp>
+        <p:cxnSp>
+          <p:nvCxnSpPr>
+            <p:cNvPr id="38" name="Straight Arrow Connector 37">
+              <a:extLst>
+                <a:ext uri="{FF2B5EF4-FFF2-40B4-BE49-F238E27FC236}">
+                  <a16:creationId xmlns:a16="http://schemas.microsoft.com/office/drawing/2014/main" id="{49673A18-27D8-4804-B38A-63AE59B981B3}"/>
+                </a:ext>
+              </a:extLst>
+            </p:cNvPr>
+            <p:cNvCxnSpPr>
+              <a:cxnSpLocks/>
+              <a:stCxn id="45" idx="0"/>
+            </p:cNvCxnSpPr>
+            <p:nvPr/>
+          </p:nvCxnSpPr>
+          <p:spPr>
+            <a:xfrm flipV="1">
+              <a:off x="3833352" y="2624923"/>
+              <a:ext cx="0" cy="315872"/>
+            </a:xfrm>
+            <a:prstGeom prst="straightConnector1">
+              <a:avLst/>
+            </a:prstGeom>
+            <a:ln>
+              <a:solidFill>
+                <a:schemeClr val="tx1"/>
+              </a:solidFill>
+              <a:tailEnd type="triangle" w="med" len="med"/>
+            </a:ln>
+          </p:spPr>
+          <p:style>
+            <a:lnRef idx="1">
+              <a:schemeClr val="accent1"/>
+            </a:lnRef>
+            <a:fillRef idx="0">
+              <a:schemeClr val="accent1"/>
+            </a:fillRef>
+            <a:effectRef idx="0">
+              <a:schemeClr val="accent1"/>
+            </a:effectRef>
+            <a:fontRef idx="minor">
+              <a:schemeClr val="tx1"/>
+            </a:fontRef>
+          </p:style>
+        </p:cxnSp>
+        <p:sp>
+          <p:nvSpPr>
+            <p:cNvPr id="39" name="TextBox 38">
+              <a:extLst>
+                <a:ext uri="{FF2B5EF4-FFF2-40B4-BE49-F238E27FC236}">
+                  <a16:creationId xmlns:a16="http://schemas.microsoft.com/office/drawing/2014/main" id="{DE78518C-84DA-41AE-A35F-4FB91113C9D9}"/>
+                </a:ext>
+              </a:extLst>
+            </p:cNvPr>
+            <p:cNvSpPr txBox="1"/>
+            <p:nvPr/>
+          </p:nvSpPr>
+          <p:spPr>
+            <a:xfrm rot="16200000">
+              <a:off x="879618" y="2290940"/>
+              <a:ext cx="632603" cy="218221"/>
+            </a:xfrm>
+            <a:prstGeom prst="rect">
+              <a:avLst/>
+            </a:prstGeom>
+            <a:noFill/>
+          </p:spPr>
+          <p:txBody>
+            <a:bodyPr wrap="none" rtlCol="0">
+              <a:spAutoFit/>
+            </a:bodyPr>
+            <a:lstStyle/>
+            <a:p>
+              <a:r>
+                <a:rPr lang="en-US" sz="901" i="1" dirty="0">
+                  <a:latin typeface="Times New Roman" panose="02020603050405020304" pitchFamily="18" charset="0"/>
+                  <a:cs typeface="Times New Roman" panose="02020603050405020304" pitchFamily="18" charset="0"/>
+                </a:rPr>
+                <a:t>Technical</a:t>
+              </a:r>
+            </a:p>
+          </p:txBody>
+        </p:sp>
+        <p:sp>
+          <p:nvSpPr>
+            <p:cNvPr id="40" name="TextBox 39">
+              <a:extLst>
+                <a:ext uri="{FF2B5EF4-FFF2-40B4-BE49-F238E27FC236}">
+                  <a16:creationId xmlns:a16="http://schemas.microsoft.com/office/drawing/2014/main" id="{000D28FC-3E83-4470-8B90-745B7BBAF71E}"/>
+                </a:ext>
+              </a:extLst>
+            </p:cNvPr>
+            <p:cNvSpPr txBox="1"/>
+            <p:nvPr/>
+          </p:nvSpPr>
+          <p:spPr>
+            <a:xfrm>
+              <a:off x="1302252" y="850272"/>
+              <a:ext cx="1646650" cy="273832"/>
+            </a:xfrm>
+            <a:prstGeom prst="rect">
+              <a:avLst/>
+            </a:prstGeom>
+            <a:noFill/>
+          </p:spPr>
+          <p:txBody>
+            <a:bodyPr wrap="none" rtlCol="0">
+              <a:spAutoFit/>
+            </a:bodyPr>
+            <a:lstStyle/>
+            <a:p>
+              <a:r>
+                <a:rPr lang="en-US" sz="1200" dirty="0">
+                  <a:latin typeface="Times New Roman" panose="02020603050405020304" pitchFamily="18" charset="0"/>
+                  <a:cs typeface="Times New Roman" panose="02020603050405020304" pitchFamily="18" charset="0"/>
+                </a:rPr>
+                <a:t>(a) Closed bioassessment</a:t>
+              </a:r>
+            </a:p>
+          </p:txBody>
+        </p:sp>
+        <p:sp>
+          <p:nvSpPr>
+            <p:cNvPr id="41" name="TextBox 40">
+              <a:extLst>
+                <a:ext uri="{FF2B5EF4-FFF2-40B4-BE49-F238E27FC236}">
+                  <a16:creationId xmlns:a16="http://schemas.microsoft.com/office/drawing/2014/main" id="{3E84E157-0F65-4C4A-98DF-6900C45D8051}"/>
+                </a:ext>
+              </a:extLst>
+            </p:cNvPr>
+            <p:cNvSpPr txBox="1"/>
+            <p:nvPr/>
+          </p:nvSpPr>
+          <p:spPr>
+            <a:xfrm>
+              <a:off x="1302252" y="3581353"/>
+              <a:ext cx="1564862" cy="273832"/>
+            </a:xfrm>
+            <a:prstGeom prst="rect">
+              <a:avLst/>
+            </a:prstGeom>
+            <a:noFill/>
+          </p:spPr>
+          <p:txBody>
+            <a:bodyPr wrap="none" rtlCol="0">
+              <a:spAutoFit/>
+            </a:bodyPr>
+            <a:lstStyle/>
+            <a:p>
+              <a:r>
+                <a:rPr lang="en-US" sz="1200" dirty="0">
+                  <a:latin typeface="Times New Roman" panose="02020603050405020304" pitchFamily="18" charset="0"/>
+                  <a:cs typeface="Times New Roman" panose="02020603050405020304" pitchFamily="18" charset="0"/>
+                </a:rPr>
+                <a:t>(b) Open bioassessment</a:t>
+              </a:r>
+            </a:p>
+          </p:txBody>
+        </p:sp>
+        <p:cxnSp>
+          <p:nvCxnSpPr>
+            <p:cNvPr id="42" name="Straight Arrow Connector 41">
+              <a:extLst>
+                <a:ext uri="{FF2B5EF4-FFF2-40B4-BE49-F238E27FC236}">
+                  <a16:creationId xmlns:a16="http://schemas.microsoft.com/office/drawing/2014/main" id="{837F0C2F-B6A9-4746-AB10-C908242904CA}"/>
+                </a:ext>
+              </a:extLst>
+            </p:cNvPr>
+            <p:cNvCxnSpPr>
+              <a:cxnSpLocks/>
+            </p:cNvCxnSpPr>
+            <p:nvPr/>
+          </p:nvCxnSpPr>
+          <p:spPr>
+            <a:xfrm flipH="1">
+              <a:off x="2494550" y="4609671"/>
+              <a:ext cx="365730" cy="0"/>
+            </a:xfrm>
+            <a:prstGeom prst="straightConnector1">
+              <a:avLst/>
+            </a:prstGeom>
+            <a:ln>
+              <a:solidFill>
+                <a:schemeClr val="tx1"/>
+              </a:solidFill>
+              <a:tailEnd type="triangle" w="med" len="med"/>
+            </a:ln>
+          </p:spPr>
+          <p:style>
+            <a:lnRef idx="1">
+              <a:schemeClr val="accent1"/>
+            </a:lnRef>
+            <a:fillRef idx="0">
+              <a:schemeClr val="accent1"/>
+            </a:fillRef>
+            <a:effectRef idx="0">
+              <a:schemeClr val="accent1"/>
+            </a:effectRef>
+            <a:fontRef idx="minor">
+              <a:schemeClr val="tx1"/>
+            </a:fontRef>
+          </p:style>
+        </p:cxnSp>
+        <p:sp>
+          <p:nvSpPr>
+            <p:cNvPr id="43" name="Rectangle: Rounded Corners 42">
+              <a:extLst>
+                <a:ext uri="{FF2B5EF4-FFF2-40B4-BE49-F238E27FC236}">
+                  <a16:creationId xmlns:a16="http://schemas.microsoft.com/office/drawing/2014/main" id="{48E37938-BA46-4ADB-836F-FD6CF0B443C1}"/>
+                </a:ext>
+              </a:extLst>
+            </p:cNvPr>
+            <p:cNvSpPr/>
+            <p:nvPr/>
+          </p:nvSpPr>
+          <p:spPr>
+            <a:xfrm>
+              <a:off x="1311337" y="1331570"/>
+              <a:ext cx="852551" cy="498803"/>
+            </a:xfrm>
+            <a:prstGeom prst="roundRect">
+              <a:avLst/>
+            </a:prstGeom>
+            <a:solidFill>
+              <a:schemeClr val="accent2">
+                <a:lumMod val="20000"/>
+                <a:lumOff val="80000"/>
+              </a:schemeClr>
+            </a:solidFill>
+            <a:ln w="28575">
+              <a:solidFill>
+                <a:schemeClr val="tx1"/>
+              </a:solidFill>
+            </a:ln>
+          </p:spPr>
+          <p:style>
+            <a:lnRef idx="2">
+              <a:schemeClr val="accent1">
+                <a:shade val="50000"/>
+              </a:schemeClr>
+            </a:lnRef>
+            <a:fillRef idx="1">
+              <a:schemeClr val="accent1"/>
+            </a:fillRef>
+            <a:effectRef idx="0">
+              <a:schemeClr val="accent1"/>
+            </a:effectRef>
+            <a:fontRef idx="minor">
+              <a:schemeClr val="lt1"/>
+            </a:fontRef>
+          </p:style>
+          <p:txBody>
+            <a:bodyPr rtlCol="0" anchor="ctr"/>
+            <a:lstStyle/>
+            <a:p>
+              <a:pPr algn="ctr"/>
+              <a:r>
+                <a:rPr lang="en-US" sz="901" dirty="0">
+                  <a:solidFill>
+                    <a:schemeClr val="tx1"/>
+                  </a:solidFill>
+                  <a:latin typeface="Times New Roman" panose="02020603050405020304" pitchFamily="18" charset="0"/>
+                  <a:cs typeface="Times New Roman" panose="02020603050405020304" pitchFamily="18" charset="0"/>
+                </a:rPr>
+                <a:t>Managers and stakeholders</a:t>
+              </a:r>
+              <a:endParaRPr lang="en-US" sz="901" dirty="0"/>
+            </a:p>
+          </p:txBody>
+        </p:sp>
+        <p:sp>
+          <p:nvSpPr>
+            <p:cNvPr id="44" name="Rectangle: Rounded Corners 43">
+              <a:extLst>
+                <a:ext uri="{FF2B5EF4-FFF2-40B4-BE49-F238E27FC236}">
+                  <a16:creationId xmlns:a16="http://schemas.microsoft.com/office/drawing/2014/main" id="{6EE6F0B0-1A1B-4D64-9CCB-3409B03C57CE}"/>
+                </a:ext>
+              </a:extLst>
+            </p:cNvPr>
+            <p:cNvSpPr/>
+            <p:nvPr/>
+          </p:nvSpPr>
+          <p:spPr>
+            <a:xfrm>
+              <a:off x="2358751" y="2940669"/>
+              <a:ext cx="852551" cy="498803"/>
+            </a:xfrm>
+            <a:prstGeom prst="roundRect">
+              <a:avLst/>
+            </a:prstGeom>
+            <a:solidFill>
+              <a:schemeClr val="bg2"/>
+            </a:solidFill>
+            <a:ln w="28575">
+              <a:solidFill>
+                <a:schemeClr val="tx1"/>
+              </a:solidFill>
+            </a:ln>
+          </p:spPr>
+          <p:style>
+            <a:lnRef idx="2">
+              <a:schemeClr val="accent1">
+                <a:shade val="50000"/>
+              </a:schemeClr>
+            </a:lnRef>
+            <a:fillRef idx="1">
+              <a:schemeClr val="accent1"/>
+            </a:fillRef>
+            <a:effectRef idx="0">
+              <a:schemeClr val="accent1"/>
+            </a:effectRef>
+            <a:fontRef idx="minor">
+              <a:schemeClr val="lt1"/>
+            </a:fontRef>
+          </p:style>
+          <p:txBody>
+            <a:bodyPr rtlCol="0" anchor="ctr"/>
+            <a:lstStyle/>
+            <a:p>
+              <a:pPr algn="ctr"/>
+              <a:r>
+                <a:rPr lang="en-US" sz="901" dirty="0">
+                  <a:solidFill>
+                    <a:schemeClr val="tx1"/>
+                  </a:solidFill>
+                  <a:latin typeface="Times New Roman" panose="02020603050405020304" pitchFamily="18" charset="0"/>
+                  <a:cs typeface="Times New Roman" panose="02020603050405020304" pitchFamily="18" charset="0"/>
+                </a:rPr>
+                <a:t>External data (RMP, NGO, academic)</a:t>
+              </a:r>
+              <a:endParaRPr lang="en-US" sz="901" dirty="0"/>
+            </a:p>
+          </p:txBody>
+        </p:sp>
+        <p:sp>
+          <p:nvSpPr>
+            <p:cNvPr id="45" name="Rectangle: Rounded Corners 44">
+              <a:extLst>
+                <a:ext uri="{FF2B5EF4-FFF2-40B4-BE49-F238E27FC236}">
+                  <a16:creationId xmlns:a16="http://schemas.microsoft.com/office/drawing/2014/main" id="{70542DEB-7B13-4A46-98D8-B76ED0C0BCDE}"/>
+                </a:ext>
+              </a:extLst>
+            </p:cNvPr>
+            <p:cNvSpPr/>
+            <p:nvPr/>
+          </p:nvSpPr>
+          <p:spPr>
+            <a:xfrm>
+              <a:off x="3407075" y="2940794"/>
+              <a:ext cx="852551" cy="498803"/>
+            </a:xfrm>
+            <a:prstGeom prst="roundRect">
+              <a:avLst/>
+            </a:prstGeom>
+            <a:solidFill>
+              <a:schemeClr val="bg2"/>
+            </a:solidFill>
+            <a:ln w="28575">
+              <a:solidFill>
+                <a:schemeClr val="tx1"/>
+              </a:solidFill>
+            </a:ln>
+          </p:spPr>
+          <p:style>
+            <a:lnRef idx="2">
+              <a:schemeClr val="accent1">
+                <a:shade val="50000"/>
+              </a:schemeClr>
+            </a:lnRef>
+            <a:fillRef idx="1">
+              <a:schemeClr val="accent1"/>
+            </a:fillRef>
+            <a:effectRef idx="0">
+              <a:schemeClr val="accent1"/>
+            </a:effectRef>
+            <a:fontRef idx="minor">
+              <a:schemeClr val="lt1"/>
+            </a:fontRef>
+          </p:style>
+          <p:txBody>
+            <a:bodyPr rtlCol="0" anchor="ctr"/>
+            <a:lstStyle/>
+            <a:p>
+              <a:pPr algn="ctr"/>
+              <a:r>
+                <a:rPr lang="en-US" sz="901" dirty="0">
+                  <a:solidFill>
+                    <a:schemeClr val="tx1"/>
+                  </a:solidFill>
+                  <a:latin typeface="Times New Roman" panose="02020603050405020304" pitchFamily="18" charset="0"/>
+                  <a:cs typeface="Times New Roman" panose="02020603050405020304" pitchFamily="18" charset="0"/>
+                </a:rPr>
+                <a:t>Primary, secondary literature</a:t>
+              </a:r>
+              <a:endParaRPr lang="en-US" sz="901" dirty="0"/>
+            </a:p>
+          </p:txBody>
+        </p:sp>
+        <p:sp>
+          <p:nvSpPr>
+            <p:cNvPr id="46" name="Rectangle: Rounded Corners 45">
+              <a:extLst>
+                <a:ext uri="{FF2B5EF4-FFF2-40B4-BE49-F238E27FC236}">
+                  <a16:creationId xmlns:a16="http://schemas.microsoft.com/office/drawing/2014/main" id="{D0E437CE-8D99-4ED8-A823-EEDF081092DC}"/>
+                </a:ext>
+              </a:extLst>
+            </p:cNvPr>
+            <p:cNvSpPr/>
+            <p:nvPr/>
+          </p:nvSpPr>
+          <p:spPr>
+            <a:xfrm>
+              <a:off x="1505644" y="4362240"/>
+              <a:ext cx="852551" cy="498803"/>
+            </a:xfrm>
+            <a:prstGeom prst="roundRect">
+              <a:avLst/>
+            </a:prstGeom>
+            <a:solidFill>
+              <a:schemeClr val="accent2">
+                <a:lumMod val="20000"/>
+                <a:lumOff val="80000"/>
+              </a:schemeClr>
+            </a:solidFill>
+            <a:ln w="28575">
+              <a:solidFill>
+                <a:schemeClr val="tx1"/>
+              </a:solidFill>
+            </a:ln>
+          </p:spPr>
+          <p:style>
+            <a:lnRef idx="2">
+              <a:schemeClr val="accent1">
+                <a:shade val="50000"/>
+              </a:schemeClr>
+            </a:lnRef>
+            <a:fillRef idx="1">
+              <a:schemeClr val="accent1"/>
+            </a:fillRef>
+            <a:effectRef idx="0">
+              <a:schemeClr val="accent1"/>
+            </a:effectRef>
+            <a:fontRef idx="minor">
+              <a:schemeClr val="lt1"/>
+            </a:fontRef>
+          </p:style>
+          <p:txBody>
+            <a:bodyPr rtlCol="0" anchor="ctr"/>
+            <a:lstStyle/>
+            <a:p>
+              <a:pPr algn="ctr"/>
+              <a:r>
+                <a:rPr lang="en-US" sz="901" dirty="0">
+                  <a:solidFill>
+                    <a:schemeClr val="tx1"/>
+                  </a:solidFill>
+                  <a:latin typeface="Times New Roman" panose="02020603050405020304" pitchFamily="18" charset="0"/>
+                  <a:cs typeface="Times New Roman" panose="02020603050405020304" pitchFamily="18" charset="0"/>
+                </a:rPr>
+                <a:t>Managers and stakeholders</a:t>
+              </a:r>
+              <a:endParaRPr lang="en-US" sz="901" dirty="0"/>
+            </a:p>
+          </p:txBody>
+        </p:sp>
+        <p:sp>
+          <p:nvSpPr>
+            <p:cNvPr id="47" name="Rectangle: Rounded Corners 46">
+              <a:extLst>
+                <a:ext uri="{FF2B5EF4-FFF2-40B4-BE49-F238E27FC236}">
+                  <a16:creationId xmlns:a16="http://schemas.microsoft.com/office/drawing/2014/main" id="{EFAC35F8-E5B5-4E54-AD12-E37DBC88061B}"/>
+                </a:ext>
+              </a:extLst>
+            </p:cNvPr>
+            <p:cNvSpPr/>
+            <p:nvPr/>
+          </p:nvSpPr>
+          <p:spPr>
+            <a:xfrm>
+              <a:off x="2828420" y="6036800"/>
+              <a:ext cx="852551" cy="498803"/>
+            </a:xfrm>
+            <a:prstGeom prst="roundRect">
+              <a:avLst/>
+            </a:prstGeom>
+            <a:solidFill>
+              <a:schemeClr val="bg2"/>
+            </a:solidFill>
+            <a:ln w="28575">
+              <a:solidFill>
+                <a:schemeClr val="tx1"/>
+              </a:solidFill>
+            </a:ln>
+          </p:spPr>
+          <p:style>
+            <a:lnRef idx="2">
+              <a:schemeClr val="accent1">
+                <a:shade val="50000"/>
+              </a:schemeClr>
+            </a:lnRef>
+            <a:fillRef idx="1">
+              <a:schemeClr val="accent1"/>
+            </a:fillRef>
+            <a:effectRef idx="0">
+              <a:schemeClr val="accent1"/>
+            </a:effectRef>
+            <a:fontRef idx="minor">
+              <a:schemeClr val="lt1"/>
+            </a:fontRef>
+          </p:style>
+          <p:txBody>
+            <a:bodyPr rtlCol="0" anchor="ctr"/>
+            <a:lstStyle/>
+            <a:p>
+              <a:pPr algn="ctr"/>
+              <a:r>
+                <a:rPr lang="en-US" sz="901" dirty="0">
+                  <a:solidFill>
+                    <a:schemeClr val="tx1"/>
+                  </a:solidFill>
+                  <a:latin typeface="Times New Roman" panose="02020603050405020304" pitchFamily="18" charset="0"/>
+                  <a:cs typeface="Times New Roman" panose="02020603050405020304" pitchFamily="18" charset="0"/>
+                </a:rPr>
+                <a:t>External data (RMP, NGO, academic)</a:t>
+              </a:r>
+              <a:endParaRPr lang="en-US" sz="901" dirty="0"/>
+            </a:p>
+          </p:txBody>
+        </p:sp>
+        <p:sp>
+          <p:nvSpPr>
+            <p:cNvPr id="48" name="Rectangle: Rounded Corners 47">
+              <a:extLst>
+                <a:ext uri="{FF2B5EF4-FFF2-40B4-BE49-F238E27FC236}">
+                  <a16:creationId xmlns:a16="http://schemas.microsoft.com/office/drawing/2014/main" id="{F25E16BC-73F0-4787-8D3F-241F9262C148}"/>
+                </a:ext>
+              </a:extLst>
+            </p:cNvPr>
+            <p:cNvSpPr/>
+            <p:nvPr/>
+          </p:nvSpPr>
+          <p:spPr>
+            <a:xfrm>
+              <a:off x="4141125" y="6034890"/>
+              <a:ext cx="852551" cy="498803"/>
+            </a:xfrm>
+            <a:prstGeom prst="roundRect">
+              <a:avLst/>
+            </a:prstGeom>
+            <a:solidFill>
+              <a:schemeClr val="bg2"/>
+            </a:solidFill>
+            <a:ln w="28575">
+              <a:solidFill>
+                <a:schemeClr val="tx1"/>
+              </a:solidFill>
+            </a:ln>
+          </p:spPr>
+          <p:style>
+            <a:lnRef idx="2">
+              <a:schemeClr val="accent1">
+                <a:shade val="50000"/>
+              </a:schemeClr>
+            </a:lnRef>
+            <a:fillRef idx="1">
+              <a:schemeClr val="accent1"/>
+            </a:fillRef>
+            <a:effectRef idx="0">
+              <a:schemeClr val="accent1"/>
+            </a:effectRef>
+            <a:fontRef idx="minor">
+              <a:schemeClr val="lt1"/>
+            </a:fontRef>
+          </p:style>
+          <p:txBody>
+            <a:bodyPr rtlCol="0" anchor="ctr"/>
+            <a:lstStyle/>
+            <a:p>
+              <a:pPr algn="ctr"/>
+              <a:r>
+                <a:rPr lang="en-US" sz="901" dirty="0">
+                  <a:solidFill>
+                    <a:schemeClr val="tx1"/>
+                  </a:solidFill>
+                  <a:latin typeface="Times New Roman" panose="02020603050405020304" pitchFamily="18" charset="0"/>
+                  <a:cs typeface="Times New Roman" panose="02020603050405020304" pitchFamily="18" charset="0"/>
+                </a:rPr>
+                <a:t>Primary, secondary literature</a:t>
+              </a:r>
+              <a:endParaRPr lang="en-US" sz="901" dirty="0"/>
+            </a:p>
+          </p:txBody>
+        </p:sp>
+        <p:cxnSp>
+          <p:nvCxnSpPr>
+            <p:cNvPr id="49" name="Straight Arrow Connector 48">
+              <a:extLst>
+                <a:ext uri="{FF2B5EF4-FFF2-40B4-BE49-F238E27FC236}">
+                  <a16:creationId xmlns:a16="http://schemas.microsoft.com/office/drawing/2014/main" id="{0CBCC571-FD8F-4149-B3AE-00692B27E7F3}"/>
+                </a:ext>
+              </a:extLst>
+            </p:cNvPr>
+            <p:cNvCxnSpPr>
+              <a:cxnSpLocks/>
+            </p:cNvCxnSpPr>
+            <p:nvPr/>
+          </p:nvCxnSpPr>
+          <p:spPr>
+            <a:xfrm flipH="1">
+              <a:off x="3723086" y="4609673"/>
+              <a:ext cx="365730" cy="0"/>
+            </a:xfrm>
+            <a:prstGeom prst="straightConnector1">
+              <a:avLst/>
+            </a:prstGeom>
+            <a:ln>
+              <a:solidFill>
+                <a:schemeClr val="tx1"/>
+              </a:solidFill>
+              <a:tailEnd type="triangle" w="med" len="med"/>
+            </a:ln>
+          </p:spPr>
+          <p:style>
+            <a:lnRef idx="1">
+              <a:schemeClr val="accent1"/>
+            </a:lnRef>
+            <a:fillRef idx="0">
+              <a:schemeClr val="accent1"/>
+            </a:fillRef>
+            <a:effectRef idx="0">
+              <a:schemeClr val="accent1"/>
+            </a:effectRef>
+            <a:fontRef idx="minor">
+              <a:schemeClr val="tx1"/>
+            </a:fontRef>
+          </p:style>
+        </p:cxnSp>
+        <p:cxnSp>
+          <p:nvCxnSpPr>
+            <p:cNvPr id="50" name="Straight Arrow Connector 49">
+              <a:extLst>
+                <a:ext uri="{FF2B5EF4-FFF2-40B4-BE49-F238E27FC236}">
+                  <a16:creationId xmlns:a16="http://schemas.microsoft.com/office/drawing/2014/main" id="{B7A43414-6969-4781-98FE-080C830C5DF3}"/>
+                </a:ext>
+              </a:extLst>
+            </p:cNvPr>
+            <p:cNvCxnSpPr>
+              <a:cxnSpLocks/>
+            </p:cNvCxnSpPr>
+            <p:nvPr/>
+          </p:nvCxnSpPr>
+          <p:spPr>
+            <a:xfrm>
+              <a:off x="3251838" y="5626460"/>
+              <a:ext cx="0" cy="325613"/>
+            </a:xfrm>
+            <a:prstGeom prst="straightConnector1">
+              <a:avLst/>
+            </a:prstGeom>
+            <a:ln>
+              <a:solidFill>
+                <a:schemeClr val="tx1"/>
+              </a:solidFill>
+              <a:tailEnd type="triangle" w="med" len="med"/>
+            </a:ln>
+          </p:spPr>
+          <p:style>
+            <a:lnRef idx="1">
+              <a:schemeClr val="accent1"/>
+            </a:lnRef>
+            <a:fillRef idx="0">
+              <a:schemeClr val="accent1"/>
+            </a:fillRef>
+            <a:effectRef idx="0">
+              <a:schemeClr val="accent1"/>
+            </a:effectRef>
+            <a:fontRef idx="minor">
+              <a:schemeClr val="tx1"/>
+            </a:fontRef>
+          </p:style>
+        </p:cxnSp>
+        <p:cxnSp>
+          <p:nvCxnSpPr>
+            <p:cNvPr id="51" name="Straight Arrow Connector 50">
+              <a:extLst>
+                <a:ext uri="{FF2B5EF4-FFF2-40B4-BE49-F238E27FC236}">
+                  <a16:creationId xmlns:a16="http://schemas.microsoft.com/office/drawing/2014/main" id="{6AB33E86-C807-4004-A6D2-B5F9A0FC7CDA}"/>
+                </a:ext>
+              </a:extLst>
+            </p:cNvPr>
+            <p:cNvCxnSpPr>
+              <a:cxnSpLocks/>
+            </p:cNvCxnSpPr>
+            <p:nvPr/>
+          </p:nvCxnSpPr>
+          <p:spPr>
+            <a:xfrm flipH="1">
+              <a:off x="3746739" y="5424835"/>
+              <a:ext cx="365730" cy="0"/>
+            </a:xfrm>
+            <a:prstGeom prst="straightConnector1">
+              <a:avLst/>
+            </a:prstGeom>
+            <a:ln>
+              <a:solidFill>
+                <a:schemeClr val="tx1"/>
+              </a:solidFill>
+              <a:headEnd type="triangle"/>
+              <a:tailEnd type="none" w="med" len="med"/>
+            </a:ln>
+          </p:spPr>
+          <p:style>
+            <a:lnRef idx="1">
+              <a:schemeClr val="accent1"/>
+            </a:lnRef>
+            <a:fillRef idx="0">
+              <a:schemeClr val="accent1"/>
+            </a:fillRef>
+            <a:effectRef idx="0">
+              <a:schemeClr val="accent1"/>
+            </a:effectRef>
+            <a:fontRef idx="minor">
+              <a:schemeClr val="tx1"/>
+            </a:fontRef>
+          </p:style>
+        </p:cxnSp>
+        <p:cxnSp>
+          <p:nvCxnSpPr>
+            <p:cNvPr id="52" name="Straight Arrow Connector 51">
+              <a:extLst>
+                <a:ext uri="{FF2B5EF4-FFF2-40B4-BE49-F238E27FC236}">
+                  <a16:creationId xmlns:a16="http://schemas.microsoft.com/office/drawing/2014/main" id="{F67D12CE-C9DB-4C41-9EFE-DA12C00C3D9D}"/>
+                </a:ext>
+              </a:extLst>
+            </p:cNvPr>
+            <p:cNvCxnSpPr>
+              <a:cxnSpLocks/>
+            </p:cNvCxnSpPr>
+            <p:nvPr/>
+          </p:nvCxnSpPr>
+          <p:spPr>
+            <a:xfrm>
+              <a:off x="4586106" y="5639225"/>
+              <a:ext cx="0" cy="325613"/>
+            </a:xfrm>
+            <a:prstGeom prst="straightConnector1">
+              <a:avLst/>
+            </a:prstGeom>
+            <a:ln>
+              <a:solidFill>
+                <a:schemeClr val="tx1"/>
+              </a:solidFill>
+              <a:tailEnd type="triangle" w="med" len="med"/>
+            </a:ln>
+          </p:spPr>
+          <p:style>
+            <a:lnRef idx="1">
+              <a:schemeClr val="accent1"/>
+            </a:lnRef>
+            <a:fillRef idx="0">
+              <a:schemeClr val="accent1"/>
+            </a:fillRef>
+            <a:effectRef idx="0">
+              <a:schemeClr val="accent1"/>
+            </a:effectRef>
+            <a:fontRef idx="minor">
+              <a:schemeClr val="tx1"/>
+            </a:fontRef>
+          </p:style>
+        </p:cxnSp>
+        <p:cxnSp>
+          <p:nvCxnSpPr>
+            <p:cNvPr id="53" name="Straight Arrow Connector 52">
+              <a:extLst>
+                <a:ext uri="{FF2B5EF4-FFF2-40B4-BE49-F238E27FC236}">
+                  <a16:creationId xmlns:a16="http://schemas.microsoft.com/office/drawing/2014/main" id="{73C21CBF-B717-4DB6-94E9-EB7199B6F752}"/>
+                </a:ext>
+              </a:extLst>
+            </p:cNvPr>
+            <p:cNvCxnSpPr>
+              <a:cxnSpLocks/>
+            </p:cNvCxnSpPr>
+            <p:nvPr/>
+          </p:nvCxnSpPr>
+          <p:spPr>
+            <a:xfrm flipV="1">
+              <a:off x="3244504" y="4861046"/>
+              <a:ext cx="0" cy="329327"/>
+            </a:xfrm>
+            <a:prstGeom prst="straightConnector1">
+              <a:avLst/>
+            </a:prstGeom>
+            <a:ln>
+              <a:solidFill>
+                <a:schemeClr val="tx1"/>
+              </a:solidFill>
+              <a:tailEnd type="triangle" w="med" len="med"/>
+            </a:ln>
+          </p:spPr>
+          <p:style>
+            <a:lnRef idx="1">
+              <a:schemeClr val="accent1"/>
+            </a:lnRef>
+            <a:fillRef idx="0">
+              <a:schemeClr val="accent1"/>
+            </a:fillRef>
+            <a:effectRef idx="0">
+              <a:schemeClr val="accent1"/>
+            </a:effectRef>
+            <a:fontRef idx="minor">
+              <a:schemeClr val="tx1"/>
+            </a:fontRef>
+          </p:style>
+        </p:cxnSp>
+        <p:sp>
+          <p:nvSpPr>
+            <p:cNvPr id="54" name="Arc 53">
+              <a:extLst>
+                <a:ext uri="{FF2B5EF4-FFF2-40B4-BE49-F238E27FC236}">
+                  <a16:creationId xmlns:a16="http://schemas.microsoft.com/office/drawing/2014/main" id="{659EC1D0-9C4A-4499-911F-BF879B45CF44}"/>
+                </a:ext>
+              </a:extLst>
+            </p:cNvPr>
+            <p:cNvSpPr/>
+            <p:nvPr/>
+          </p:nvSpPr>
+          <p:spPr>
+            <a:xfrm rot="5400000">
+              <a:off x="3006205" y="2979276"/>
+              <a:ext cx="505613" cy="2654186"/>
+            </a:xfrm>
+            <a:prstGeom prst="arc">
+              <a:avLst>
+                <a:gd name="adj1" fmla="val 5455989"/>
+                <a:gd name="adj2" fmla="val 16083662"/>
+              </a:avLst>
+            </a:prstGeom>
+            <a:ln>
+              <a:solidFill>
+                <a:schemeClr val="tx1"/>
+              </a:solidFill>
+              <a:headEnd type="triangle" w="med" len="med"/>
+              <a:tailEnd type="none" w="med" len="med"/>
+            </a:ln>
+          </p:spPr>
+          <p:style>
+            <a:lnRef idx="1">
+              <a:schemeClr val="accent1"/>
+            </a:lnRef>
+            <a:fillRef idx="0">
+              <a:schemeClr val="accent1"/>
+            </a:fillRef>
+            <a:effectRef idx="0">
+              <a:schemeClr val="accent1"/>
+            </a:effectRef>
+            <a:fontRef idx="minor">
+              <a:schemeClr val="tx1"/>
+            </a:fontRef>
+          </p:style>
+          <p:txBody>
+            <a:bodyPr rot="0" spcFirstLastPara="0" vertOverflow="overflow" horzOverflow="overflow" vert="horz" wrap="square" lIns="52906" tIns="26452" rIns="52906" bIns="26452" numCol="1" spcCol="0" rtlCol="0" fromWordArt="0" anchor="ctr" anchorCtr="0" forceAA="0" compatLnSpc="1">
+              <a:prstTxWarp prst="textNoShape">
+                <a:avLst/>
+              </a:prstTxWarp>
+              <a:noAutofit/>
+            </a:bodyPr>
+            <a:lstStyle/>
+            <a:p>
+              <a:pPr algn="ctr"/>
+              <a:endParaRPr lang="en-US" sz="901"/>
+            </a:p>
+          </p:txBody>
+        </p:sp>
+      </p:grpSp>
+    </p:spTree>
+    <p:extLst>
+      <p:ext uri="{BB962C8B-B14F-4D97-AF65-F5344CB8AC3E}">
+        <p14:creationId xmlns:p14="http://schemas.microsoft.com/office/powerpoint/2010/main" val="3958177480"/>
+      </p:ext>
+    </p:extLst>
+  </p:cSld>
+  <p:clrMapOvr>
+    <a:masterClrMapping/>
+  </p:clrMapOvr>
+</p:sld>
+</file>
+
+<file path=ppt/slides/slide4.xml><?xml version="1.0" encoding="utf-8"?>
+<p:sld xmlns:a="http://schemas.openxmlformats.org/drawingml/2006/main" xmlns:r="http://schemas.openxmlformats.org/officeDocument/2006/relationships" xmlns:p="http://schemas.openxmlformats.org/presentationml/2006/main">
+  <p:cSld>
+    <p:spTree>
+      <p:nvGrpSpPr>
+        <p:cNvPr id="1" name=""/>
+        <p:cNvGrpSpPr/>
+        <p:nvPr/>
+      </p:nvGrpSpPr>
+      <p:grpSpPr>
+        <a:xfrm>
+          <a:off x="0" y="0"/>
+          <a:ext cx="0" cy="0"/>
+          <a:chOff x="0" y="0"/>
+          <a:chExt cx="0" cy="0"/>
+        </a:xfrm>
+      </p:grpSpPr>
+      <p:grpSp>
+        <p:nvGrpSpPr>
+          <p:cNvPr id="22" name="Group 21">
+            <a:extLst>
+              <a:ext uri="{FF2B5EF4-FFF2-40B4-BE49-F238E27FC236}">
+                <a16:creationId xmlns:a16="http://schemas.microsoft.com/office/drawing/2014/main" id="{2D752230-1D08-4C9F-AA92-5D013BD47A08}"/>
+              </a:ext>
+            </a:extLst>
+          </p:cNvPr>
+          <p:cNvGrpSpPr/>
+          <p:nvPr/>
+        </p:nvGrpSpPr>
+        <p:grpSpPr>
+          <a:xfrm>
+            <a:off x="772913" y="2418984"/>
+            <a:ext cx="7863784" cy="1822634"/>
+            <a:chOff x="772913" y="2418984"/>
+            <a:chExt cx="7863784" cy="1822634"/>
+          </a:xfrm>
+        </p:grpSpPr>
+        <p:pic>
+          <p:nvPicPr>
+            <p:cNvPr id="7" name="Graphic 6" descr="Forest scene">
+              <a:extLst>
+                <a:ext uri="{FF2B5EF4-FFF2-40B4-BE49-F238E27FC236}">
+                  <a16:creationId xmlns:a16="http://schemas.microsoft.com/office/drawing/2014/main" id="{02EE0C7B-9B4C-4A36-BBA5-B5A2155E5407}"/>
+                </a:ext>
+              </a:extLst>
+            </p:cNvPr>
+            <p:cNvPicPr>
+              <a:picLocks noChangeAspect="1"/>
+            </p:cNvPicPr>
+            <p:nvPr/>
+          </p:nvPicPr>
+          <p:blipFill>
+            <a:blip r:embed="rId3">
+              <a:extLst>
+                <a:ext uri="{28A0092B-C50C-407E-A947-70E740481C1C}">
+                  <a14:useLocalDpi xmlns:a14="http://schemas.microsoft.com/office/drawing/2010/main" val="0"/>
+                </a:ext>
+                <a:ext uri="{96DAC541-7B7A-43D3-8B79-37D633B846F1}">
+                  <asvg:svgBlip xmlns:asvg="http://schemas.microsoft.com/office/drawing/2016/SVG/main" r:embed="rId4"/>
+                </a:ext>
+              </a:extLst>
+            </a:blip>
+            <a:stretch>
+              <a:fillRect/>
+            </a:stretch>
+          </p:blipFill>
+          <p:spPr>
+            <a:xfrm>
+              <a:off x="1011140" y="2418985"/>
+              <a:ext cx="1580521" cy="1580521"/>
+            </a:xfrm>
+            <a:prstGeom prst="rect">
+              <a:avLst/>
+            </a:prstGeom>
+          </p:spPr>
+        </p:pic>
+        <p:pic>
+          <p:nvPicPr>
+            <p:cNvPr id="8" name="Graphic 7" descr="Forest scene">
+              <a:extLst>
+                <a:ext uri="{FF2B5EF4-FFF2-40B4-BE49-F238E27FC236}">
+                  <a16:creationId xmlns:a16="http://schemas.microsoft.com/office/drawing/2014/main" id="{724951F2-9056-4F52-8DA2-2D345EC2653B}"/>
+                </a:ext>
+              </a:extLst>
+            </p:cNvPr>
+            <p:cNvPicPr>
+              <a:picLocks noChangeAspect="1"/>
+            </p:cNvPicPr>
+            <p:nvPr/>
+          </p:nvPicPr>
+          <p:blipFill>
+            <a:blip r:embed="rId3">
+              <a:extLst>
+                <a:ext uri="{28A0092B-C50C-407E-A947-70E740481C1C}">
+                  <a14:useLocalDpi xmlns:a14="http://schemas.microsoft.com/office/drawing/2010/main" val="0"/>
+                </a:ext>
+                <a:ext uri="{96DAC541-7B7A-43D3-8B79-37D633B846F1}">
+                  <asvg:svgBlip xmlns:asvg="http://schemas.microsoft.com/office/drawing/2016/SVG/main" r:embed="rId4"/>
+                </a:ext>
+              </a:extLst>
+            </a:blip>
+            <a:stretch>
+              <a:fillRect/>
+            </a:stretch>
+          </p:blipFill>
+          <p:spPr>
+            <a:xfrm>
+              <a:off x="6734594" y="2418984"/>
+              <a:ext cx="1580521" cy="1580521"/>
+            </a:xfrm>
+            <a:prstGeom prst="rect">
+              <a:avLst/>
+            </a:prstGeom>
+          </p:spPr>
+        </p:pic>
+        <p:sp>
+          <p:nvSpPr>
+            <p:cNvPr id="11" name="TextBox 10">
+              <a:extLst>
+                <a:ext uri="{FF2B5EF4-FFF2-40B4-BE49-F238E27FC236}">
+                  <a16:creationId xmlns:a16="http://schemas.microsoft.com/office/drawing/2014/main" id="{9472C322-25D1-4409-83C5-D1692A372B9B}"/>
+                </a:ext>
+              </a:extLst>
+            </p:cNvPr>
+            <p:cNvSpPr txBox="1"/>
+            <p:nvPr/>
+          </p:nvSpPr>
+          <p:spPr>
+            <a:xfrm>
+              <a:off x="772913" y="3872286"/>
+              <a:ext cx="2056974" cy="369332"/>
+            </a:xfrm>
+            <a:prstGeom prst="rect">
+              <a:avLst/>
+            </a:prstGeom>
+            <a:noFill/>
+          </p:spPr>
+          <p:txBody>
+            <a:bodyPr wrap="none" rtlCol="0">
+              <a:spAutoFit/>
+            </a:bodyPr>
+            <a:lstStyle/>
+            <a:p>
+              <a:pPr algn="ctr"/>
+              <a:r>
+                <a:rPr lang="en-US" dirty="0">
+                  <a:latin typeface="Arial" panose="020B0604020202020204" pitchFamily="34" charset="0"/>
+                  <a:cs typeface="Arial" panose="020B0604020202020204" pitchFamily="34" charset="0"/>
+                </a:rPr>
+                <a:t>Scientific products</a:t>
+              </a:r>
+            </a:p>
+          </p:txBody>
+        </p:sp>
+        <p:sp>
+          <p:nvSpPr>
+            <p:cNvPr id="12" name="TextBox 11">
+              <a:extLst>
+                <a:ext uri="{FF2B5EF4-FFF2-40B4-BE49-F238E27FC236}">
+                  <a16:creationId xmlns:a16="http://schemas.microsoft.com/office/drawing/2014/main" id="{4FE877A4-FC79-4B96-A1CA-733C9CFF2EC3}"/>
+                </a:ext>
+              </a:extLst>
+            </p:cNvPr>
+            <p:cNvSpPr txBox="1"/>
+            <p:nvPr/>
+          </p:nvSpPr>
+          <p:spPr>
+            <a:xfrm>
+              <a:off x="6413011" y="3872286"/>
+              <a:ext cx="2223686" cy="369332"/>
+            </a:xfrm>
+            <a:prstGeom prst="rect">
+              <a:avLst/>
+            </a:prstGeom>
+            <a:noFill/>
+          </p:spPr>
+          <p:txBody>
+            <a:bodyPr wrap="none" rtlCol="0">
+              <a:spAutoFit/>
+            </a:bodyPr>
+            <a:lstStyle/>
+            <a:p>
+              <a:pPr algn="ctr"/>
+              <a:r>
+                <a:rPr lang="en-US" dirty="0">
+                  <a:latin typeface="Arial" panose="020B0604020202020204" pitchFamily="34" charset="0"/>
+                  <a:cs typeface="Arial" panose="020B0604020202020204" pitchFamily="34" charset="0"/>
+                </a:rPr>
+                <a:t>Management needs</a:t>
+              </a:r>
+            </a:p>
+          </p:txBody>
+        </p:sp>
+        <p:grpSp>
+          <p:nvGrpSpPr>
+            <p:cNvPr id="21" name="Group 20">
+              <a:extLst>
+                <a:ext uri="{FF2B5EF4-FFF2-40B4-BE49-F238E27FC236}">
+                  <a16:creationId xmlns:a16="http://schemas.microsoft.com/office/drawing/2014/main" id="{0B00B652-778B-4A50-8514-41CA81337626}"/>
+                </a:ext>
+              </a:extLst>
+            </p:cNvPr>
+            <p:cNvGrpSpPr/>
+            <p:nvPr/>
+          </p:nvGrpSpPr>
+          <p:grpSpPr>
+            <a:xfrm>
+              <a:off x="3080871" y="3320561"/>
+              <a:ext cx="3164513" cy="914400"/>
+              <a:chOff x="3061797" y="3320561"/>
+              <a:chExt cx="3164513" cy="914400"/>
+            </a:xfrm>
+          </p:grpSpPr>
+          <p:pic>
+            <p:nvPicPr>
+              <p:cNvPr id="14" name="Graphic 13" descr="Wave">
+                <a:extLst>
+                  <a:ext uri="{FF2B5EF4-FFF2-40B4-BE49-F238E27FC236}">
+                    <a16:creationId xmlns:a16="http://schemas.microsoft.com/office/drawing/2014/main" id="{31769FC5-FFBE-4573-A3E8-771447605E85}"/>
+                  </a:ext>
+                </a:extLst>
+              </p:cNvPr>
+              <p:cNvPicPr>
+                <a:picLocks noChangeAspect="1"/>
+              </p:cNvPicPr>
+              <p:nvPr/>
+            </p:nvPicPr>
+            <p:blipFill>
+              <a:blip r:embed="rId5">
+                <a:extLst>
+                  <a:ext uri="{28A0092B-C50C-407E-A947-70E740481C1C}">
+                    <a14:useLocalDpi xmlns:a14="http://schemas.microsoft.com/office/drawing/2010/main" val="0"/>
+                  </a:ext>
+                  <a:ext uri="{96DAC541-7B7A-43D3-8B79-37D633B846F1}">
+                    <asvg:svgBlip xmlns:asvg="http://schemas.microsoft.com/office/drawing/2016/SVG/main" r:embed="rId6"/>
+                  </a:ext>
+                </a:extLst>
+              </a:blip>
+              <a:stretch>
+                <a:fillRect/>
+              </a:stretch>
+            </p:blipFill>
+            <p:spPr>
+              <a:xfrm>
+                <a:off x="3808927" y="3320561"/>
+                <a:ext cx="914400" cy="914400"/>
+              </a:xfrm>
+              <a:prstGeom prst="rect">
+                <a:avLst/>
+              </a:prstGeom>
+            </p:spPr>
+          </p:pic>
+          <p:pic>
+            <p:nvPicPr>
+              <p:cNvPr id="15" name="Graphic 14" descr="Wave">
+                <a:extLst>
+                  <a:ext uri="{FF2B5EF4-FFF2-40B4-BE49-F238E27FC236}">
+                    <a16:creationId xmlns:a16="http://schemas.microsoft.com/office/drawing/2014/main" id="{CE96760D-DC53-4027-A69E-EF67FA1457DA}"/>
+                  </a:ext>
+                </a:extLst>
+              </p:cNvPr>
+              <p:cNvPicPr>
+                <a:picLocks noChangeAspect="1"/>
+              </p:cNvPicPr>
+              <p:nvPr/>
+            </p:nvPicPr>
+            <p:blipFill>
+              <a:blip r:embed="rId5">
+                <a:extLst>
+                  <a:ext uri="{28A0092B-C50C-407E-A947-70E740481C1C}">
+                    <a14:useLocalDpi xmlns:a14="http://schemas.microsoft.com/office/drawing/2010/main" val="0"/>
+                  </a:ext>
+                  <a:ext uri="{96DAC541-7B7A-43D3-8B79-37D633B846F1}">
+                    <asvg:svgBlip xmlns:asvg="http://schemas.microsoft.com/office/drawing/2016/SVG/main" r:embed="rId6"/>
+                  </a:ext>
+                </a:extLst>
+              </a:blip>
+              <a:stretch>
+                <a:fillRect/>
+              </a:stretch>
+            </p:blipFill>
+            <p:spPr>
+              <a:xfrm>
+                <a:off x="3061797" y="3320561"/>
+                <a:ext cx="914400" cy="914400"/>
+              </a:xfrm>
+              <a:prstGeom prst="rect">
+                <a:avLst/>
+              </a:prstGeom>
+            </p:spPr>
+          </p:pic>
+          <p:pic>
+            <p:nvPicPr>
+              <p:cNvPr id="16" name="Graphic 15" descr="Wave">
+                <a:extLst>
+                  <a:ext uri="{FF2B5EF4-FFF2-40B4-BE49-F238E27FC236}">
+                    <a16:creationId xmlns:a16="http://schemas.microsoft.com/office/drawing/2014/main" id="{8475E5F1-F704-458C-AC2F-96836916DEFA}"/>
+                  </a:ext>
+                </a:extLst>
+              </p:cNvPr>
+              <p:cNvPicPr>
+                <a:picLocks noChangeAspect="1"/>
+              </p:cNvPicPr>
+              <p:nvPr/>
+            </p:nvPicPr>
+            <p:blipFill>
+              <a:blip r:embed="rId5">
+                <a:extLst>
+                  <a:ext uri="{28A0092B-C50C-407E-A947-70E740481C1C}">
+                    <a14:useLocalDpi xmlns:a14="http://schemas.microsoft.com/office/drawing/2010/main" val="0"/>
+                  </a:ext>
+                  <a:ext uri="{96DAC541-7B7A-43D3-8B79-37D633B846F1}">
+                    <asvg:svgBlip xmlns:asvg="http://schemas.microsoft.com/office/drawing/2016/SVG/main" r:embed="rId6"/>
+                  </a:ext>
+                </a:extLst>
+              </a:blip>
+              <a:stretch>
+                <a:fillRect/>
+              </a:stretch>
+            </p:blipFill>
+            <p:spPr>
+              <a:xfrm>
+                <a:off x="5311910" y="3320561"/>
+                <a:ext cx="914400" cy="914400"/>
+              </a:xfrm>
+              <a:prstGeom prst="rect">
+                <a:avLst/>
+              </a:prstGeom>
+            </p:spPr>
+          </p:pic>
+          <p:pic>
+            <p:nvPicPr>
+              <p:cNvPr id="17" name="Graphic 16" descr="Wave">
+                <a:extLst>
+                  <a:ext uri="{FF2B5EF4-FFF2-40B4-BE49-F238E27FC236}">
+                    <a16:creationId xmlns:a16="http://schemas.microsoft.com/office/drawing/2014/main" id="{D8850CC9-6B00-409A-8BC2-E95E3D26AE4B}"/>
+                  </a:ext>
+                </a:extLst>
+              </p:cNvPr>
+              <p:cNvPicPr>
+                <a:picLocks noChangeAspect="1"/>
+              </p:cNvPicPr>
+              <p:nvPr/>
+            </p:nvPicPr>
+            <p:blipFill>
+              <a:blip r:embed="rId5">
+                <a:extLst>
+                  <a:ext uri="{28A0092B-C50C-407E-A947-70E740481C1C}">
+                    <a14:useLocalDpi xmlns:a14="http://schemas.microsoft.com/office/drawing/2010/main" val="0"/>
+                  </a:ext>
+                  <a:ext uri="{96DAC541-7B7A-43D3-8B79-37D633B846F1}">
+                    <asvg:svgBlip xmlns:asvg="http://schemas.microsoft.com/office/drawing/2016/SVG/main" r:embed="rId6"/>
+                  </a:ext>
+                </a:extLst>
+              </a:blip>
+              <a:stretch>
+                <a:fillRect/>
+              </a:stretch>
+            </p:blipFill>
+            <p:spPr>
+              <a:xfrm>
+                <a:off x="4556057" y="3320561"/>
+                <a:ext cx="914400" cy="914400"/>
+              </a:xfrm>
+              <a:prstGeom prst="rect">
+                <a:avLst/>
+              </a:prstGeom>
+            </p:spPr>
+          </p:pic>
+        </p:grpSp>
+      </p:grpSp>
+    </p:spTree>
+    <p:extLst>
+      <p:ext uri="{BB962C8B-B14F-4D97-AF65-F5344CB8AC3E}">
+        <p14:creationId xmlns:p14="http://schemas.microsoft.com/office/powerpoint/2010/main" val="1502843632"/>
+      </p:ext>
+    </p:extLst>
+  </p:cSld>
+  <p:clrMapOvr>
+    <a:masterClrMapping/>
+  </p:clrMapOvr>
+</p:sld>
+</file>
+
+<file path=ppt/slides/slide5.xml><?xml version="1.0" encoding="utf-8"?>
+<p:sld xmlns:a="http://schemas.openxmlformats.org/drawingml/2006/main" xmlns:r="http://schemas.openxmlformats.org/officeDocument/2006/relationships" xmlns:p="http://schemas.openxmlformats.org/presentationml/2006/main">
+  <p:cSld>
+    <p:spTree>
+      <p:nvGrpSpPr>
+        <p:cNvPr id="1" name=""/>
+        <p:cNvGrpSpPr/>
+        <p:nvPr/>
+      </p:nvGrpSpPr>
+      <p:grpSpPr>
+        <a:xfrm>
+          <a:off x="0" y="0"/>
+          <a:ext cx="0" cy="0"/>
+          <a:chOff x="0" y="0"/>
+          <a:chExt cx="0" cy="0"/>
+        </a:xfrm>
+      </p:grpSpPr>
+      <p:grpSp>
+        <p:nvGrpSpPr>
+          <p:cNvPr id="2" name="Group 1">
+            <a:extLst>
+              <a:ext uri="{FF2B5EF4-FFF2-40B4-BE49-F238E27FC236}">
+                <a16:creationId xmlns:a16="http://schemas.microsoft.com/office/drawing/2014/main" id="{765E3008-E361-461B-A5B5-3E52D119AE91}"/>
+              </a:ext>
+            </a:extLst>
+          </p:cNvPr>
+          <p:cNvGrpSpPr/>
+          <p:nvPr/>
+        </p:nvGrpSpPr>
+        <p:grpSpPr>
+          <a:xfrm>
+            <a:off x="1838387" y="1774929"/>
+            <a:ext cx="7863784" cy="3570303"/>
+            <a:chOff x="1838387" y="1774929"/>
+            <a:chExt cx="7863784" cy="3570303"/>
+          </a:xfrm>
+        </p:grpSpPr>
+        <p:grpSp>
+          <p:nvGrpSpPr>
+            <p:cNvPr id="22" name="Group 21">
+              <a:extLst>
+                <a:ext uri="{FF2B5EF4-FFF2-40B4-BE49-F238E27FC236}">
+                  <a16:creationId xmlns:a16="http://schemas.microsoft.com/office/drawing/2014/main" id="{2D752230-1D08-4C9F-AA92-5D013BD47A08}"/>
+                </a:ext>
+              </a:extLst>
+            </p:cNvPr>
+            <p:cNvGrpSpPr/>
+            <p:nvPr/>
+          </p:nvGrpSpPr>
+          <p:grpSpPr>
+            <a:xfrm>
+              <a:off x="1838387" y="1774929"/>
+              <a:ext cx="7863784" cy="1822634"/>
+              <a:chOff x="772913" y="2418984"/>
+              <a:chExt cx="7863784" cy="1822634"/>
+            </a:xfrm>
+          </p:grpSpPr>
+          <p:pic>
+            <p:nvPicPr>
+              <p:cNvPr id="7" name="Graphic 6" descr="Forest scene">
+                <a:extLst>
+                  <a:ext uri="{FF2B5EF4-FFF2-40B4-BE49-F238E27FC236}">
+                    <a16:creationId xmlns:a16="http://schemas.microsoft.com/office/drawing/2014/main" id="{02EE0C7B-9B4C-4A36-BBA5-B5A2155E5407}"/>
+                  </a:ext>
+                </a:extLst>
+              </p:cNvPr>
+              <p:cNvPicPr>
+                <a:picLocks noChangeAspect="1"/>
+              </p:cNvPicPr>
+              <p:nvPr/>
+            </p:nvPicPr>
+            <p:blipFill>
+              <a:blip r:embed="rId3">
+                <a:extLst>
+                  <a:ext uri="{28A0092B-C50C-407E-A947-70E740481C1C}">
+                    <a14:useLocalDpi xmlns:a14="http://schemas.microsoft.com/office/drawing/2010/main" val="0"/>
+                  </a:ext>
+                  <a:ext uri="{96DAC541-7B7A-43D3-8B79-37D633B846F1}">
+                    <asvg:svgBlip xmlns:asvg="http://schemas.microsoft.com/office/drawing/2016/SVG/main" r:embed="rId4"/>
+                  </a:ext>
+                </a:extLst>
+              </a:blip>
+              <a:stretch>
+                <a:fillRect/>
+              </a:stretch>
+            </p:blipFill>
+            <p:spPr>
+              <a:xfrm>
+                <a:off x="1011140" y="2418985"/>
+                <a:ext cx="1580521" cy="1580521"/>
+              </a:xfrm>
+              <a:prstGeom prst="rect">
+                <a:avLst/>
+              </a:prstGeom>
+            </p:spPr>
+          </p:pic>
+          <p:pic>
+            <p:nvPicPr>
+              <p:cNvPr id="8" name="Graphic 7" descr="Forest scene">
+                <a:extLst>
+                  <a:ext uri="{FF2B5EF4-FFF2-40B4-BE49-F238E27FC236}">
+                    <a16:creationId xmlns:a16="http://schemas.microsoft.com/office/drawing/2014/main" id="{724951F2-9056-4F52-8DA2-2D345EC2653B}"/>
+                  </a:ext>
+                </a:extLst>
+              </p:cNvPr>
+              <p:cNvPicPr>
+                <a:picLocks noChangeAspect="1"/>
+              </p:cNvPicPr>
+              <p:nvPr/>
+            </p:nvPicPr>
+            <p:blipFill>
+              <a:blip r:embed="rId3">
+                <a:extLst>
+                  <a:ext uri="{28A0092B-C50C-407E-A947-70E740481C1C}">
+                    <a14:useLocalDpi xmlns:a14="http://schemas.microsoft.com/office/drawing/2010/main" val="0"/>
+                  </a:ext>
+                  <a:ext uri="{96DAC541-7B7A-43D3-8B79-37D633B846F1}">
+                    <asvg:svgBlip xmlns:asvg="http://schemas.microsoft.com/office/drawing/2016/SVG/main" r:embed="rId4"/>
+                  </a:ext>
+                </a:extLst>
+              </a:blip>
+              <a:stretch>
+                <a:fillRect/>
+              </a:stretch>
+            </p:blipFill>
+            <p:spPr>
+              <a:xfrm>
+                <a:off x="6734594" y="2418984"/>
+                <a:ext cx="1580521" cy="1580521"/>
+              </a:xfrm>
+              <a:prstGeom prst="rect">
+                <a:avLst/>
+              </a:prstGeom>
+            </p:spPr>
+          </p:pic>
+          <p:sp>
+            <p:nvSpPr>
+              <p:cNvPr id="11" name="TextBox 10">
+                <a:extLst>
+                  <a:ext uri="{FF2B5EF4-FFF2-40B4-BE49-F238E27FC236}">
+                    <a16:creationId xmlns:a16="http://schemas.microsoft.com/office/drawing/2014/main" id="{9472C322-25D1-4409-83C5-D1692A372B9B}"/>
+                  </a:ext>
+                </a:extLst>
+              </p:cNvPr>
+              <p:cNvSpPr txBox="1"/>
+              <p:nvPr/>
+            </p:nvSpPr>
+            <p:spPr>
+              <a:xfrm>
+                <a:off x="772913" y="3872286"/>
+                <a:ext cx="2056974" cy="369332"/>
+              </a:xfrm>
+              <a:prstGeom prst="rect">
+                <a:avLst/>
+              </a:prstGeom>
+              <a:noFill/>
+            </p:spPr>
+            <p:txBody>
+              <a:bodyPr wrap="none" rtlCol="0">
+                <a:spAutoFit/>
+              </a:bodyPr>
+              <a:lstStyle/>
+              <a:p>
+                <a:pPr algn="ctr"/>
+                <a:r>
+                  <a:rPr lang="en-US" dirty="0">
+                    <a:latin typeface="Arial" panose="020B0604020202020204" pitchFamily="34" charset="0"/>
+                    <a:cs typeface="Arial" panose="020B0604020202020204" pitchFamily="34" charset="0"/>
+                  </a:rPr>
+                  <a:t>Scientific products</a:t>
+                </a:r>
+              </a:p>
+            </p:txBody>
+          </p:sp>
+          <p:sp>
+            <p:nvSpPr>
+              <p:cNvPr id="12" name="TextBox 11">
+                <a:extLst>
+                  <a:ext uri="{FF2B5EF4-FFF2-40B4-BE49-F238E27FC236}">
+                    <a16:creationId xmlns:a16="http://schemas.microsoft.com/office/drawing/2014/main" id="{4FE877A4-FC79-4B96-A1CA-733C9CFF2EC3}"/>
+                  </a:ext>
+                </a:extLst>
+              </p:cNvPr>
+              <p:cNvSpPr txBox="1"/>
+              <p:nvPr/>
+            </p:nvSpPr>
+            <p:spPr>
+              <a:xfrm>
+                <a:off x="6413011" y="3872286"/>
+                <a:ext cx="2223686" cy="369332"/>
+              </a:xfrm>
+              <a:prstGeom prst="rect">
+                <a:avLst/>
+              </a:prstGeom>
+              <a:noFill/>
+            </p:spPr>
+            <p:txBody>
+              <a:bodyPr wrap="none" rtlCol="0">
+                <a:spAutoFit/>
+              </a:bodyPr>
+              <a:lstStyle/>
+              <a:p>
+                <a:pPr algn="ctr"/>
+                <a:r>
+                  <a:rPr lang="en-US" dirty="0">
+                    <a:latin typeface="Arial" panose="020B0604020202020204" pitchFamily="34" charset="0"/>
+                    <a:cs typeface="Arial" panose="020B0604020202020204" pitchFamily="34" charset="0"/>
+                  </a:rPr>
+                  <a:t>Management needs</a:t>
+                </a:r>
+              </a:p>
+            </p:txBody>
+          </p:sp>
+          <p:grpSp>
+            <p:nvGrpSpPr>
+              <p:cNvPr id="21" name="Group 20">
+                <a:extLst>
+                  <a:ext uri="{FF2B5EF4-FFF2-40B4-BE49-F238E27FC236}">
+                    <a16:creationId xmlns:a16="http://schemas.microsoft.com/office/drawing/2014/main" id="{0B00B652-778B-4A50-8514-41CA81337626}"/>
+                  </a:ext>
+                </a:extLst>
+              </p:cNvPr>
+              <p:cNvGrpSpPr/>
+              <p:nvPr/>
+            </p:nvGrpSpPr>
+            <p:grpSpPr>
+              <a:xfrm>
+                <a:off x="3080871" y="3320561"/>
+                <a:ext cx="3164513" cy="914400"/>
+                <a:chOff x="3061797" y="3320561"/>
+                <a:chExt cx="3164513" cy="914400"/>
+              </a:xfrm>
+            </p:grpSpPr>
+            <p:pic>
+              <p:nvPicPr>
+                <p:cNvPr id="14" name="Graphic 13" descr="Wave">
+                  <a:extLst>
+                    <a:ext uri="{FF2B5EF4-FFF2-40B4-BE49-F238E27FC236}">
+                      <a16:creationId xmlns:a16="http://schemas.microsoft.com/office/drawing/2014/main" id="{31769FC5-FFBE-4573-A3E8-771447605E85}"/>
+                    </a:ext>
+                  </a:extLst>
+                </p:cNvPr>
+                <p:cNvPicPr>
+                  <a:picLocks noChangeAspect="1"/>
+                </p:cNvPicPr>
+                <p:nvPr/>
+              </p:nvPicPr>
+              <p:blipFill>
+                <a:blip r:embed="rId5">
+                  <a:extLst>
+                    <a:ext uri="{28A0092B-C50C-407E-A947-70E740481C1C}">
+                      <a14:useLocalDpi xmlns:a14="http://schemas.microsoft.com/office/drawing/2010/main" val="0"/>
+                    </a:ext>
+                    <a:ext uri="{96DAC541-7B7A-43D3-8B79-37D633B846F1}">
+                      <asvg:svgBlip xmlns:asvg="http://schemas.microsoft.com/office/drawing/2016/SVG/main" r:embed="rId6"/>
+                    </a:ext>
+                  </a:extLst>
+                </a:blip>
+                <a:stretch>
+                  <a:fillRect/>
+                </a:stretch>
+              </p:blipFill>
+              <p:spPr>
+                <a:xfrm>
+                  <a:off x="3808927" y="3320561"/>
+                  <a:ext cx="914400" cy="914400"/>
+                </a:xfrm>
+                <a:prstGeom prst="rect">
+                  <a:avLst/>
+                </a:prstGeom>
+              </p:spPr>
+            </p:pic>
+            <p:pic>
+              <p:nvPicPr>
+                <p:cNvPr id="15" name="Graphic 14" descr="Wave">
+                  <a:extLst>
+                    <a:ext uri="{FF2B5EF4-FFF2-40B4-BE49-F238E27FC236}">
+                      <a16:creationId xmlns:a16="http://schemas.microsoft.com/office/drawing/2014/main" id="{CE96760D-DC53-4027-A69E-EF67FA1457DA}"/>
+                    </a:ext>
+                  </a:extLst>
+                </p:cNvPr>
+                <p:cNvPicPr>
+                  <a:picLocks noChangeAspect="1"/>
+                </p:cNvPicPr>
+                <p:nvPr/>
+              </p:nvPicPr>
+              <p:blipFill>
+                <a:blip r:embed="rId5">
+                  <a:extLst>
+                    <a:ext uri="{28A0092B-C50C-407E-A947-70E740481C1C}">
+                      <a14:useLocalDpi xmlns:a14="http://schemas.microsoft.com/office/drawing/2010/main" val="0"/>
+                    </a:ext>
+                    <a:ext uri="{96DAC541-7B7A-43D3-8B79-37D633B846F1}">
+                      <asvg:svgBlip xmlns:asvg="http://schemas.microsoft.com/office/drawing/2016/SVG/main" r:embed="rId6"/>
+                    </a:ext>
+                  </a:extLst>
+                </a:blip>
+                <a:stretch>
+                  <a:fillRect/>
+                </a:stretch>
+              </p:blipFill>
+              <p:spPr>
+                <a:xfrm>
+                  <a:off x="3061797" y="3320561"/>
+                  <a:ext cx="914400" cy="914400"/>
+                </a:xfrm>
+                <a:prstGeom prst="rect">
+                  <a:avLst/>
+                </a:prstGeom>
+              </p:spPr>
+            </p:pic>
+            <p:pic>
+              <p:nvPicPr>
+                <p:cNvPr id="16" name="Graphic 15" descr="Wave">
+                  <a:extLst>
+                    <a:ext uri="{FF2B5EF4-FFF2-40B4-BE49-F238E27FC236}">
+                      <a16:creationId xmlns:a16="http://schemas.microsoft.com/office/drawing/2014/main" id="{8475E5F1-F704-458C-AC2F-96836916DEFA}"/>
+                    </a:ext>
+                  </a:extLst>
+                </p:cNvPr>
+                <p:cNvPicPr>
+                  <a:picLocks noChangeAspect="1"/>
+                </p:cNvPicPr>
+                <p:nvPr/>
+              </p:nvPicPr>
+              <p:blipFill>
+                <a:blip r:embed="rId5">
+                  <a:extLst>
+                    <a:ext uri="{28A0092B-C50C-407E-A947-70E740481C1C}">
+                      <a14:useLocalDpi xmlns:a14="http://schemas.microsoft.com/office/drawing/2010/main" val="0"/>
+                    </a:ext>
+                    <a:ext uri="{96DAC541-7B7A-43D3-8B79-37D633B846F1}">
+                      <asvg:svgBlip xmlns:asvg="http://schemas.microsoft.com/office/drawing/2016/SVG/main" r:embed="rId6"/>
+                    </a:ext>
+                  </a:extLst>
+                </a:blip>
+                <a:stretch>
+                  <a:fillRect/>
+                </a:stretch>
+              </p:blipFill>
+              <p:spPr>
+                <a:xfrm>
+                  <a:off x="5311910" y="3320561"/>
+                  <a:ext cx="914400" cy="914400"/>
+                </a:xfrm>
+                <a:prstGeom prst="rect">
+                  <a:avLst/>
+                </a:prstGeom>
+              </p:spPr>
+            </p:pic>
+            <p:pic>
+              <p:nvPicPr>
+                <p:cNvPr id="17" name="Graphic 16" descr="Wave">
+                  <a:extLst>
+                    <a:ext uri="{FF2B5EF4-FFF2-40B4-BE49-F238E27FC236}">
+                      <a16:creationId xmlns:a16="http://schemas.microsoft.com/office/drawing/2014/main" id="{D8850CC9-6B00-409A-8BC2-E95E3D26AE4B}"/>
+                    </a:ext>
+                  </a:extLst>
+                </p:cNvPr>
+                <p:cNvPicPr>
+                  <a:picLocks noChangeAspect="1"/>
+                </p:cNvPicPr>
+                <p:nvPr/>
+              </p:nvPicPr>
+              <p:blipFill>
+                <a:blip r:embed="rId5">
+                  <a:extLst>
+                    <a:ext uri="{28A0092B-C50C-407E-A947-70E740481C1C}">
+                      <a14:useLocalDpi xmlns:a14="http://schemas.microsoft.com/office/drawing/2010/main" val="0"/>
+                    </a:ext>
+                    <a:ext uri="{96DAC541-7B7A-43D3-8B79-37D633B846F1}">
+                      <asvg:svgBlip xmlns:asvg="http://schemas.microsoft.com/office/drawing/2016/SVG/main" r:embed="rId6"/>
+                    </a:ext>
+                  </a:extLst>
+                </a:blip>
+                <a:stretch>
+                  <a:fillRect/>
+                </a:stretch>
+              </p:blipFill>
+              <p:spPr>
+                <a:xfrm>
+                  <a:off x="4556057" y="3320561"/>
+                  <a:ext cx="914400" cy="914400"/>
+                </a:xfrm>
+                <a:prstGeom prst="rect">
+                  <a:avLst/>
+                </a:prstGeom>
+              </p:spPr>
+            </p:pic>
+          </p:grpSp>
+        </p:grpSp>
+        <p:sp>
+          <p:nvSpPr>
+            <p:cNvPr id="13" name="TextBox 12">
+              <a:extLst>
+                <a:ext uri="{FF2B5EF4-FFF2-40B4-BE49-F238E27FC236}">
+                  <a16:creationId xmlns:a16="http://schemas.microsoft.com/office/drawing/2014/main" id="{B148E231-DDE3-4111-AEF6-BB425B097D7F}"/>
+                </a:ext>
+              </a:extLst>
+            </p:cNvPr>
+            <p:cNvSpPr txBox="1"/>
+            <p:nvPr/>
+          </p:nvSpPr>
+          <p:spPr>
+            <a:xfrm>
+              <a:off x="4260901" y="3590906"/>
+              <a:ext cx="2852063" cy="1754326"/>
+            </a:xfrm>
+            <a:prstGeom prst="rect">
+              <a:avLst/>
+            </a:prstGeom>
+            <a:noFill/>
+          </p:spPr>
+          <p:txBody>
+            <a:bodyPr wrap="none" rtlCol="0">
+              <a:spAutoFit/>
+            </a:bodyPr>
+            <a:lstStyle/>
+            <a:p>
+              <a:pPr algn="ctr"/>
+              <a:r>
+                <a:rPr lang="en-US" b="1" i="1" dirty="0">
+                  <a:latin typeface="Arial" panose="020B0604020202020204" pitchFamily="34" charset="0"/>
+                  <a:cs typeface="Arial" panose="020B0604020202020204" pitchFamily="34" charset="0"/>
+                </a:rPr>
+                <a:t>Communication barriers</a:t>
+              </a:r>
+            </a:p>
+            <a:p>
+              <a:pPr algn="ctr"/>
+              <a:r>
+                <a:rPr lang="en-US" b="1" i="1" dirty="0">
+                  <a:latin typeface="Arial" panose="020B0604020202020204" pitchFamily="34" charset="0"/>
+                  <a:cs typeface="Arial" panose="020B0604020202020204" pitchFamily="34" charset="0"/>
+                </a:rPr>
+                <a:t>Irreproducible results</a:t>
+              </a:r>
+            </a:p>
+            <a:p>
+              <a:pPr algn="ctr"/>
+              <a:r>
+                <a:rPr lang="en-US" b="1" i="1" dirty="0">
+                  <a:latin typeface="Arial" panose="020B0604020202020204" pitchFamily="34" charset="0"/>
+                  <a:cs typeface="Arial" panose="020B0604020202020204" pitchFamily="34" charset="0"/>
+                </a:rPr>
+                <a:t>Information loss </a:t>
+              </a:r>
+            </a:p>
+            <a:p>
+              <a:pPr algn="ctr"/>
+              <a:r>
+                <a:rPr lang="en-US" b="1" i="1" dirty="0">
+                  <a:latin typeface="Arial" panose="020B0604020202020204" pitchFamily="34" charset="0"/>
+                  <a:cs typeface="Arial" panose="020B0604020202020204" pitchFamily="34" charset="0"/>
+                </a:rPr>
+                <a:t>Inaccessible data</a:t>
+              </a:r>
+            </a:p>
+            <a:p>
+              <a:pPr algn="ctr"/>
+              <a:r>
+                <a:rPr lang="en-US" b="1" i="1" dirty="0">
+                  <a:latin typeface="Arial" panose="020B0604020202020204" pitchFamily="34" charset="0"/>
+                  <a:cs typeface="Arial" panose="020B0604020202020204" pitchFamily="34" charset="0"/>
+                </a:rPr>
+                <a:t>Opaque workflows</a:t>
+              </a:r>
+            </a:p>
+            <a:p>
+              <a:pPr algn="ctr"/>
+              <a:endParaRPr lang="en-US" dirty="0">
+                <a:latin typeface="Arial" panose="020B0604020202020204" pitchFamily="34" charset="0"/>
+                <a:cs typeface="Arial" panose="020B0604020202020204" pitchFamily="34" charset="0"/>
+              </a:endParaRPr>
+            </a:p>
+          </p:txBody>
+        </p:sp>
+      </p:grpSp>
+    </p:spTree>
+    <p:extLst>
+      <p:ext uri="{BB962C8B-B14F-4D97-AF65-F5344CB8AC3E}">
+        <p14:creationId xmlns:p14="http://schemas.microsoft.com/office/powerpoint/2010/main" val="1435918862"/>
+      </p:ext>
+    </p:extLst>
+  </p:cSld>
+  <p:clrMapOvr>
+    <a:masterClrMapping/>
+  </p:clrMapOvr>
+</p:sld>
+</file>
+
+<file path=ppt/slides/slide6.xml><?xml version="1.0" encoding="utf-8"?>
+<p:sld xmlns:a="http://schemas.openxmlformats.org/drawingml/2006/main" xmlns:r="http://schemas.openxmlformats.org/officeDocument/2006/relationships" xmlns:p="http://schemas.openxmlformats.org/presentationml/2006/main">
+  <p:cSld>
+    <p:spTree>
+      <p:nvGrpSpPr>
+        <p:cNvPr id="1" name=""/>
+        <p:cNvGrpSpPr/>
+        <p:nvPr/>
+      </p:nvGrpSpPr>
+      <p:grpSpPr>
+        <a:xfrm>
+          <a:off x="0" y="0"/>
+          <a:ext cx="0" cy="0"/>
+          <a:chOff x="0" y="0"/>
+          <a:chExt cx="0" cy="0"/>
+        </a:xfrm>
+      </p:grpSpPr>
+      <p:pic>
+        <p:nvPicPr>
+          <p:cNvPr id="18" name="Content Placeholder 4">
+            <a:extLst>
+              <a:ext uri="{FF2B5EF4-FFF2-40B4-BE49-F238E27FC236}">
+                <a16:creationId xmlns:a16="http://schemas.microsoft.com/office/drawing/2014/main" id="{10E37FBD-ECDE-4A50-B382-147592B06B3D}"/>
+              </a:ext>
+            </a:extLst>
+          </p:cNvPr>
+          <p:cNvPicPr>
+            <a:picLocks noGrp="1" noChangeAspect="1"/>
+          </p:cNvPicPr>
+          <p:nvPr>
+            <p:ph idx="1"/>
+          </p:nvPr>
+        </p:nvPicPr>
+        <p:blipFill>
+          <a:blip r:embed="rId3">
+            <a:extLst>
+              <a:ext uri="{28A0092B-C50C-407E-A947-70E740481C1C}">
+                <a14:useLocalDpi xmlns:a14="http://schemas.microsoft.com/office/drawing/2010/main" val="0"/>
+              </a:ext>
+            </a:extLst>
+          </a:blip>
+          <a:stretch>
+            <a:fillRect/>
+          </a:stretch>
+        </p:blipFill>
+        <p:spPr>
+          <a:xfrm>
+            <a:off x="3552933" y="365667"/>
+            <a:ext cx="4351338" cy="4351338"/>
+          </a:xfrm>
+        </p:spPr>
+      </p:pic>
+      <p:grpSp>
+        <p:nvGrpSpPr>
+          <p:cNvPr id="4" name="Group 3">
+            <a:extLst>
+              <a:ext uri="{FF2B5EF4-FFF2-40B4-BE49-F238E27FC236}">
+                <a16:creationId xmlns:a16="http://schemas.microsoft.com/office/drawing/2014/main" id="{2DE4FFF6-E102-4663-A93A-107A5422E635}"/>
+              </a:ext>
+            </a:extLst>
+          </p:cNvPr>
+          <p:cNvGrpSpPr/>
+          <p:nvPr/>
+        </p:nvGrpSpPr>
+        <p:grpSpPr>
+          <a:xfrm>
+            <a:off x="1838387" y="1774929"/>
+            <a:ext cx="7863784" cy="1822634"/>
+            <a:chOff x="1838387" y="1774929"/>
+            <a:chExt cx="7863784" cy="1822634"/>
+          </a:xfrm>
+        </p:grpSpPr>
+        <p:pic>
+          <p:nvPicPr>
+            <p:cNvPr id="7" name="Graphic 6" descr="Forest scene">
+              <a:extLst>
+                <a:ext uri="{FF2B5EF4-FFF2-40B4-BE49-F238E27FC236}">
+                  <a16:creationId xmlns:a16="http://schemas.microsoft.com/office/drawing/2014/main" id="{02EE0C7B-9B4C-4A36-BBA5-B5A2155E5407}"/>
+                </a:ext>
+              </a:extLst>
+            </p:cNvPr>
+            <p:cNvPicPr>
+              <a:picLocks noChangeAspect="1"/>
+            </p:cNvPicPr>
+            <p:nvPr/>
+          </p:nvPicPr>
+          <p:blipFill>
+            <a:blip r:embed="rId4">
+              <a:extLst>
+                <a:ext uri="{28A0092B-C50C-407E-A947-70E740481C1C}">
+                  <a14:useLocalDpi xmlns:a14="http://schemas.microsoft.com/office/drawing/2010/main" val="0"/>
+                </a:ext>
+                <a:ext uri="{96DAC541-7B7A-43D3-8B79-37D633B846F1}">
+                  <asvg:svgBlip xmlns:asvg="http://schemas.microsoft.com/office/drawing/2016/SVG/main" r:embed="rId5"/>
+                </a:ext>
+              </a:extLst>
+            </a:blip>
+            <a:stretch>
+              <a:fillRect/>
+            </a:stretch>
+          </p:blipFill>
+          <p:spPr>
+            <a:xfrm>
+              <a:off x="2076614" y="1774930"/>
+              <a:ext cx="1580521" cy="1580521"/>
+            </a:xfrm>
+            <a:prstGeom prst="rect">
+              <a:avLst/>
+            </a:prstGeom>
+          </p:spPr>
+        </p:pic>
+        <p:pic>
+          <p:nvPicPr>
+            <p:cNvPr id="8" name="Graphic 7" descr="Forest scene">
+              <a:extLst>
+                <a:ext uri="{FF2B5EF4-FFF2-40B4-BE49-F238E27FC236}">
+                  <a16:creationId xmlns:a16="http://schemas.microsoft.com/office/drawing/2014/main" id="{724951F2-9056-4F52-8DA2-2D345EC2653B}"/>
+                </a:ext>
+              </a:extLst>
+            </p:cNvPr>
+            <p:cNvPicPr>
+              <a:picLocks noChangeAspect="1"/>
+            </p:cNvPicPr>
+            <p:nvPr/>
+          </p:nvPicPr>
+          <p:blipFill>
+            <a:blip r:embed="rId4">
+              <a:extLst>
+                <a:ext uri="{28A0092B-C50C-407E-A947-70E740481C1C}">
+                  <a14:useLocalDpi xmlns:a14="http://schemas.microsoft.com/office/drawing/2010/main" val="0"/>
+                </a:ext>
+                <a:ext uri="{96DAC541-7B7A-43D3-8B79-37D633B846F1}">
+                  <asvg:svgBlip xmlns:asvg="http://schemas.microsoft.com/office/drawing/2016/SVG/main" r:embed="rId5"/>
+                </a:ext>
+              </a:extLst>
+            </a:blip>
+            <a:stretch>
+              <a:fillRect/>
+            </a:stretch>
+          </p:blipFill>
+          <p:spPr>
+            <a:xfrm>
+              <a:off x="7800068" y="1774929"/>
+              <a:ext cx="1580521" cy="1580521"/>
+            </a:xfrm>
+            <a:prstGeom prst="rect">
+              <a:avLst/>
+            </a:prstGeom>
+          </p:spPr>
+        </p:pic>
+        <p:sp>
+          <p:nvSpPr>
+            <p:cNvPr id="11" name="TextBox 10">
+              <a:extLst>
+                <a:ext uri="{FF2B5EF4-FFF2-40B4-BE49-F238E27FC236}">
+                  <a16:creationId xmlns:a16="http://schemas.microsoft.com/office/drawing/2014/main" id="{9472C322-25D1-4409-83C5-D1692A372B9B}"/>
+                </a:ext>
+              </a:extLst>
+            </p:cNvPr>
+            <p:cNvSpPr txBox="1"/>
+            <p:nvPr/>
+          </p:nvSpPr>
+          <p:spPr>
+            <a:xfrm>
+              <a:off x="1838387" y="3228231"/>
+              <a:ext cx="2056974" cy="369332"/>
+            </a:xfrm>
+            <a:prstGeom prst="rect">
+              <a:avLst/>
+            </a:prstGeom>
+            <a:noFill/>
+          </p:spPr>
+          <p:txBody>
+            <a:bodyPr wrap="none" rtlCol="0">
+              <a:spAutoFit/>
+            </a:bodyPr>
+            <a:lstStyle/>
+            <a:p>
+              <a:pPr algn="ctr"/>
+              <a:r>
+                <a:rPr lang="en-US" dirty="0">
+                  <a:latin typeface="Arial" panose="020B0604020202020204" pitchFamily="34" charset="0"/>
+                  <a:cs typeface="Arial" panose="020B0604020202020204" pitchFamily="34" charset="0"/>
+                </a:rPr>
+                <a:t>Scientific products</a:t>
+              </a:r>
+            </a:p>
+          </p:txBody>
+        </p:sp>
+        <p:sp>
+          <p:nvSpPr>
+            <p:cNvPr id="12" name="TextBox 11">
+              <a:extLst>
+                <a:ext uri="{FF2B5EF4-FFF2-40B4-BE49-F238E27FC236}">
+                  <a16:creationId xmlns:a16="http://schemas.microsoft.com/office/drawing/2014/main" id="{4FE877A4-FC79-4B96-A1CA-733C9CFF2EC3}"/>
+                </a:ext>
+              </a:extLst>
+            </p:cNvPr>
+            <p:cNvSpPr txBox="1"/>
+            <p:nvPr/>
+          </p:nvSpPr>
+          <p:spPr>
+            <a:xfrm>
+              <a:off x="7478485" y="3228231"/>
+              <a:ext cx="2223686" cy="369332"/>
+            </a:xfrm>
+            <a:prstGeom prst="rect">
+              <a:avLst/>
+            </a:prstGeom>
+            <a:noFill/>
+          </p:spPr>
+          <p:txBody>
+            <a:bodyPr wrap="none" rtlCol="0">
+              <a:spAutoFit/>
+            </a:bodyPr>
+            <a:lstStyle/>
+            <a:p>
+              <a:pPr algn="ctr"/>
+              <a:r>
+                <a:rPr lang="en-US" dirty="0">
+                  <a:latin typeface="Arial" panose="020B0604020202020204" pitchFamily="34" charset="0"/>
+                  <a:cs typeface="Arial" panose="020B0604020202020204" pitchFamily="34" charset="0"/>
+                </a:rPr>
+                <a:t>Management needs</a:t>
+              </a:r>
+            </a:p>
+          </p:txBody>
+        </p:sp>
+      </p:grpSp>
+      <p:grpSp>
+        <p:nvGrpSpPr>
+          <p:cNvPr id="3" name="Group 2">
+            <a:extLst>
+              <a:ext uri="{FF2B5EF4-FFF2-40B4-BE49-F238E27FC236}">
+                <a16:creationId xmlns:a16="http://schemas.microsoft.com/office/drawing/2014/main" id="{CB1DC269-093E-4B82-B835-2C926899A1C3}"/>
+              </a:ext>
+            </a:extLst>
+          </p:cNvPr>
+          <p:cNvGrpSpPr/>
+          <p:nvPr/>
+        </p:nvGrpSpPr>
+        <p:grpSpPr>
+          <a:xfrm>
+            <a:off x="4146345" y="2676506"/>
+            <a:ext cx="3164513" cy="914400"/>
+            <a:chOff x="4146345" y="2676506"/>
+            <a:chExt cx="3164513" cy="914400"/>
+          </a:xfrm>
+        </p:grpSpPr>
+        <p:pic>
+          <p:nvPicPr>
+            <p:cNvPr id="14" name="Graphic 13" descr="Wave">
+              <a:extLst>
+                <a:ext uri="{FF2B5EF4-FFF2-40B4-BE49-F238E27FC236}">
+                  <a16:creationId xmlns:a16="http://schemas.microsoft.com/office/drawing/2014/main" id="{31769FC5-FFBE-4573-A3E8-771447605E85}"/>
+                </a:ext>
+              </a:extLst>
+            </p:cNvPr>
+            <p:cNvPicPr>
+              <a:picLocks noChangeAspect="1"/>
+            </p:cNvPicPr>
+            <p:nvPr/>
+          </p:nvPicPr>
+          <p:blipFill>
+            <a:blip r:embed="rId6">
+              <a:extLst>
+                <a:ext uri="{28A0092B-C50C-407E-A947-70E740481C1C}">
+                  <a14:useLocalDpi xmlns:a14="http://schemas.microsoft.com/office/drawing/2010/main" val="0"/>
+                </a:ext>
+                <a:ext uri="{96DAC541-7B7A-43D3-8B79-37D633B846F1}">
+                  <asvg:svgBlip xmlns:asvg="http://schemas.microsoft.com/office/drawing/2016/SVG/main" r:embed="rId7"/>
+                </a:ext>
+              </a:extLst>
+            </a:blip>
+            <a:stretch>
+              <a:fillRect/>
+            </a:stretch>
+          </p:blipFill>
+          <p:spPr>
+            <a:xfrm>
+              <a:off x="4893475" y="2676506"/>
+              <a:ext cx="914400" cy="914400"/>
+            </a:xfrm>
+            <a:prstGeom prst="rect">
+              <a:avLst/>
+            </a:prstGeom>
+          </p:spPr>
+        </p:pic>
+        <p:pic>
+          <p:nvPicPr>
+            <p:cNvPr id="15" name="Graphic 14" descr="Wave">
+              <a:extLst>
+                <a:ext uri="{FF2B5EF4-FFF2-40B4-BE49-F238E27FC236}">
+                  <a16:creationId xmlns:a16="http://schemas.microsoft.com/office/drawing/2014/main" id="{CE96760D-DC53-4027-A69E-EF67FA1457DA}"/>
+                </a:ext>
+              </a:extLst>
+            </p:cNvPr>
+            <p:cNvPicPr>
+              <a:picLocks noChangeAspect="1"/>
+            </p:cNvPicPr>
+            <p:nvPr/>
+          </p:nvPicPr>
+          <p:blipFill>
+            <a:blip r:embed="rId6">
+              <a:extLst>
+                <a:ext uri="{28A0092B-C50C-407E-A947-70E740481C1C}">
+                  <a14:useLocalDpi xmlns:a14="http://schemas.microsoft.com/office/drawing/2010/main" val="0"/>
+                </a:ext>
+                <a:ext uri="{96DAC541-7B7A-43D3-8B79-37D633B846F1}">
+                  <asvg:svgBlip xmlns:asvg="http://schemas.microsoft.com/office/drawing/2016/SVG/main" r:embed="rId7"/>
+                </a:ext>
+              </a:extLst>
+            </a:blip>
+            <a:stretch>
+              <a:fillRect/>
+            </a:stretch>
+          </p:blipFill>
+          <p:spPr>
+            <a:xfrm>
+              <a:off x="4146345" y="2676506"/>
+              <a:ext cx="914400" cy="914400"/>
+            </a:xfrm>
+            <a:prstGeom prst="rect">
+              <a:avLst/>
+            </a:prstGeom>
+          </p:spPr>
+        </p:pic>
+        <p:pic>
+          <p:nvPicPr>
+            <p:cNvPr id="16" name="Graphic 15" descr="Wave">
+              <a:extLst>
+                <a:ext uri="{FF2B5EF4-FFF2-40B4-BE49-F238E27FC236}">
+                  <a16:creationId xmlns:a16="http://schemas.microsoft.com/office/drawing/2014/main" id="{8475E5F1-F704-458C-AC2F-96836916DEFA}"/>
+                </a:ext>
+              </a:extLst>
+            </p:cNvPr>
+            <p:cNvPicPr>
+              <a:picLocks noChangeAspect="1"/>
+            </p:cNvPicPr>
+            <p:nvPr/>
+          </p:nvPicPr>
+          <p:blipFill>
+            <a:blip r:embed="rId6">
+              <a:extLst>
+                <a:ext uri="{28A0092B-C50C-407E-A947-70E740481C1C}">
+                  <a14:useLocalDpi xmlns:a14="http://schemas.microsoft.com/office/drawing/2010/main" val="0"/>
+                </a:ext>
+                <a:ext uri="{96DAC541-7B7A-43D3-8B79-37D633B846F1}">
+                  <asvg:svgBlip xmlns:asvg="http://schemas.microsoft.com/office/drawing/2016/SVG/main" r:embed="rId7"/>
+                </a:ext>
+              </a:extLst>
+            </a:blip>
+            <a:stretch>
+              <a:fillRect/>
+            </a:stretch>
+          </p:blipFill>
+          <p:spPr>
+            <a:xfrm>
+              <a:off x="6396458" y="2676506"/>
+              <a:ext cx="914400" cy="914400"/>
+            </a:xfrm>
+            <a:prstGeom prst="rect">
+              <a:avLst/>
+            </a:prstGeom>
+          </p:spPr>
+        </p:pic>
+        <p:pic>
+          <p:nvPicPr>
+            <p:cNvPr id="17" name="Graphic 16" descr="Wave">
+              <a:extLst>
+                <a:ext uri="{FF2B5EF4-FFF2-40B4-BE49-F238E27FC236}">
+                  <a16:creationId xmlns:a16="http://schemas.microsoft.com/office/drawing/2014/main" id="{D8850CC9-6B00-409A-8BC2-E95E3D26AE4B}"/>
+                </a:ext>
+              </a:extLst>
+            </p:cNvPr>
+            <p:cNvPicPr>
+              <a:picLocks noChangeAspect="1"/>
+            </p:cNvPicPr>
+            <p:nvPr/>
+          </p:nvPicPr>
+          <p:blipFill>
+            <a:blip r:embed="rId6">
+              <a:extLst>
+                <a:ext uri="{28A0092B-C50C-407E-A947-70E740481C1C}">
+                  <a14:useLocalDpi xmlns:a14="http://schemas.microsoft.com/office/drawing/2010/main" val="0"/>
+                </a:ext>
+                <a:ext uri="{96DAC541-7B7A-43D3-8B79-37D633B846F1}">
+                  <asvg:svgBlip xmlns:asvg="http://schemas.microsoft.com/office/drawing/2016/SVG/main" r:embed="rId7"/>
+                </a:ext>
+              </a:extLst>
+            </a:blip>
+            <a:stretch>
+              <a:fillRect/>
+            </a:stretch>
+          </p:blipFill>
+          <p:spPr>
+            <a:xfrm>
+              <a:off x="5640605" y="2676506"/>
+              <a:ext cx="914400" cy="914400"/>
+            </a:xfrm>
+            <a:prstGeom prst="rect">
+              <a:avLst/>
+            </a:prstGeom>
+          </p:spPr>
+        </p:pic>
+      </p:grpSp>
+    </p:spTree>
+    <p:extLst>
+      <p:ext uri="{BB962C8B-B14F-4D97-AF65-F5344CB8AC3E}">
+        <p14:creationId xmlns:p14="http://schemas.microsoft.com/office/powerpoint/2010/main" val="3107867814"/>
+      </p:ext>
+    </p:extLst>
+  </p:cSld>
+  <p:clrMapOvr>
+    <a:masterClrMapping/>
+  </p:clrMapOvr>
+</p:sld>
+</file>
+
+<file path=ppt/slides/slide7.xml><?xml version="1.0" encoding="utf-8"?>
+<p:sld xmlns:a="http://schemas.openxmlformats.org/drawingml/2006/main" xmlns:r="http://schemas.openxmlformats.org/officeDocument/2006/relationships" xmlns:p="http://schemas.openxmlformats.org/presentationml/2006/main">
+  <p:cSld>
+    <p:spTree>
+      <p:nvGrpSpPr>
+        <p:cNvPr id="1" name=""/>
+        <p:cNvGrpSpPr/>
+        <p:nvPr/>
+      </p:nvGrpSpPr>
+      <p:grpSpPr>
+        <a:xfrm>
+          <a:off x="0" y="0"/>
+          <a:ext cx="0" cy="0"/>
+          <a:chOff x="0" y="0"/>
+          <a:chExt cx="0" cy="0"/>
+        </a:xfrm>
+      </p:grpSpPr>
+      <p:pic>
+        <p:nvPicPr>
+          <p:cNvPr id="7" name="Graphic 6" descr="Forest scene">
+            <a:extLst>
+              <a:ext uri="{FF2B5EF4-FFF2-40B4-BE49-F238E27FC236}">
+                <a16:creationId xmlns:a16="http://schemas.microsoft.com/office/drawing/2014/main" id="{02EE0C7B-9B4C-4A36-BBA5-B5A2155E5407}"/>
+              </a:ext>
+            </a:extLst>
+          </p:cNvPr>
+          <p:cNvPicPr>
+            <a:picLocks noChangeAspect="1"/>
+          </p:cNvPicPr>
+          <p:nvPr/>
+        </p:nvPicPr>
+        <p:blipFill>
+          <a:blip r:embed="rId2">
+            <a:extLst>
+              <a:ext uri="{28A0092B-C50C-407E-A947-70E740481C1C}">
+                <a14:useLocalDpi xmlns:a14="http://schemas.microsoft.com/office/drawing/2010/main" val="0"/>
+              </a:ext>
+              <a:ext uri="{96DAC541-7B7A-43D3-8B79-37D633B846F1}">
+                <asvg:svgBlip xmlns:asvg="http://schemas.microsoft.com/office/drawing/2016/SVG/main" r:embed="rId3"/>
+              </a:ext>
+            </a:extLst>
+          </a:blip>
+          <a:stretch>
+            <a:fillRect/>
+          </a:stretch>
+        </p:blipFill>
+        <p:spPr>
+          <a:xfrm>
+            <a:off x="1011140" y="2418985"/>
+            <a:ext cx="1580521" cy="1580521"/>
+          </a:xfrm>
+          <a:prstGeom prst="rect">
+            <a:avLst/>
+          </a:prstGeom>
+        </p:spPr>
+      </p:pic>
+      <p:pic>
+        <p:nvPicPr>
+          <p:cNvPr id="8" name="Graphic 7" descr="Forest scene">
+            <a:extLst>
+              <a:ext uri="{FF2B5EF4-FFF2-40B4-BE49-F238E27FC236}">
+                <a16:creationId xmlns:a16="http://schemas.microsoft.com/office/drawing/2014/main" id="{724951F2-9056-4F52-8DA2-2D345EC2653B}"/>
+              </a:ext>
+            </a:extLst>
+          </p:cNvPr>
+          <p:cNvPicPr>
+            <a:picLocks noChangeAspect="1"/>
+          </p:cNvPicPr>
+          <p:nvPr/>
+        </p:nvPicPr>
+        <p:blipFill>
+          <a:blip r:embed="rId2">
+            <a:extLst>
+              <a:ext uri="{28A0092B-C50C-407E-A947-70E740481C1C}">
+                <a14:useLocalDpi xmlns:a14="http://schemas.microsoft.com/office/drawing/2010/main" val="0"/>
+              </a:ext>
+              <a:ext uri="{96DAC541-7B7A-43D3-8B79-37D633B846F1}">
+                <asvg:svgBlip xmlns:asvg="http://schemas.microsoft.com/office/drawing/2016/SVG/main" r:embed="rId3"/>
+              </a:ext>
+            </a:extLst>
+          </a:blip>
+          <a:stretch>
+            <a:fillRect/>
+          </a:stretch>
+        </p:blipFill>
+        <p:spPr>
+          <a:xfrm>
+            <a:off x="6658357" y="2418985"/>
+            <a:ext cx="1580521" cy="1580521"/>
+          </a:xfrm>
+          <a:prstGeom prst="rect">
+            <a:avLst/>
+          </a:prstGeom>
+        </p:spPr>
+      </p:pic>
+      <p:sp>
+        <p:nvSpPr>
+          <p:cNvPr id="2" name="Content Placeholder 1">
+            <a:extLst>
+              <a:ext uri="{FF2B5EF4-FFF2-40B4-BE49-F238E27FC236}">
+                <a16:creationId xmlns:a16="http://schemas.microsoft.com/office/drawing/2014/main" id="{FE2EF5DD-7920-42DF-8751-25B639A30029}"/>
+              </a:ext>
+            </a:extLst>
+          </p:cNvPr>
+          <p:cNvSpPr>
+            <a:spLocks noGrp="1"/>
+          </p:cNvSpPr>
+          <p:nvPr>
+            <p:ph idx="1"/>
+          </p:nvPr>
+        </p:nvSpPr>
+        <p:spPr/>
+        <p:txBody>
+          <a:bodyPr/>
+          <a:lstStyle/>
+          <a:p>
+            <a:endParaRPr lang="en-US"/>
+          </a:p>
+        </p:txBody>
+      </p:sp>
+    </p:spTree>
+    <p:extLst>
+      <p:ext uri="{BB962C8B-B14F-4D97-AF65-F5344CB8AC3E}">
+        <p14:creationId xmlns:p14="http://schemas.microsoft.com/office/powerpoint/2010/main" val="3254280388"/>
+      </p:ext>
+    </p:extLst>
+  </p:cSld>
+  <p:clrMapOvr>
+    <a:masterClrMapping/>
+  </p:clrMapOvr>
+</p:sld>
+</file>
+
+<file path=ppt/slides/slide8.xml><?xml version="1.0" encoding="utf-8"?>
+<p:sld xmlns:a="http://schemas.openxmlformats.org/drawingml/2006/main" xmlns:r="http://schemas.openxmlformats.org/officeDocument/2006/relationships" xmlns:p="http://schemas.openxmlformats.org/presentationml/2006/main">
+  <p:cSld>
+    <p:spTree>
+      <p:nvGrpSpPr>
+        <p:cNvPr id="1" name=""/>
+        <p:cNvGrpSpPr/>
+        <p:nvPr/>
+      </p:nvGrpSpPr>
+      <p:grpSpPr>
+        <a:xfrm>
+          <a:off x="0" y="0"/>
+          <a:ext cx="0" cy="0"/>
+          <a:chOff x="0" y="0"/>
+          <a:chExt cx="0" cy="0"/>
+        </a:xfrm>
+      </p:grpSpPr>
+      <p:sp>
+        <p:nvSpPr>
+          <p:cNvPr id="2" name="Title 1">
+            <a:extLst>
+              <a:ext uri="{FF2B5EF4-FFF2-40B4-BE49-F238E27FC236}">
+                <a16:creationId xmlns:a16="http://schemas.microsoft.com/office/drawing/2014/main" id="{F97D7FE6-561C-4AC5-A0D7-F42B3B38A397}"/>
+              </a:ext>
+            </a:extLst>
+          </p:cNvPr>
+          <p:cNvSpPr>
+            <a:spLocks noGrp="1"/>
+          </p:cNvSpPr>
+          <p:nvPr>
+            <p:ph type="title"/>
+          </p:nvPr>
+        </p:nvSpPr>
+        <p:spPr/>
+        <p:txBody>
+          <a:bodyPr/>
+          <a:lstStyle/>
+          <a:p>
+            <a:endParaRPr lang="en-US"/>
+          </a:p>
+        </p:txBody>
+      </p:sp>
+      <p:sp>
+        <p:nvSpPr>
+          <p:cNvPr id="3" name="Content Placeholder 2">
+            <a:extLst>
+              <a:ext uri="{FF2B5EF4-FFF2-40B4-BE49-F238E27FC236}">
+                <a16:creationId xmlns:a16="http://schemas.microsoft.com/office/drawing/2014/main" id="{C8181026-D1F4-4BA5-988A-8C86CBCAD166}"/>
+              </a:ext>
+            </a:extLst>
+          </p:cNvPr>
+          <p:cNvSpPr>
+            <a:spLocks noGrp="1"/>
+          </p:cNvSpPr>
+          <p:nvPr>
+            <p:ph idx="1"/>
+          </p:nvPr>
+        </p:nvSpPr>
+        <p:spPr/>
+        <p:txBody>
+          <a:bodyPr/>
+          <a:lstStyle/>
+          <a:p>
+            <a:endParaRPr lang="en-US"/>
+          </a:p>
+        </p:txBody>
+      </p:sp>
+    </p:spTree>
+    <p:extLst>
+      <p:ext uri="{BB962C8B-B14F-4D97-AF65-F5344CB8AC3E}">
+        <p14:creationId xmlns:p14="http://schemas.microsoft.com/office/powerpoint/2010/main" val="581876916"/>
+      </p:ext>
+    </p:extLst>
+  </p:cSld>
+  <p:clrMapOvr>
+    <a:masterClrMapping/>
+  </p:clrMapOvr>
+</p:sld>
+</file>
+
+<file path=ppt/slides/slide9.xml><?xml version="1.0" encoding="utf-8"?>
+<p:sld xmlns:a="http://schemas.openxmlformats.org/drawingml/2006/main" xmlns:r="http://schemas.openxmlformats.org/officeDocument/2006/relationships" xmlns:p="http://schemas.openxmlformats.org/presentationml/2006/main">
+  <p:cSld>
+    <p:spTree>
+      <p:nvGrpSpPr>
+        <p:cNvPr id="1" name=""/>
+        <p:cNvGrpSpPr/>
+        <p:nvPr/>
+      </p:nvGrpSpPr>
+      <p:grpSpPr>
+        <a:xfrm>
+          <a:off x="0" y="0"/>
+          <a:ext cx="0" cy="0"/>
+          <a:chOff x="0" y="0"/>
+          <a:chExt cx="0" cy="0"/>
+        </a:xfrm>
+      </p:grpSpPr>
+      <p:sp>
+        <p:nvSpPr>
+          <p:cNvPr id="2" name="Title 1">
+            <a:extLst>
+              <a:ext uri="{FF2B5EF4-FFF2-40B4-BE49-F238E27FC236}">
+                <a16:creationId xmlns:a16="http://schemas.microsoft.com/office/drawing/2014/main" id="{A27B19F9-8E84-438B-BC90-DB1133E9784B}"/>
+              </a:ext>
+            </a:extLst>
+          </p:cNvPr>
+          <p:cNvSpPr>
+            <a:spLocks noGrp="1"/>
+          </p:cNvSpPr>
+          <p:nvPr>
+            <p:ph type="title"/>
+          </p:nvPr>
+        </p:nvSpPr>
+        <p:spPr/>
+        <p:txBody>
+          <a:bodyPr/>
+          <a:lstStyle/>
+          <a:p>
+            <a:endParaRPr lang="en-US"/>
+          </a:p>
+        </p:txBody>
+      </p:sp>
+      <p:sp>
+        <p:nvSpPr>
+          <p:cNvPr id="3" name="Content Placeholder 2">
+            <a:extLst>
+              <a:ext uri="{FF2B5EF4-FFF2-40B4-BE49-F238E27FC236}">
+                <a16:creationId xmlns:a16="http://schemas.microsoft.com/office/drawing/2014/main" id="{8968A5B4-6041-4819-8AC5-C4EDFA6D72DC}"/>
+              </a:ext>
+            </a:extLst>
+          </p:cNvPr>
+          <p:cNvSpPr>
+            <a:spLocks noGrp="1"/>
+          </p:cNvSpPr>
+          <p:nvPr>
+            <p:ph idx="1"/>
+          </p:nvPr>
+        </p:nvSpPr>
+        <p:spPr/>
+        <p:txBody>
+          <a:bodyPr/>
+          <a:lstStyle/>
+          <a:p>
+            <a:endParaRPr lang="en-US"/>
+          </a:p>
+        </p:txBody>
+      </p:sp>
+    </p:spTree>
+    <p:extLst>
+      <p:ext uri="{BB962C8B-B14F-4D97-AF65-F5344CB8AC3E}">
+        <p14:creationId xmlns:p14="http://schemas.microsoft.com/office/powerpoint/2010/main" val="2908844126"/>
       </p:ext>
     </p:extLst>
   </p:cSld>

--- a/figure/figs.pptx
+++ b/figure/figs.pptx
@@ -205,7 +205,7 @@
           <a:p>
             <a:fld id="{671B42D5-CCC0-489C-A132-2167B492F51E}" type="datetimeFigureOut">
               <a:rPr lang="en-US" smtClean="0"/>
-              <a:t>8/28/2019</a:t>
+              <a:t>9/1/2019</a:t>
             </a:fld>
             <a:endParaRPr lang="en-US"/>
           </a:p>
@@ -960,7 +960,7 @@
           <a:p>
             <a:fld id="{07FC2FEA-EA4D-4E05-9692-DF795BF68E67}" type="datetimeFigureOut">
               <a:rPr lang="en-US" smtClean="0"/>
-              <a:t>8/28/2019</a:t>
+              <a:t>9/1/2019</a:t>
             </a:fld>
             <a:endParaRPr lang="en-US"/>
           </a:p>
@@ -1158,7 +1158,7 @@
           <a:p>
             <a:fld id="{07FC2FEA-EA4D-4E05-9692-DF795BF68E67}" type="datetimeFigureOut">
               <a:rPr lang="en-US" smtClean="0"/>
-              <a:t>8/28/2019</a:t>
+              <a:t>9/1/2019</a:t>
             </a:fld>
             <a:endParaRPr lang="en-US"/>
           </a:p>
@@ -1366,7 +1366,7 @@
           <a:p>
             <a:fld id="{07FC2FEA-EA4D-4E05-9692-DF795BF68E67}" type="datetimeFigureOut">
               <a:rPr lang="en-US" smtClean="0"/>
-              <a:t>8/28/2019</a:t>
+              <a:t>9/1/2019</a:t>
             </a:fld>
             <a:endParaRPr lang="en-US"/>
           </a:p>
@@ -1564,7 +1564,7 @@
           <a:p>
             <a:fld id="{07FC2FEA-EA4D-4E05-9692-DF795BF68E67}" type="datetimeFigureOut">
               <a:rPr lang="en-US" smtClean="0"/>
-              <a:t>8/28/2019</a:t>
+              <a:t>9/1/2019</a:t>
             </a:fld>
             <a:endParaRPr lang="en-US"/>
           </a:p>
@@ -1839,7 +1839,7 @@
           <a:p>
             <a:fld id="{07FC2FEA-EA4D-4E05-9692-DF795BF68E67}" type="datetimeFigureOut">
               <a:rPr lang="en-US" smtClean="0"/>
-              <a:t>8/28/2019</a:t>
+              <a:t>9/1/2019</a:t>
             </a:fld>
             <a:endParaRPr lang="en-US"/>
           </a:p>
@@ -2104,7 +2104,7 @@
           <a:p>
             <a:fld id="{07FC2FEA-EA4D-4E05-9692-DF795BF68E67}" type="datetimeFigureOut">
               <a:rPr lang="en-US" smtClean="0"/>
-              <a:t>8/28/2019</a:t>
+              <a:t>9/1/2019</a:t>
             </a:fld>
             <a:endParaRPr lang="en-US"/>
           </a:p>
@@ -2516,7 +2516,7 @@
           <a:p>
             <a:fld id="{07FC2FEA-EA4D-4E05-9692-DF795BF68E67}" type="datetimeFigureOut">
               <a:rPr lang="en-US" smtClean="0"/>
-              <a:t>8/28/2019</a:t>
+              <a:t>9/1/2019</a:t>
             </a:fld>
             <a:endParaRPr lang="en-US"/>
           </a:p>
@@ -2657,7 +2657,7 @@
           <a:p>
             <a:fld id="{07FC2FEA-EA4D-4E05-9692-DF795BF68E67}" type="datetimeFigureOut">
               <a:rPr lang="en-US" smtClean="0"/>
-              <a:t>8/28/2019</a:t>
+              <a:t>9/1/2019</a:t>
             </a:fld>
             <a:endParaRPr lang="en-US"/>
           </a:p>
@@ -2770,7 +2770,7 @@
           <a:p>
             <a:fld id="{07FC2FEA-EA4D-4E05-9692-DF795BF68E67}" type="datetimeFigureOut">
               <a:rPr lang="en-US" smtClean="0"/>
-              <a:t>8/28/2019</a:t>
+              <a:t>9/1/2019</a:t>
             </a:fld>
             <a:endParaRPr lang="en-US"/>
           </a:p>
@@ -3081,7 +3081,7 @@
           <a:p>
             <a:fld id="{07FC2FEA-EA4D-4E05-9692-DF795BF68E67}" type="datetimeFigureOut">
               <a:rPr lang="en-US" smtClean="0"/>
-              <a:t>8/28/2019</a:t>
+              <a:t>9/1/2019</a:t>
             </a:fld>
             <a:endParaRPr lang="en-US"/>
           </a:p>
@@ -3369,7 +3369,7 @@
           <a:p>
             <a:fld id="{07FC2FEA-EA4D-4E05-9692-DF795BF68E67}" type="datetimeFigureOut">
               <a:rPr lang="en-US" smtClean="0"/>
-              <a:t>8/28/2019</a:t>
+              <a:t>9/1/2019</a:t>
             </a:fld>
             <a:endParaRPr lang="en-US"/>
           </a:p>
@@ -3610,7 +3610,7 @@
           <a:p>
             <a:fld id="{07FC2FEA-EA4D-4E05-9692-DF795BF68E67}" type="datetimeFigureOut">
               <a:rPr lang="en-US" smtClean="0"/>
-              <a:t>8/28/2019</a:t>
+              <a:t>9/1/2019</a:t>
             </a:fld>
             <a:endParaRPr lang="en-US"/>
           </a:p>
@@ -11000,56 +11000,1771 @@
           <a:chExt cx="0" cy="0"/>
         </a:xfrm>
       </p:grpSpPr>
-      <p:sp>
-        <p:nvSpPr>
-          <p:cNvPr id="2" name="Title 1">
+      <p:graphicFrame>
+        <p:nvGraphicFramePr>
+          <p:cNvPr id="4" name="Table 3">
             <a:extLst>
               <a:ext uri="{FF2B5EF4-FFF2-40B4-BE49-F238E27FC236}">
-                <a16:creationId xmlns:a16="http://schemas.microsoft.com/office/drawing/2014/main" id="{F97D7FE6-561C-4AC5-A0D7-F42B3B38A397}"/>
+                <a16:creationId xmlns:a16="http://schemas.microsoft.com/office/drawing/2014/main" id="{A653C29C-48D2-4C6F-943F-038C7614F62B}"/>
               </a:ext>
             </a:extLst>
           </p:cNvPr>
-          <p:cNvSpPr>
-            <a:spLocks noGrp="1"/>
-          </p:cNvSpPr>
+          <p:cNvGraphicFramePr>
+            <a:graphicFrameLocks noGrp="1"/>
+          </p:cNvGraphicFramePr>
           <p:nvPr>
-            <p:ph type="title"/>
+            <p:extLst>
+              <p:ext uri="{D42A27DB-BD31-4B8C-83A1-F6EECF244321}">
+                <p14:modId xmlns:p14="http://schemas.microsoft.com/office/powerpoint/2010/main" val="182273194"/>
+              </p:ext>
+            </p:extLst>
           </p:nvPr>
-        </p:nvSpPr>
-        <p:spPr/>
-        <p:txBody>
-          <a:bodyPr/>
-          <a:lstStyle/>
-          <a:p>
-            <a:endParaRPr lang="en-US"/>
-          </a:p>
-        </p:txBody>
-      </p:sp>
-      <p:sp>
-        <p:nvSpPr>
-          <p:cNvPr id="3" name="Content Placeholder 2">
-            <a:extLst>
-              <a:ext uri="{FF2B5EF4-FFF2-40B4-BE49-F238E27FC236}">
-                <a16:creationId xmlns:a16="http://schemas.microsoft.com/office/drawing/2014/main" id="{C8181026-D1F4-4BA5-988A-8C86CBCAD166}"/>
-              </a:ext>
-            </a:extLst>
-          </p:cNvPr>
-          <p:cNvSpPr>
-            <a:spLocks noGrp="1"/>
-          </p:cNvSpPr>
-          <p:nvPr>
-            <p:ph idx="1"/>
-          </p:nvPr>
-        </p:nvSpPr>
-        <p:spPr/>
-        <p:txBody>
-          <a:bodyPr/>
-          <a:lstStyle/>
-          <a:p>
-            <a:endParaRPr lang="en-US"/>
-          </a:p>
-        </p:txBody>
-      </p:sp>
+        </p:nvGraphicFramePr>
+        <p:xfrm>
+          <a:off x="2032000" y="719666"/>
+          <a:ext cx="6298270" cy="2214880"/>
+        </p:xfrm>
+        <a:graphic>
+          <a:graphicData uri="http://schemas.openxmlformats.org/drawingml/2006/table">
+            <a:tbl>
+              <a:tblPr firstRow="1" bandRow="1">
+                <a:tableStyleId>{5C22544A-7EE6-4342-B048-85BDC9FD1C3A}</a:tableStyleId>
+              </a:tblPr>
+              <a:tblGrid>
+                <a:gridCol w="1432653">
+                  <a:extLst>
+                    <a:ext uri="{9D8B030D-6E8A-4147-A177-3AD203B41FA5}">
+                      <a16:colId xmlns:a16="http://schemas.microsoft.com/office/drawing/2014/main" val="1615647681"/>
+                    </a:ext>
+                  </a:extLst>
+                </a:gridCol>
+                <a:gridCol w="1086655">
+                  <a:extLst>
+                    <a:ext uri="{9D8B030D-6E8A-4147-A177-3AD203B41FA5}">
+                      <a16:colId xmlns:a16="http://schemas.microsoft.com/office/drawing/2014/main" val="1963261515"/>
+                    </a:ext>
+                  </a:extLst>
+                </a:gridCol>
+                <a:gridCol w="1259654">
+                  <a:extLst>
+                    <a:ext uri="{9D8B030D-6E8A-4147-A177-3AD203B41FA5}">
+                      <a16:colId xmlns:a16="http://schemas.microsoft.com/office/drawing/2014/main" val="2393708828"/>
+                    </a:ext>
+                  </a:extLst>
+                </a:gridCol>
+                <a:gridCol w="1259654">
+                  <a:extLst>
+                    <a:ext uri="{9D8B030D-6E8A-4147-A177-3AD203B41FA5}">
+                      <a16:colId xmlns:a16="http://schemas.microsoft.com/office/drawing/2014/main" val="205851259"/>
+                    </a:ext>
+                  </a:extLst>
+                </a:gridCol>
+                <a:gridCol w="1259654">
+                  <a:extLst>
+                    <a:ext uri="{9D8B030D-6E8A-4147-A177-3AD203B41FA5}">
+                      <a16:colId xmlns:a16="http://schemas.microsoft.com/office/drawing/2014/main" val="3420622788"/>
+                    </a:ext>
+                  </a:extLst>
+                </a:gridCol>
+              </a:tblGrid>
+              <a:tr h="370840">
+                <a:tc rowSpan="2">
+                  <a:txBody>
+                    <a:bodyPr/>
+                    <a:lstStyle/>
+                    <a:p>
+                      <a:pPr algn="ctr"/>
+                      <a:r>
+                        <a:rPr lang="en-US" dirty="0">
+                          <a:solidFill>
+                            <a:schemeClr val="tx1"/>
+                          </a:solidFill>
+                          <a:latin typeface="Times New Roman" panose="02020603050405020304" pitchFamily="18" charset="0"/>
+                          <a:cs typeface="Times New Roman" panose="02020603050405020304" pitchFamily="18" charset="0"/>
+                        </a:rPr>
+                        <a:t>Chlorophyll outcomes</a:t>
+                      </a:r>
+                    </a:p>
+                  </a:txBody>
+                  <a:tcPr>
+                    <a:lnL w="12700" cap="flat" cmpd="sng" algn="ctr">
+                      <a:solidFill>
+                        <a:schemeClr val="tx1"/>
+                      </a:solidFill>
+                      <a:prstDash val="solid"/>
+                      <a:round/>
+                      <a:headEnd type="none" w="med" len="med"/>
+                      <a:tailEnd type="none" w="med" len="med"/>
+                    </a:lnL>
+                    <a:lnR w="12700" cap="flat" cmpd="sng" algn="ctr">
+                      <a:solidFill>
+                        <a:schemeClr val="tx1"/>
+                      </a:solidFill>
+                      <a:prstDash val="solid"/>
+                      <a:round/>
+                      <a:headEnd type="none" w="med" len="med"/>
+                      <a:tailEnd type="none" w="med" len="med"/>
+                    </a:lnR>
+                    <a:lnT w="12700" cap="flat" cmpd="sng" algn="ctr">
+                      <a:solidFill>
+                        <a:schemeClr val="tx1"/>
+                      </a:solidFill>
+                      <a:prstDash val="solid"/>
+                      <a:round/>
+                      <a:headEnd type="none" w="med" len="med"/>
+                      <a:tailEnd type="none" w="med" len="med"/>
+                    </a:lnT>
+                    <a:lnB w="12700" cap="flat" cmpd="sng" algn="ctr">
+                      <a:solidFill>
+                        <a:schemeClr val="tx1"/>
+                      </a:solidFill>
+                      <a:prstDash val="solid"/>
+                      <a:round/>
+                      <a:headEnd type="none" w="med" len="med"/>
+                      <a:tailEnd type="none" w="med" len="med"/>
+                    </a:lnB>
+                    <a:noFill/>
+                  </a:tcPr>
+                </a:tc>
+                <a:tc gridSpan="4">
+                  <a:txBody>
+                    <a:bodyPr/>
+                    <a:lstStyle/>
+                    <a:p>
+                      <a:pPr algn="ctr"/>
+                      <a:r>
+                        <a:rPr lang="en-US" dirty="0">
+                          <a:solidFill>
+                            <a:schemeClr val="tx1"/>
+                          </a:solidFill>
+                          <a:latin typeface="Times New Roman" panose="02020603050405020304" pitchFamily="18" charset="0"/>
+                          <a:cs typeface="Times New Roman" panose="02020603050405020304" pitchFamily="18" charset="0"/>
+                        </a:rPr>
+                        <a:t>Light attenuation outcomes</a:t>
+                      </a:r>
+                    </a:p>
+                  </a:txBody>
+                  <a:tcPr>
+                    <a:lnL w="12700" cap="flat" cmpd="sng" algn="ctr">
+                      <a:solidFill>
+                        <a:schemeClr val="tx1"/>
+                      </a:solidFill>
+                      <a:prstDash val="solid"/>
+                      <a:round/>
+                      <a:headEnd type="none" w="med" len="med"/>
+                      <a:tailEnd type="none" w="med" len="med"/>
+                    </a:lnL>
+                    <a:lnR w="12700" cap="flat" cmpd="sng" algn="ctr">
+                      <a:solidFill>
+                        <a:schemeClr val="tx1"/>
+                      </a:solidFill>
+                      <a:prstDash val="solid"/>
+                      <a:round/>
+                      <a:headEnd type="none" w="med" len="med"/>
+                      <a:tailEnd type="none" w="med" len="med"/>
+                    </a:lnR>
+                    <a:lnT w="12700" cap="flat" cmpd="sng" algn="ctr">
+                      <a:solidFill>
+                        <a:schemeClr val="tx1"/>
+                      </a:solidFill>
+                      <a:prstDash val="solid"/>
+                      <a:round/>
+                      <a:headEnd type="none" w="med" len="med"/>
+                      <a:tailEnd type="none" w="med" len="med"/>
+                    </a:lnT>
+                    <a:lnB w="12700" cap="flat" cmpd="sng" algn="ctr">
+                      <a:solidFill>
+                        <a:schemeClr val="tx1"/>
+                      </a:solidFill>
+                      <a:prstDash val="solid"/>
+                      <a:round/>
+                      <a:headEnd type="none" w="med" len="med"/>
+                      <a:tailEnd type="none" w="med" len="med"/>
+                    </a:lnB>
+                    <a:noFill/>
+                  </a:tcPr>
+                </a:tc>
+                <a:tc hMerge="1">
+                  <a:txBody>
+                    <a:bodyPr/>
+                    <a:lstStyle/>
+                    <a:p>
+                      <a:endParaRPr lang="en-US" dirty="0"/>
+                    </a:p>
+                  </a:txBody>
+                  <a:tcPr/>
+                </a:tc>
+                <a:tc hMerge="1">
+                  <a:txBody>
+                    <a:bodyPr/>
+                    <a:lstStyle/>
+                    <a:p>
+                      <a:endParaRPr lang="en-US" dirty="0"/>
+                    </a:p>
+                  </a:txBody>
+                  <a:tcPr/>
+                </a:tc>
+                <a:tc hMerge="1">
+                  <a:txBody>
+                    <a:bodyPr/>
+                    <a:lstStyle/>
+                    <a:p>
+                      <a:endParaRPr lang="en-US" dirty="0"/>
+                    </a:p>
+                  </a:txBody>
+                  <a:tcPr/>
+                </a:tc>
+                <a:extLst>
+                  <a:ext uri="{0D108BD9-81ED-4DB2-BD59-A6C34878D82A}">
+                    <a16:rowId xmlns:a16="http://schemas.microsoft.com/office/drawing/2014/main" val="3064768211"/>
+                  </a:ext>
+                </a:extLst>
+              </a:tr>
+              <a:tr h="370840">
+                <a:tc vMerge="1">
+                  <a:txBody>
+                    <a:bodyPr/>
+                    <a:lstStyle/>
+                    <a:p>
+                      <a:endParaRPr lang="en-US" dirty="0"/>
+                    </a:p>
+                  </a:txBody>
+                  <a:tcPr/>
+                </a:tc>
+                <a:tc>
+                  <a:txBody>
+                    <a:bodyPr/>
+                    <a:lstStyle/>
+                    <a:p>
+                      <a:pPr algn="ctr"/>
+                      <a:r>
+                        <a:rPr lang="en-US" dirty="0">
+                          <a:solidFill>
+                            <a:schemeClr val="tx1"/>
+                          </a:solidFill>
+                          <a:latin typeface="Times New Roman" panose="02020603050405020304" pitchFamily="18" charset="0"/>
+                          <a:cs typeface="Times New Roman" panose="02020603050405020304" pitchFamily="18" charset="0"/>
+                        </a:rPr>
+                        <a:t>0</a:t>
+                      </a:r>
+                    </a:p>
+                  </a:txBody>
+                  <a:tcPr>
+                    <a:lnL w="12700" cap="flat" cmpd="sng" algn="ctr">
+                      <a:solidFill>
+                        <a:schemeClr val="tx1"/>
+                      </a:solidFill>
+                      <a:prstDash val="solid"/>
+                      <a:round/>
+                      <a:headEnd type="none" w="med" len="med"/>
+                      <a:tailEnd type="none" w="med" len="med"/>
+                    </a:lnL>
+                    <a:lnR w="12700" cap="flat" cmpd="sng" algn="ctr">
+                      <a:solidFill>
+                        <a:schemeClr val="tx1"/>
+                      </a:solidFill>
+                      <a:prstDash val="solid"/>
+                      <a:round/>
+                      <a:headEnd type="none" w="med" len="med"/>
+                      <a:tailEnd type="none" w="med" len="med"/>
+                    </a:lnR>
+                    <a:lnT w="12700" cap="flat" cmpd="sng" algn="ctr">
+                      <a:solidFill>
+                        <a:schemeClr val="tx1"/>
+                      </a:solidFill>
+                      <a:prstDash val="solid"/>
+                      <a:round/>
+                      <a:headEnd type="none" w="med" len="med"/>
+                      <a:tailEnd type="none" w="med" len="med"/>
+                    </a:lnT>
+                    <a:lnB w="12700" cap="flat" cmpd="sng" algn="ctr">
+                      <a:solidFill>
+                        <a:schemeClr val="tx1"/>
+                      </a:solidFill>
+                      <a:prstDash val="solid"/>
+                      <a:round/>
+                      <a:headEnd type="none" w="med" len="med"/>
+                      <a:tailEnd type="none" w="med" len="med"/>
+                    </a:lnB>
+                    <a:noFill/>
+                  </a:tcPr>
+                </a:tc>
+                <a:tc>
+                  <a:txBody>
+                    <a:bodyPr/>
+                    <a:lstStyle/>
+                    <a:p>
+                      <a:pPr algn="ctr"/>
+                      <a:r>
+                        <a:rPr lang="en-US" dirty="0">
+                          <a:solidFill>
+                            <a:schemeClr val="tx1"/>
+                          </a:solidFill>
+                          <a:latin typeface="Times New Roman" panose="02020603050405020304" pitchFamily="18" charset="0"/>
+                          <a:cs typeface="Times New Roman" panose="02020603050405020304" pitchFamily="18" charset="0"/>
+                        </a:rPr>
+                        <a:t>1</a:t>
+                      </a:r>
+                    </a:p>
+                  </a:txBody>
+                  <a:tcPr>
+                    <a:lnL w="12700" cap="flat" cmpd="sng" algn="ctr">
+                      <a:solidFill>
+                        <a:schemeClr val="tx1"/>
+                      </a:solidFill>
+                      <a:prstDash val="solid"/>
+                      <a:round/>
+                      <a:headEnd type="none" w="med" len="med"/>
+                      <a:tailEnd type="none" w="med" len="med"/>
+                    </a:lnL>
+                    <a:lnR w="12700" cap="flat" cmpd="sng" algn="ctr">
+                      <a:solidFill>
+                        <a:schemeClr val="tx1"/>
+                      </a:solidFill>
+                      <a:prstDash val="solid"/>
+                      <a:round/>
+                      <a:headEnd type="none" w="med" len="med"/>
+                      <a:tailEnd type="none" w="med" len="med"/>
+                    </a:lnR>
+                    <a:lnT w="12700" cap="flat" cmpd="sng" algn="ctr">
+                      <a:solidFill>
+                        <a:schemeClr val="tx1"/>
+                      </a:solidFill>
+                      <a:prstDash val="solid"/>
+                      <a:round/>
+                      <a:headEnd type="none" w="med" len="med"/>
+                      <a:tailEnd type="none" w="med" len="med"/>
+                    </a:lnT>
+                    <a:lnB w="12700" cap="flat" cmpd="sng" algn="ctr">
+                      <a:solidFill>
+                        <a:schemeClr val="tx1"/>
+                      </a:solidFill>
+                      <a:prstDash val="solid"/>
+                      <a:round/>
+                      <a:headEnd type="none" w="med" len="med"/>
+                      <a:tailEnd type="none" w="med" len="med"/>
+                    </a:lnB>
+                    <a:noFill/>
+                  </a:tcPr>
+                </a:tc>
+                <a:tc>
+                  <a:txBody>
+                    <a:bodyPr/>
+                    <a:lstStyle/>
+                    <a:p>
+                      <a:pPr algn="ctr"/>
+                      <a:r>
+                        <a:rPr lang="en-US" dirty="0">
+                          <a:solidFill>
+                            <a:schemeClr val="tx1"/>
+                          </a:solidFill>
+                          <a:latin typeface="Times New Roman" panose="02020603050405020304" pitchFamily="18" charset="0"/>
+                          <a:cs typeface="Times New Roman" panose="02020603050405020304" pitchFamily="18" charset="0"/>
+                        </a:rPr>
+                        <a:t>2</a:t>
+                      </a:r>
+                    </a:p>
+                  </a:txBody>
+                  <a:tcPr>
+                    <a:lnL w="12700" cap="flat" cmpd="sng" algn="ctr">
+                      <a:solidFill>
+                        <a:schemeClr val="tx1"/>
+                      </a:solidFill>
+                      <a:prstDash val="solid"/>
+                      <a:round/>
+                      <a:headEnd type="none" w="med" len="med"/>
+                      <a:tailEnd type="none" w="med" len="med"/>
+                    </a:lnL>
+                    <a:lnR w="12700" cap="flat" cmpd="sng" algn="ctr">
+                      <a:solidFill>
+                        <a:schemeClr val="tx1"/>
+                      </a:solidFill>
+                      <a:prstDash val="solid"/>
+                      <a:round/>
+                      <a:headEnd type="none" w="med" len="med"/>
+                      <a:tailEnd type="none" w="med" len="med"/>
+                    </a:lnR>
+                    <a:lnT w="12700" cap="flat" cmpd="sng" algn="ctr">
+                      <a:solidFill>
+                        <a:schemeClr val="tx1"/>
+                      </a:solidFill>
+                      <a:prstDash val="solid"/>
+                      <a:round/>
+                      <a:headEnd type="none" w="med" len="med"/>
+                      <a:tailEnd type="none" w="med" len="med"/>
+                    </a:lnT>
+                    <a:lnB w="12700" cap="flat" cmpd="sng" algn="ctr">
+                      <a:solidFill>
+                        <a:schemeClr val="tx1"/>
+                      </a:solidFill>
+                      <a:prstDash val="solid"/>
+                      <a:round/>
+                      <a:headEnd type="none" w="med" len="med"/>
+                      <a:tailEnd type="none" w="med" len="med"/>
+                    </a:lnB>
+                    <a:noFill/>
+                  </a:tcPr>
+                </a:tc>
+                <a:tc>
+                  <a:txBody>
+                    <a:bodyPr/>
+                    <a:lstStyle/>
+                    <a:p>
+                      <a:pPr algn="ctr"/>
+                      <a:r>
+                        <a:rPr lang="en-US" dirty="0">
+                          <a:solidFill>
+                            <a:schemeClr val="tx1"/>
+                          </a:solidFill>
+                          <a:latin typeface="Times New Roman" panose="02020603050405020304" pitchFamily="18" charset="0"/>
+                          <a:cs typeface="Times New Roman" panose="02020603050405020304" pitchFamily="18" charset="0"/>
+                        </a:rPr>
+                        <a:t>3</a:t>
+                      </a:r>
+                    </a:p>
+                  </a:txBody>
+                  <a:tcPr>
+                    <a:lnL w="12700" cap="flat" cmpd="sng" algn="ctr">
+                      <a:solidFill>
+                        <a:schemeClr val="tx1"/>
+                      </a:solidFill>
+                      <a:prstDash val="solid"/>
+                      <a:round/>
+                      <a:headEnd type="none" w="med" len="med"/>
+                      <a:tailEnd type="none" w="med" len="med"/>
+                    </a:lnL>
+                    <a:lnR w="12700" cap="flat" cmpd="sng" algn="ctr">
+                      <a:solidFill>
+                        <a:schemeClr val="tx1"/>
+                      </a:solidFill>
+                      <a:prstDash val="solid"/>
+                      <a:round/>
+                      <a:headEnd type="none" w="med" len="med"/>
+                      <a:tailEnd type="none" w="med" len="med"/>
+                    </a:lnR>
+                    <a:lnT w="12700" cap="flat" cmpd="sng" algn="ctr">
+                      <a:solidFill>
+                        <a:schemeClr val="tx1"/>
+                      </a:solidFill>
+                      <a:prstDash val="solid"/>
+                      <a:round/>
+                      <a:headEnd type="none" w="med" len="med"/>
+                      <a:tailEnd type="none" w="med" len="med"/>
+                    </a:lnT>
+                    <a:lnB w="12700" cap="flat" cmpd="sng" algn="ctr">
+                      <a:solidFill>
+                        <a:schemeClr val="tx1"/>
+                      </a:solidFill>
+                      <a:prstDash val="solid"/>
+                      <a:round/>
+                      <a:headEnd type="none" w="med" len="med"/>
+                      <a:tailEnd type="none" w="med" len="med"/>
+                    </a:lnB>
+                    <a:noFill/>
+                  </a:tcPr>
+                </a:tc>
+                <a:extLst>
+                  <a:ext uri="{0D108BD9-81ED-4DB2-BD59-A6C34878D82A}">
+                    <a16:rowId xmlns:a16="http://schemas.microsoft.com/office/drawing/2014/main" val="3049134006"/>
+                  </a:ext>
+                </a:extLst>
+              </a:tr>
+              <a:tr h="370840">
+                <a:tc>
+                  <a:txBody>
+                    <a:bodyPr/>
+                    <a:lstStyle/>
+                    <a:p>
+                      <a:pPr algn="ctr"/>
+                      <a:r>
+                        <a:rPr lang="en-US" dirty="0">
+                          <a:solidFill>
+                            <a:schemeClr val="tx1"/>
+                          </a:solidFill>
+                          <a:latin typeface="Times New Roman" panose="02020603050405020304" pitchFamily="18" charset="0"/>
+                          <a:cs typeface="Times New Roman" panose="02020603050405020304" pitchFamily="18" charset="0"/>
+                        </a:rPr>
+                        <a:t>0</a:t>
+                      </a:r>
+                    </a:p>
+                  </a:txBody>
+                  <a:tcPr>
+                    <a:lnL w="12700" cap="flat" cmpd="sng" algn="ctr">
+                      <a:solidFill>
+                        <a:schemeClr val="tx1"/>
+                      </a:solidFill>
+                      <a:prstDash val="solid"/>
+                      <a:round/>
+                      <a:headEnd type="none" w="med" len="med"/>
+                      <a:tailEnd type="none" w="med" len="med"/>
+                    </a:lnL>
+                    <a:lnR w="12700" cap="flat" cmpd="sng" algn="ctr">
+                      <a:solidFill>
+                        <a:schemeClr val="tx1"/>
+                      </a:solidFill>
+                      <a:prstDash val="solid"/>
+                      <a:round/>
+                      <a:headEnd type="none" w="med" len="med"/>
+                      <a:tailEnd type="none" w="med" len="med"/>
+                    </a:lnR>
+                    <a:lnT w="12700" cap="flat" cmpd="sng" algn="ctr">
+                      <a:solidFill>
+                        <a:schemeClr val="tx1"/>
+                      </a:solidFill>
+                      <a:prstDash val="solid"/>
+                      <a:round/>
+                      <a:headEnd type="none" w="med" len="med"/>
+                      <a:tailEnd type="none" w="med" len="med"/>
+                    </a:lnT>
+                    <a:lnB w="12700" cap="flat" cmpd="sng" algn="ctr">
+                      <a:solidFill>
+                        <a:schemeClr val="tx1"/>
+                      </a:solidFill>
+                      <a:prstDash val="solid"/>
+                      <a:round/>
+                      <a:headEnd type="none" w="med" len="med"/>
+                      <a:tailEnd type="none" w="med" len="med"/>
+                    </a:lnB>
+                    <a:noFill/>
+                  </a:tcPr>
+                </a:tc>
+                <a:tc>
+                  <a:txBody>
+                    <a:bodyPr/>
+                    <a:lstStyle/>
+                    <a:p>
+                      <a:pPr algn="ctr"/>
+                      <a:r>
+                        <a:rPr lang="en-US" dirty="0">
+                          <a:solidFill>
+                            <a:schemeClr val="tx1"/>
+                          </a:solidFill>
+                          <a:latin typeface="Times New Roman" panose="02020603050405020304" pitchFamily="18" charset="0"/>
+                          <a:cs typeface="Times New Roman" panose="02020603050405020304" pitchFamily="18" charset="0"/>
+                        </a:rPr>
+                        <a:t>Green</a:t>
+                      </a:r>
+                    </a:p>
+                  </a:txBody>
+                  <a:tcPr>
+                    <a:lnL w="12700" cap="flat" cmpd="sng" algn="ctr">
+                      <a:solidFill>
+                        <a:schemeClr val="tx1"/>
+                      </a:solidFill>
+                      <a:prstDash val="solid"/>
+                      <a:round/>
+                      <a:headEnd type="none" w="med" len="med"/>
+                      <a:tailEnd type="none" w="med" len="med"/>
+                    </a:lnL>
+                    <a:lnR w="12700" cap="flat" cmpd="sng" algn="ctr">
+                      <a:solidFill>
+                        <a:schemeClr val="tx1"/>
+                      </a:solidFill>
+                      <a:prstDash val="solid"/>
+                      <a:round/>
+                      <a:headEnd type="none" w="med" len="med"/>
+                      <a:tailEnd type="none" w="med" len="med"/>
+                    </a:lnR>
+                    <a:lnT w="12700" cap="flat" cmpd="sng" algn="ctr">
+                      <a:solidFill>
+                        <a:schemeClr val="tx1"/>
+                      </a:solidFill>
+                      <a:prstDash val="solid"/>
+                      <a:round/>
+                      <a:headEnd type="none" w="med" len="med"/>
+                      <a:tailEnd type="none" w="med" len="med"/>
+                    </a:lnT>
+                    <a:lnB w="12700" cap="flat" cmpd="sng" algn="ctr">
+                      <a:solidFill>
+                        <a:schemeClr val="tx1"/>
+                      </a:solidFill>
+                      <a:prstDash val="solid"/>
+                      <a:round/>
+                      <a:headEnd type="none" w="med" len="med"/>
+                      <a:tailEnd type="none" w="med" len="med"/>
+                    </a:lnB>
+                    <a:solidFill>
+                      <a:srgbClr val="00B050"/>
+                    </a:solidFill>
+                  </a:tcPr>
+                </a:tc>
+                <a:tc>
+                  <a:txBody>
+                    <a:bodyPr/>
+                    <a:lstStyle/>
+                    <a:p>
+                      <a:pPr algn="ctr"/>
+                      <a:r>
+                        <a:rPr lang="en-US" dirty="0">
+                          <a:solidFill>
+                            <a:schemeClr val="tx1"/>
+                          </a:solidFill>
+                          <a:latin typeface="Times New Roman" panose="02020603050405020304" pitchFamily="18" charset="0"/>
+                          <a:cs typeface="Times New Roman" panose="02020603050405020304" pitchFamily="18" charset="0"/>
+                        </a:rPr>
+                        <a:t>Yellow</a:t>
+                      </a:r>
+                    </a:p>
+                  </a:txBody>
+                  <a:tcPr>
+                    <a:lnL w="12700" cap="flat" cmpd="sng" algn="ctr">
+                      <a:solidFill>
+                        <a:schemeClr val="tx1"/>
+                      </a:solidFill>
+                      <a:prstDash val="solid"/>
+                      <a:round/>
+                      <a:headEnd type="none" w="med" len="med"/>
+                      <a:tailEnd type="none" w="med" len="med"/>
+                    </a:lnL>
+                    <a:lnR w="12700" cap="flat" cmpd="sng" algn="ctr">
+                      <a:solidFill>
+                        <a:schemeClr val="tx1"/>
+                      </a:solidFill>
+                      <a:prstDash val="solid"/>
+                      <a:round/>
+                      <a:headEnd type="none" w="med" len="med"/>
+                      <a:tailEnd type="none" w="med" len="med"/>
+                    </a:lnR>
+                    <a:lnT w="12700" cap="flat" cmpd="sng" algn="ctr">
+                      <a:solidFill>
+                        <a:schemeClr val="tx1"/>
+                      </a:solidFill>
+                      <a:prstDash val="solid"/>
+                      <a:round/>
+                      <a:headEnd type="none" w="med" len="med"/>
+                      <a:tailEnd type="none" w="med" len="med"/>
+                    </a:lnT>
+                    <a:lnB w="12700" cap="flat" cmpd="sng" algn="ctr">
+                      <a:solidFill>
+                        <a:schemeClr val="tx1"/>
+                      </a:solidFill>
+                      <a:prstDash val="solid"/>
+                      <a:round/>
+                      <a:headEnd type="none" w="med" len="med"/>
+                      <a:tailEnd type="none" w="med" len="med"/>
+                    </a:lnB>
+                    <a:solidFill>
+                      <a:srgbClr val="FFFF00"/>
+                    </a:solidFill>
+                  </a:tcPr>
+                </a:tc>
+                <a:tc>
+                  <a:txBody>
+                    <a:bodyPr/>
+                    <a:lstStyle/>
+                    <a:p>
+                      <a:pPr algn="ctr"/>
+                      <a:r>
+                        <a:rPr lang="en-US" dirty="0">
+                          <a:solidFill>
+                            <a:schemeClr val="tx1"/>
+                          </a:solidFill>
+                          <a:latin typeface="Times New Roman" panose="02020603050405020304" pitchFamily="18" charset="0"/>
+                          <a:cs typeface="Times New Roman" panose="02020603050405020304" pitchFamily="18" charset="0"/>
+                        </a:rPr>
+                        <a:t>Yellow</a:t>
+                      </a:r>
+                    </a:p>
+                  </a:txBody>
+                  <a:tcPr>
+                    <a:lnL w="12700" cap="flat" cmpd="sng" algn="ctr">
+                      <a:solidFill>
+                        <a:schemeClr val="tx1"/>
+                      </a:solidFill>
+                      <a:prstDash val="solid"/>
+                      <a:round/>
+                      <a:headEnd type="none" w="med" len="med"/>
+                      <a:tailEnd type="none" w="med" len="med"/>
+                    </a:lnL>
+                    <a:lnR w="12700" cap="flat" cmpd="sng" algn="ctr">
+                      <a:solidFill>
+                        <a:schemeClr val="tx1"/>
+                      </a:solidFill>
+                      <a:prstDash val="solid"/>
+                      <a:round/>
+                      <a:headEnd type="none" w="med" len="med"/>
+                      <a:tailEnd type="none" w="med" len="med"/>
+                    </a:lnR>
+                    <a:lnT w="12700" cap="flat" cmpd="sng" algn="ctr">
+                      <a:solidFill>
+                        <a:schemeClr val="tx1"/>
+                      </a:solidFill>
+                      <a:prstDash val="solid"/>
+                      <a:round/>
+                      <a:headEnd type="none" w="med" len="med"/>
+                      <a:tailEnd type="none" w="med" len="med"/>
+                    </a:lnT>
+                    <a:lnB w="12700" cap="flat" cmpd="sng" algn="ctr">
+                      <a:solidFill>
+                        <a:schemeClr val="tx1"/>
+                      </a:solidFill>
+                      <a:prstDash val="solid"/>
+                      <a:round/>
+                      <a:headEnd type="none" w="med" len="med"/>
+                      <a:tailEnd type="none" w="med" len="med"/>
+                    </a:lnB>
+                    <a:solidFill>
+                      <a:srgbClr val="FFFF00"/>
+                    </a:solidFill>
+                  </a:tcPr>
+                </a:tc>
+                <a:tc>
+                  <a:txBody>
+                    <a:bodyPr/>
+                    <a:lstStyle/>
+                    <a:p>
+                      <a:pPr algn="ctr"/>
+                      <a:r>
+                        <a:rPr lang="en-US" dirty="0">
+                          <a:solidFill>
+                            <a:schemeClr val="tx1"/>
+                          </a:solidFill>
+                          <a:latin typeface="Times New Roman" panose="02020603050405020304" pitchFamily="18" charset="0"/>
+                          <a:cs typeface="Times New Roman" panose="02020603050405020304" pitchFamily="18" charset="0"/>
+                        </a:rPr>
+                        <a:t>Yellow</a:t>
+                      </a:r>
+                    </a:p>
+                  </a:txBody>
+                  <a:tcPr>
+                    <a:lnL w="12700" cap="flat" cmpd="sng" algn="ctr">
+                      <a:solidFill>
+                        <a:schemeClr val="tx1"/>
+                      </a:solidFill>
+                      <a:prstDash val="solid"/>
+                      <a:round/>
+                      <a:headEnd type="none" w="med" len="med"/>
+                      <a:tailEnd type="none" w="med" len="med"/>
+                    </a:lnL>
+                    <a:lnR w="12700" cap="flat" cmpd="sng" algn="ctr">
+                      <a:solidFill>
+                        <a:schemeClr val="tx1"/>
+                      </a:solidFill>
+                      <a:prstDash val="solid"/>
+                      <a:round/>
+                      <a:headEnd type="none" w="med" len="med"/>
+                      <a:tailEnd type="none" w="med" len="med"/>
+                    </a:lnR>
+                    <a:lnT w="12700" cap="flat" cmpd="sng" algn="ctr">
+                      <a:solidFill>
+                        <a:schemeClr val="tx1"/>
+                      </a:solidFill>
+                      <a:prstDash val="solid"/>
+                      <a:round/>
+                      <a:headEnd type="none" w="med" len="med"/>
+                      <a:tailEnd type="none" w="med" len="med"/>
+                    </a:lnT>
+                    <a:lnB w="12700" cap="flat" cmpd="sng" algn="ctr">
+                      <a:solidFill>
+                        <a:schemeClr val="tx1"/>
+                      </a:solidFill>
+                      <a:prstDash val="solid"/>
+                      <a:round/>
+                      <a:headEnd type="none" w="med" len="med"/>
+                      <a:tailEnd type="none" w="med" len="med"/>
+                    </a:lnB>
+                    <a:solidFill>
+                      <a:srgbClr val="FFFF00"/>
+                    </a:solidFill>
+                  </a:tcPr>
+                </a:tc>
+                <a:extLst>
+                  <a:ext uri="{0D108BD9-81ED-4DB2-BD59-A6C34878D82A}">
+                    <a16:rowId xmlns:a16="http://schemas.microsoft.com/office/drawing/2014/main" val="1242600548"/>
+                  </a:ext>
+                </a:extLst>
+              </a:tr>
+              <a:tr h="370840">
+                <a:tc>
+                  <a:txBody>
+                    <a:bodyPr/>
+                    <a:lstStyle/>
+                    <a:p>
+                      <a:pPr algn="ctr"/>
+                      <a:r>
+                        <a:rPr lang="en-US" dirty="0">
+                          <a:solidFill>
+                            <a:schemeClr val="tx1"/>
+                          </a:solidFill>
+                          <a:latin typeface="Times New Roman" panose="02020603050405020304" pitchFamily="18" charset="0"/>
+                          <a:cs typeface="Times New Roman" panose="02020603050405020304" pitchFamily="18" charset="0"/>
+                        </a:rPr>
+                        <a:t>1</a:t>
+                      </a:r>
+                    </a:p>
+                  </a:txBody>
+                  <a:tcPr>
+                    <a:lnL w="12700" cap="flat" cmpd="sng" algn="ctr">
+                      <a:solidFill>
+                        <a:schemeClr val="tx1"/>
+                      </a:solidFill>
+                      <a:prstDash val="solid"/>
+                      <a:round/>
+                      <a:headEnd type="none" w="med" len="med"/>
+                      <a:tailEnd type="none" w="med" len="med"/>
+                    </a:lnL>
+                    <a:lnR w="12700" cap="flat" cmpd="sng" algn="ctr">
+                      <a:solidFill>
+                        <a:schemeClr val="tx1"/>
+                      </a:solidFill>
+                      <a:prstDash val="solid"/>
+                      <a:round/>
+                      <a:headEnd type="none" w="med" len="med"/>
+                      <a:tailEnd type="none" w="med" len="med"/>
+                    </a:lnR>
+                    <a:lnT w="12700" cap="flat" cmpd="sng" algn="ctr">
+                      <a:solidFill>
+                        <a:schemeClr val="tx1"/>
+                      </a:solidFill>
+                      <a:prstDash val="solid"/>
+                      <a:round/>
+                      <a:headEnd type="none" w="med" len="med"/>
+                      <a:tailEnd type="none" w="med" len="med"/>
+                    </a:lnT>
+                    <a:lnB w="12700" cap="flat" cmpd="sng" algn="ctr">
+                      <a:solidFill>
+                        <a:schemeClr val="tx1"/>
+                      </a:solidFill>
+                      <a:prstDash val="solid"/>
+                      <a:round/>
+                      <a:headEnd type="none" w="med" len="med"/>
+                      <a:tailEnd type="none" w="med" len="med"/>
+                    </a:lnB>
+                    <a:noFill/>
+                  </a:tcPr>
+                </a:tc>
+                <a:tc>
+                  <a:txBody>
+                    <a:bodyPr/>
+                    <a:lstStyle/>
+                    <a:p>
+                      <a:pPr algn="ctr"/>
+                      <a:r>
+                        <a:rPr lang="en-US" dirty="0">
+                          <a:solidFill>
+                            <a:schemeClr val="tx1"/>
+                          </a:solidFill>
+                          <a:latin typeface="Times New Roman" panose="02020603050405020304" pitchFamily="18" charset="0"/>
+                          <a:cs typeface="Times New Roman" panose="02020603050405020304" pitchFamily="18" charset="0"/>
+                        </a:rPr>
+                        <a:t>Yellow</a:t>
+                      </a:r>
+                    </a:p>
+                  </a:txBody>
+                  <a:tcPr>
+                    <a:lnL w="12700" cap="flat" cmpd="sng" algn="ctr">
+                      <a:solidFill>
+                        <a:schemeClr val="tx1"/>
+                      </a:solidFill>
+                      <a:prstDash val="solid"/>
+                      <a:round/>
+                      <a:headEnd type="none" w="med" len="med"/>
+                      <a:tailEnd type="none" w="med" len="med"/>
+                    </a:lnL>
+                    <a:lnR w="12700" cap="flat" cmpd="sng" algn="ctr">
+                      <a:solidFill>
+                        <a:schemeClr val="tx1"/>
+                      </a:solidFill>
+                      <a:prstDash val="solid"/>
+                      <a:round/>
+                      <a:headEnd type="none" w="med" len="med"/>
+                      <a:tailEnd type="none" w="med" len="med"/>
+                    </a:lnR>
+                    <a:lnT w="12700" cap="flat" cmpd="sng" algn="ctr">
+                      <a:solidFill>
+                        <a:schemeClr val="tx1"/>
+                      </a:solidFill>
+                      <a:prstDash val="solid"/>
+                      <a:round/>
+                      <a:headEnd type="none" w="med" len="med"/>
+                      <a:tailEnd type="none" w="med" len="med"/>
+                    </a:lnT>
+                    <a:lnB w="12700" cap="flat" cmpd="sng" algn="ctr">
+                      <a:solidFill>
+                        <a:schemeClr val="tx1"/>
+                      </a:solidFill>
+                      <a:prstDash val="solid"/>
+                      <a:round/>
+                      <a:headEnd type="none" w="med" len="med"/>
+                      <a:tailEnd type="none" w="med" len="med"/>
+                    </a:lnB>
+                    <a:solidFill>
+                      <a:srgbClr val="FFFF00"/>
+                    </a:solidFill>
+                  </a:tcPr>
+                </a:tc>
+                <a:tc>
+                  <a:txBody>
+                    <a:bodyPr/>
+                    <a:lstStyle/>
+                    <a:p>
+                      <a:pPr algn="ctr"/>
+                      <a:r>
+                        <a:rPr lang="en-US" dirty="0">
+                          <a:solidFill>
+                            <a:schemeClr val="tx1"/>
+                          </a:solidFill>
+                          <a:latin typeface="Times New Roman" panose="02020603050405020304" pitchFamily="18" charset="0"/>
+                          <a:cs typeface="Times New Roman" panose="02020603050405020304" pitchFamily="18" charset="0"/>
+                        </a:rPr>
+                        <a:t>Yellow</a:t>
+                      </a:r>
+                    </a:p>
+                  </a:txBody>
+                  <a:tcPr>
+                    <a:lnL w="12700" cap="flat" cmpd="sng" algn="ctr">
+                      <a:solidFill>
+                        <a:schemeClr val="tx1"/>
+                      </a:solidFill>
+                      <a:prstDash val="solid"/>
+                      <a:round/>
+                      <a:headEnd type="none" w="med" len="med"/>
+                      <a:tailEnd type="none" w="med" len="med"/>
+                    </a:lnL>
+                    <a:lnR w="12700" cap="flat" cmpd="sng" algn="ctr">
+                      <a:solidFill>
+                        <a:schemeClr val="tx1"/>
+                      </a:solidFill>
+                      <a:prstDash val="solid"/>
+                      <a:round/>
+                      <a:headEnd type="none" w="med" len="med"/>
+                      <a:tailEnd type="none" w="med" len="med"/>
+                    </a:lnR>
+                    <a:lnT w="12700" cap="flat" cmpd="sng" algn="ctr">
+                      <a:solidFill>
+                        <a:schemeClr val="tx1"/>
+                      </a:solidFill>
+                      <a:prstDash val="solid"/>
+                      <a:round/>
+                      <a:headEnd type="none" w="med" len="med"/>
+                      <a:tailEnd type="none" w="med" len="med"/>
+                    </a:lnT>
+                    <a:lnB w="12700" cap="flat" cmpd="sng" algn="ctr">
+                      <a:solidFill>
+                        <a:schemeClr val="tx1"/>
+                      </a:solidFill>
+                      <a:prstDash val="solid"/>
+                      <a:round/>
+                      <a:headEnd type="none" w="med" len="med"/>
+                      <a:tailEnd type="none" w="med" len="med"/>
+                    </a:lnB>
+                    <a:solidFill>
+                      <a:srgbClr val="FFFF00"/>
+                    </a:solidFill>
+                  </a:tcPr>
+                </a:tc>
+                <a:tc>
+                  <a:txBody>
+                    <a:bodyPr/>
+                    <a:lstStyle/>
+                    <a:p>
+                      <a:pPr algn="ctr"/>
+                      <a:r>
+                        <a:rPr lang="en-US" dirty="0">
+                          <a:solidFill>
+                            <a:schemeClr val="tx1"/>
+                          </a:solidFill>
+                          <a:latin typeface="Times New Roman" panose="02020603050405020304" pitchFamily="18" charset="0"/>
+                          <a:cs typeface="Times New Roman" panose="02020603050405020304" pitchFamily="18" charset="0"/>
+                        </a:rPr>
+                        <a:t>Yellow</a:t>
+                      </a:r>
+                    </a:p>
+                  </a:txBody>
+                  <a:tcPr>
+                    <a:lnL w="12700" cap="flat" cmpd="sng" algn="ctr">
+                      <a:solidFill>
+                        <a:schemeClr val="tx1"/>
+                      </a:solidFill>
+                      <a:prstDash val="solid"/>
+                      <a:round/>
+                      <a:headEnd type="none" w="med" len="med"/>
+                      <a:tailEnd type="none" w="med" len="med"/>
+                    </a:lnL>
+                    <a:lnR w="12700" cap="flat" cmpd="sng" algn="ctr">
+                      <a:solidFill>
+                        <a:schemeClr val="tx1"/>
+                      </a:solidFill>
+                      <a:prstDash val="solid"/>
+                      <a:round/>
+                      <a:headEnd type="none" w="med" len="med"/>
+                      <a:tailEnd type="none" w="med" len="med"/>
+                    </a:lnR>
+                    <a:lnT w="12700" cap="flat" cmpd="sng" algn="ctr">
+                      <a:solidFill>
+                        <a:schemeClr val="tx1"/>
+                      </a:solidFill>
+                      <a:prstDash val="solid"/>
+                      <a:round/>
+                      <a:headEnd type="none" w="med" len="med"/>
+                      <a:tailEnd type="none" w="med" len="med"/>
+                    </a:lnT>
+                    <a:lnB w="12700" cap="flat" cmpd="sng" algn="ctr">
+                      <a:solidFill>
+                        <a:schemeClr val="tx1"/>
+                      </a:solidFill>
+                      <a:prstDash val="solid"/>
+                      <a:round/>
+                      <a:headEnd type="none" w="med" len="med"/>
+                      <a:tailEnd type="none" w="med" len="med"/>
+                    </a:lnB>
+                    <a:solidFill>
+                      <a:srgbClr val="FFFF00"/>
+                    </a:solidFill>
+                  </a:tcPr>
+                </a:tc>
+                <a:tc>
+                  <a:txBody>
+                    <a:bodyPr/>
+                    <a:lstStyle/>
+                    <a:p>
+                      <a:pPr algn="ctr"/>
+                      <a:r>
+                        <a:rPr lang="en-US" dirty="0">
+                          <a:solidFill>
+                            <a:schemeClr val="tx1"/>
+                          </a:solidFill>
+                          <a:latin typeface="Times New Roman" panose="02020603050405020304" pitchFamily="18" charset="0"/>
+                          <a:cs typeface="Times New Roman" panose="02020603050405020304" pitchFamily="18" charset="0"/>
+                        </a:rPr>
+                        <a:t>Red</a:t>
+                      </a:r>
+                    </a:p>
+                  </a:txBody>
+                  <a:tcPr>
+                    <a:lnL w="12700" cap="flat" cmpd="sng" algn="ctr">
+                      <a:solidFill>
+                        <a:schemeClr val="tx1"/>
+                      </a:solidFill>
+                      <a:prstDash val="solid"/>
+                      <a:round/>
+                      <a:headEnd type="none" w="med" len="med"/>
+                      <a:tailEnd type="none" w="med" len="med"/>
+                    </a:lnL>
+                    <a:lnR w="12700" cap="flat" cmpd="sng" algn="ctr">
+                      <a:solidFill>
+                        <a:schemeClr val="tx1"/>
+                      </a:solidFill>
+                      <a:prstDash val="solid"/>
+                      <a:round/>
+                      <a:headEnd type="none" w="med" len="med"/>
+                      <a:tailEnd type="none" w="med" len="med"/>
+                    </a:lnR>
+                    <a:lnT w="12700" cap="flat" cmpd="sng" algn="ctr">
+                      <a:solidFill>
+                        <a:schemeClr val="tx1"/>
+                      </a:solidFill>
+                      <a:prstDash val="solid"/>
+                      <a:round/>
+                      <a:headEnd type="none" w="med" len="med"/>
+                      <a:tailEnd type="none" w="med" len="med"/>
+                    </a:lnT>
+                    <a:lnB w="12700" cap="flat" cmpd="sng" algn="ctr">
+                      <a:solidFill>
+                        <a:schemeClr val="tx1"/>
+                      </a:solidFill>
+                      <a:prstDash val="solid"/>
+                      <a:round/>
+                      <a:headEnd type="none" w="med" len="med"/>
+                      <a:tailEnd type="none" w="med" len="med"/>
+                    </a:lnB>
+                    <a:solidFill>
+                      <a:srgbClr val="FF0000"/>
+                    </a:solidFill>
+                  </a:tcPr>
+                </a:tc>
+                <a:extLst>
+                  <a:ext uri="{0D108BD9-81ED-4DB2-BD59-A6C34878D82A}">
+                    <a16:rowId xmlns:a16="http://schemas.microsoft.com/office/drawing/2014/main" val="872763259"/>
+                  </a:ext>
+                </a:extLst>
+              </a:tr>
+              <a:tr h="185420">
+                <a:tc>
+                  <a:txBody>
+                    <a:bodyPr/>
+                    <a:lstStyle/>
+                    <a:p>
+                      <a:pPr algn="ctr"/>
+                      <a:r>
+                        <a:rPr lang="en-US" dirty="0">
+                          <a:solidFill>
+                            <a:schemeClr val="tx1"/>
+                          </a:solidFill>
+                          <a:latin typeface="Times New Roman" panose="02020603050405020304" pitchFamily="18" charset="0"/>
+                          <a:cs typeface="Times New Roman" panose="02020603050405020304" pitchFamily="18" charset="0"/>
+                        </a:rPr>
+                        <a:t>2</a:t>
+                      </a:r>
+                    </a:p>
+                  </a:txBody>
+                  <a:tcPr>
+                    <a:lnL w="12700" cap="flat" cmpd="sng" algn="ctr">
+                      <a:solidFill>
+                        <a:schemeClr val="tx1"/>
+                      </a:solidFill>
+                      <a:prstDash val="solid"/>
+                      <a:round/>
+                      <a:headEnd type="none" w="med" len="med"/>
+                      <a:tailEnd type="none" w="med" len="med"/>
+                    </a:lnL>
+                    <a:lnR w="12700" cap="flat" cmpd="sng" algn="ctr">
+                      <a:solidFill>
+                        <a:schemeClr val="tx1"/>
+                      </a:solidFill>
+                      <a:prstDash val="solid"/>
+                      <a:round/>
+                      <a:headEnd type="none" w="med" len="med"/>
+                      <a:tailEnd type="none" w="med" len="med"/>
+                    </a:lnR>
+                    <a:lnT w="12700" cap="flat" cmpd="sng" algn="ctr">
+                      <a:solidFill>
+                        <a:schemeClr val="tx1"/>
+                      </a:solidFill>
+                      <a:prstDash val="solid"/>
+                      <a:round/>
+                      <a:headEnd type="none" w="med" len="med"/>
+                      <a:tailEnd type="none" w="med" len="med"/>
+                    </a:lnT>
+                    <a:lnB w="12700" cap="flat" cmpd="sng" algn="ctr">
+                      <a:solidFill>
+                        <a:schemeClr val="tx1"/>
+                      </a:solidFill>
+                      <a:prstDash val="solid"/>
+                      <a:round/>
+                      <a:headEnd type="none" w="med" len="med"/>
+                      <a:tailEnd type="none" w="med" len="med"/>
+                    </a:lnB>
+                    <a:lnTlToBr w="12700" cmpd="sng">
+                      <a:noFill/>
+                      <a:prstDash val="solid"/>
+                    </a:lnTlToBr>
+                    <a:lnBlToTr w="12700" cmpd="sng">
+                      <a:noFill/>
+                      <a:prstDash val="solid"/>
+                    </a:lnBlToTr>
+                    <a:noFill/>
+                  </a:tcPr>
+                </a:tc>
+                <a:tc>
+                  <a:txBody>
+                    <a:bodyPr/>
+                    <a:lstStyle/>
+                    <a:p>
+                      <a:pPr marL="0" marR="0" lvl="0" indent="0" algn="ctr" defTabSz="914400" rtl="0" eaLnBrk="1" fontAlgn="auto" latinLnBrk="0" hangingPunct="1">
+                        <a:lnSpc>
+                          <a:spcPct val="100000"/>
+                        </a:lnSpc>
+                        <a:spcBef>
+                          <a:spcPts val="0"/>
+                        </a:spcBef>
+                        <a:spcAft>
+                          <a:spcPts val="0"/>
+                        </a:spcAft>
+                        <a:buClrTx/>
+                        <a:buSzTx/>
+                        <a:buFontTx/>
+                        <a:buNone/>
+                        <a:tabLst/>
+                        <a:defRPr/>
+                      </a:pPr>
+                      <a:r>
+                        <a:rPr lang="en-US" dirty="0">
+                          <a:solidFill>
+                            <a:schemeClr val="tx1"/>
+                          </a:solidFill>
+                          <a:latin typeface="Times New Roman" panose="02020603050405020304" pitchFamily="18" charset="0"/>
+                          <a:cs typeface="Times New Roman" panose="02020603050405020304" pitchFamily="18" charset="0"/>
+                        </a:rPr>
+                        <a:t>Yellow</a:t>
+                      </a:r>
+                    </a:p>
+                  </a:txBody>
+                  <a:tcPr>
+                    <a:lnL w="12700" cap="flat" cmpd="sng" algn="ctr">
+                      <a:solidFill>
+                        <a:schemeClr val="tx1"/>
+                      </a:solidFill>
+                      <a:prstDash val="solid"/>
+                      <a:round/>
+                      <a:headEnd type="none" w="med" len="med"/>
+                      <a:tailEnd type="none" w="med" len="med"/>
+                    </a:lnL>
+                    <a:lnR w="12700" cap="flat" cmpd="sng" algn="ctr">
+                      <a:solidFill>
+                        <a:schemeClr val="tx1"/>
+                      </a:solidFill>
+                      <a:prstDash val="solid"/>
+                      <a:round/>
+                      <a:headEnd type="none" w="med" len="med"/>
+                      <a:tailEnd type="none" w="med" len="med"/>
+                    </a:lnR>
+                    <a:lnT w="12700" cap="flat" cmpd="sng" algn="ctr">
+                      <a:solidFill>
+                        <a:schemeClr val="tx1"/>
+                      </a:solidFill>
+                      <a:prstDash val="solid"/>
+                      <a:round/>
+                      <a:headEnd type="none" w="med" len="med"/>
+                      <a:tailEnd type="none" w="med" len="med"/>
+                    </a:lnT>
+                    <a:lnB w="12700" cap="flat" cmpd="sng" algn="ctr">
+                      <a:solidFill>
+                        <a:schemeClr val="tx1"/>
+                      </a:solidFill>
+                      <a:prstDash val="solid"/>
+                      <a:round/>
+                      <a:headEnd type="none" w="med" len="med"/>
+                      <a:tailEnd type="none" w="med" len="med"/>
+                    </a:lnB>
+                    <a:lnTlToBr w="12700" cmpd="sng">
+                      <a:noFill/>
+                      <a:prstDash val="solid"/>
+                    </a:lnTlToBr>
+                    <a:lnBlToTr w="12700" cmpd="sng">
+                      <a:noFill/>
+                      <a:prstDash val="solid"/>
+                    </a:lnBlToTr>
+                    <a:solidFill>
+                      <a:srgbClr val="FFFF00"/>
+                    </a:solidFill>
+                  </a:tcPr>
+                </a:tc>
+                <a:tc>
+                  <a:txBody>
+                    <a:bodyPr/>
+                    <a:lstStyle/>
+                    <a:p>
+                      <a:pPr algn="ctr"/>
+                      <a:r>
+                        <a:rPr lang="en-US" dirty="0">
+                          <a:solidFill>
+                            <a:schemeClr val="tx1"/>
+                          </a:solidFill>
+                          <a:latin typeface="Times New Roman" panose="02020603050405020304" pitchFamily="18" charset="0"/>
+                          <a:cs typeface="Times New Roman" panose="02020603050405020304" pitchFamily="18" charset="0"/>
+                        </a:rPr>
+                        <a:t>Yellow</a:t>
+                      </a:r>
+                    </a:p>
+                  </a:txBody>
+                  <a:tcPr>
+                    <a:lnL w="12700" cap="flat" cmpd="sng" algn="ctr">
+                      <a:solidFill>
+                        <a:schemeClr val="tx1"/>
+                      </a:solidFill>
+                      <a:prstDash val="solid"/>
+                      <a:round/>
+                      <a:headEnd type="none" w="med" len="med"/>
+                      <a:tailEnd type="none" w="med" len="med"/>
+                    </a:lnL>
+                    <a:lnR w="12700" cap="flat" cmpd="sng" algn="ctr">
+                      <a:solidFill>
+                        <a:schemeClr val="tx1"/>
+                      </a:solidFill>
+                      <a:prstDash val="solid"/>
+                      <a:round/>
+                      <a:headEnd type="none" w="med" len="med"/>
+                      <a:tailEnd type="none" w="med" len="med"/>
+                    </a:lnR>
+                    <a:lnT w="12700" cap="flat" cmpd="sng" algn="ctr">
+                      <a:solidFill>
+                        <a:schemeClr val="tx1"/>
+                      </a:solidFill>
+                      <a:prstDash val="solid"/>
+                      <a:round/>
+                      <a:headEnd type="none" w="med" len="med"/>
+                      <a:tailEnd type="none" w="med" len="med"/>
+                    </a:lnT>
+                    <a:lnB w="12700" cap="flat" cmpd="sng" algn="ctr">
+                      <a:solidFill>
+                        <a:schemeClr val="tx1"/>
+                      </a:solidFill>
+                      <a:prstDash val="solid"/>
+                      <a:round/>
+                      <a:headEnd type="none" w="med" len="med"/>
+                      <a:tailEnd type="none" w="med" len="med"/>
+                    </a:lnB>
+                    <a:lnTlToBr w="12700" cmpd="sng">
+                      <a:noFill/>
+                      <a:prstDash val="solid"/>
+                    </a:lnTlToBr>
+                    <a:lnBlToTr w="12700" cmpd="sng">
+                      <a:noFill/>
+                      <a:prstDash val="solid"/>
+                    </a:lnBlToTr>
+                    <a:solidFill>
+                      <a:srgbClr val="FFFF00"/>
+                    </a:solidFill>
+                  </a:tcPr>
+                </a:tc>
+                <a:tc>
+                  <a:txBody>
+                    <a:bodyPr/>
+                    <a:lstStyle/>
+                    <a:p>
+                      <a:pPr algn="ctr"/>
+                      <a:r>
+                        <a:rPr lang="en-US" dirty="0">
+                          <a:solidFill>
+                            <a:schemeClr val="tx1"/>
+                          </a:solidFill>
+                          <a:latin typeface="Times New Roman" panose="02020603050405020304" pitchFamily="18" charset="0"/>
+                          <a:cs typeface="Times New Roman" panose="02020603050405020304" pitchFamily="18" charset="0"/>
+                        </a:rPr>
+                        <a:t>Red</a:t>
+                      </a:r>
+                    </a:p>
+                  </a:txBody>
+                  <a:tcPr>
+                    <a:lnL w="12700" cap="flat" cmpd="sng" algn="ctr">
+                      <a:solidFill>
+                        <a:schemeClr val="tx1"/>
+                      </a:solidFill>
+                      <a:prstDash val="solid"/>
+                      <a:round/>
+                      <a:headEnd type="none" w="med" len="med"/>
+                      <a:tailEnd type="none" w="med" len="med"/>
+                    </a:lnL>
+                    <a:lnR w="12700" cap="flat" cmpd="sng" algn="ctr">
+                      <a:solidFill>
+                        <a:schemeClr val="tx1"/>
+                      </a:solidFill>
+                      <a:prstDash val="solid"/>
+                      <a:round/>
+                      <a:headEnd type="none" w="med" len="med"/>
+                      <a:tailEnd type="none" w="med" len="med"/>
+                    </a:lnR>
+                    <a:lnT w="12700" cap="flat" cmpd="sng" algn="ctr">
+                      <a:solidFill>
+                        <a:schemeClr val="tx1"/>
+                      </a:solidFill>
+                      <a:prstDash val="solid"/>
+                      <a:round/>
+                      <a:headEnd type="none" w="med" len="med"/>
+                      <a:tailEnd type="none" w="med" len="med"/>
+                    </a:lnT>
+                    <a:lnB w="12700" cap="flat" cmpd="sng" algn="ctr">
+                      <a:solidFill>
+                        <a:schemeClr val="tx1"/>
+                      </a:solidFill>
+                      <a:prstDash val="solid"/>
+                      <a:round/>
+                      <a:headEnd type="none" w="med" len="med"/>
+                      <a:tailEnd type="none" w="med" len="med"/>
+                    </a:lnB>
+                    <a:lnTlToBr w="12700" cmpd="sng">
+                      <a:noFill/>
+                      <a:prstDash val="solid"/>
+                    </a:lnTlToBr>
+                    <a:lnBlToTr w="12700" cmpd="sng">
+                      <a:noFill/>
+                      <a:prstDash val="solid"/>
+                    </a:lnBlToTr>
+                    <a:solidFill>
+                      <a:srgbClr val="FF0000"/>
+                    </a:solidFill>
+                  </a:tcPr>
+                </a:tc>
+                <a:tc>
+                  <a:txBody>
+                    <a:bodyPr/>
+                    <a:lstStyle/>
+                    <a:p>
+                      <a:pPr algn="ctr"/>
+                      <a:r>
+                        <a:rPr lang="en-US" dirty="0">
+                          <a:solidFill>
+                            <a:schemeClr val="tx1"/>
+                          </a:solidFill>
+                          <a:latin typeface="Times New Roman" panose="02020603050405020304" pitchFamily="18" charset="0"/>
+                          <a:cs typeface="Times New Roman" panose="02020603050405020304" pitchFamily="18" charset="0"/>
+                        </a:rPr>
+                        <a:t>Red</a:t>
+                      </a:r>
+                    </a:p>
+                  </a:txBody>
+                  <a:tcPr>
+                    <a:lnL w="12700" cap="flat" cmpd="sng" algn="ctr">
+                      <a:solidFill>
+                        <a:schemeClr val="tx1"/>
+                      </a:solidFill>
+                      <a:prstDash val="solid"/>
+                      <a:round/>
+                      <a:headEnd type="none" w="med" len="med"/>
+                      <a:tailEnd type="none" w="med" len="med"/>
+                    </a:lnL>
+                    <a:lnR w="12700" cap="flat" cmpd="sng" algn="ctr">
+                      <a:solidFill>
+                        <a:schemeClr val="tx1"/>
+                      </a:solidFill>
+                      <a:prstDash val="solid"/>
+                      <a:round/>
+                      <a:headEnd type="none" w="med" len="med"/>
+                      <a:tailEnd type="none" w="med" len="med"/>
+                    </a:lnR>
+                    <a:lnT w="12700" cap="flat" cmpd="sng" algn="ctr">
+                      <a:solidFill>
+                        <a:schemeClr val="tx1"/>
+                      </a:solidFill>
+                      <a:prstDash val="solid"/>
+                      <a:round/>
+                      <a:headEnd type="none" w="med" len="med"/>
+                      <a:tailEnd type="none" w="med" len="med"/>
+                    </a:lnT>
+                    <a:lnB w="12700" cap="flat" cmpd="sng" algn="ctr">
+                      <a:solidFill>
+                        <a:schemeClr val="tx1"/>
+                      </a:solidFill>
+                      <a:prstDash val="solid"/>
+                      <a:round/>
+                      <a:headEnd type="none" w="med" len="med"/>
+                      <a:tailEnd type="none" w="med" len="med"/>
+                    </a:lnB>
+                    <a:lnTlToBr w="12700" cmpd="sng">
+                      <a:noFill/>
+                      <a:prstDash val="solid"/>
+                    </a:lnTlToBr>
+                    <a:lnBlToTr w="12700" cmpd="sng">
+                      <a:noFill/>
+                      <a:prstDash val="solid"/>
+                    </a:lnBlToTr>
+                    <a:solidFill>
+                      <a:srgbClr val="FF0000"/>
+                    </a:solidFill>
+                  </a:tcPr>
+                </a:tc>
+                <a:extLst>
+                  <a:ext uri="{0D108BD9-81ED-4DB2-BD59-A6C34878D82A}">
+                    <a16:rowId xmlns:a16="http://schemas.microsoft.com/office/drawing/2014/main" val="1198176204"/>
+                  </a:ext>
+                </a:extLst>
+              </a:tr>
+              <a:tr h="185420">
+                <a:tc>
+                  <a:txBody>
+                    <a:bodyPr/>
+                    <a:lstStyle/>
+                    <a:p>
+                      <a:pPr algn="ctr"/>
+                      <a:r>
+                        <a:rPr lang="en-US" dirty="0">
+                          <a:solidFill>
+                            <a:schemeClr val="tx1"/>
+                          </a:solidFill>
+                          <a:latin typeface="Times New Roman" panose="02020603050405020304" pitchFamily="18" charset="0"/>
+                          <a:cs typeface="Times New Roman" panose="02020603050405020304" pitchFamily="18" charset="0"/>
+                        </a:rPr>
+                        <a:t>3</a:t>
+                      </a:r>
+                    </a:p>
+                  </a:txBody>
+                  <a:tcPr>
+                    <a:lnL w="12700" cap="flat" cmpd="sng" algn="ctr">
+                      <a:solidFill>
+                        <a:schemeClr val="tx1"/>
+                      </a:solidFill>
+                      <a:prstDash val="solid"/>
+                      <a:round/>
+                      <a:headEnd type="none" w="med" len="med"/>
+                      <a:tailEnd type="none" w="med" len="med"/>
+                    </a:lnL>
+                    <a:lnR w="12700" cap="flat" cmpd="sng" algn="ctr">
+                      <a:solidFill>
+                        <a:schemeClr val="tx1"/>
+                      </a:solidFill>
+                      <a:prstDash val="solid"/>
+                      <a:round/>
+                      <a:headEnd type="none" w="med" len="med"/>
+                      <a:tailEnd type="none" w="med" len="med"/>
+                    </a:lnR>
+                    <a:lnT w="12700" cap="flat" cmpd="sng" algn="ctr">
+                      <a:solidFill>
+                        <a:schemeClr val="tx1"/>
+                      </a:solidFill>
+                      <a:prstDash val="solid"/>
+                      <a:round/>
+                      <a:headEnd type="none" w="med" len="med"/>
+                      <a:tailEnd type="none" w="med" len="med"/>
+                    </a:lnT>
+                    <a:lnB w="12700" cap="flat" cmpd="sng" algn="ctr">
+                      <a:solidFill>
+                        <a:schemeClr val="tx1"/>
+                      </a:solidFill>
+                      <a:prstDash val="solid"/>
+                      <a:round/>
+                      <a:headEnd type="none" w="med" len="med"/>
+                      <a:tailEnd type="none" w="med" len="med"/>
+                    </a:lnB>
+                    <a:noFill/>
+                  </a:tcPr>
+                </a:tc>
+                <a:tc>
+                  <a:txBody>
+                    <a:bodyPr/>
+                    <a:lstStyle/>
+                    <a:p>
+                      <a:pPr marL="0" marR="0" lvl="0" indent="0" algn="ctr" defTabSz="914400" rtl="0" eaLnBrk="1" fontAlgn="auto" latinLnBrk="0" hangingPunct="1">
+                        <a:lnSpc>
+                          <a:spcPct val="100000"/>
+                        </a:lnSpc>
+                        <a:spcBef>
+                          <a:spcPts val="0"/>
+                        </a:spcBef>
+                        <a:spcAft>
+                          <a:spcPts val="0"/>
+                        </a:spcAft>
+                        <a:buClrTx/>
+                        <a:buSzTx/>
+                        <a:buFontTx/>
+                        <a:buNone/>
+                        <a:tabLst/>
+                        <a:defRPr/>
+                      </a:pPr>
+                      <a:r>
+                        <a:rPr lang="en-US" dirty="0">
+                          <a:solidFill>
+                            <a:schemeClr val="tx1"/>
+                          </a:solidFill>
+                          <a:latin typeface="Times New Roman" panose="02020603050405020304" pitchFamily="18" charset="0"/>
+                          <a:cs typeface="Times New Roman" panose="02020603050405020304" pitchFamily="18" charset="0"/>
+                        </a:rPr>
+                        <a:t>Yellow</a:t>
+                      </a:r>
+                    </a:p>
+                  </a:txBody>
+                  <a:tcPr>
+                    <a:lnL w="12700" cap="flat" cmpd="sng" algn="ctr">
+                      <a:solidFill>
+                        <a:schemeClr val="tx1"/>
+                      </a:solidFill>
+                      <a:prstDash val="solid"/>
+                      <a:round/>
+                      <a:headEnd type="none" w="med" len="med"/>
+                      <a:tailEnd type="none" w="med" len="med"/>
+                    </a:lnL>
+                    <a:lnR w="12700" cap="flat" cmpd="sng" algn="ctr">
+                      <a:solidFill>
+                        <a:schemeClr val="tx1"/>
+                      </a:solidFill>
+                      <a:prstDash val="solid"/>
+                      <a:round/>
+                      <a:headEnd type="none" w="med" len="med"/>
+                      <a:tailEnd type="none" w="med" len="med"/>
+                    </a:lnR>
+                    <a:lnT w="12700" cap="flat" cmpd="sng" algn="ctr">
+                      <a:solidFill>
+                        <a:schemeClr val="tx1"/>
+                      </a:solidFill>
+                      <a:prstDash val="solid"/>
+                      <a:round/>
+                      <a:headEnd type="none" w="med" len="med"/>
+                      <a:tailEnd type="none" w="med" len="med"/>
+                    </a:lnT>
+                    <a:lnB w="12700" cap="flat" cmpd="sng" algn="ctr">
+                      <a:solidFill>
+                        <a:schemeClr val="tx1"/>
+                      </a:solidFill>
+                      <a:prstDash val="solid"/>
+                      <a:round/>
+                      <a:headEnd type="none" w="med" len="med"/>
+                      <a:tailEnd type="none" w="med" len="med"/>
+                    </a:lnB>
+                    <a:solidFill>
+                      <a:srgbClr val="FFFF00"/>
+                    </a:solidFill>
+                  </a:tcPr>
+                </a:tc>
+                <a:tc>
+                  <a:txBody>
+                    <a:bodyPr/>
+                    <a:lstStyle/>
+                    <a:p>
+                      <a:pPr algn="ctr"/>
+                      <a:r>
+                        <a:rPr lang="en-US" dirty="0">
+                          <a:solidFill>
+                            <a:schemeClr val="tx1"/>
+                          </a:solidFill>
+                          <a:latin typeface="Times New Roman" panose="02020603050405020304" pitchFamily="18" charset="0"/>
+                          <a:cs typeface="Times New Roman" panose="02020603050405020304" pitchFamily="18" charset="0"/>
+                        </a:rPr>
+                        <a:t>Red</a:t>
+                      </a:r>
+                    </a:p>
+                  </a:txBody>
+                  <a:tcPr>
+                    <a:lnL w="12700" cap="flat" cmpd="sng" algn="ctr">
+                      <a:solidFill>
+                        <a:schemeClr val="tx1"/>
+                      </a:solidFill>
+                      <a:prstDash val="solid"/>
+                      <a:round/>
+                      <a:headEnd type="none" w="med" len="med"/>
+                      <a:tailEnd type="none" w="med" len="med"/>
+                    </a:lnL>
+                    <a:lnR w="12700" cap="flat" cmpd="sng" algn="ctr">
+                      <a:solidFill>
+                        <a:schemeClr val="tx1"/>
+                      </a:solidFill>
+                      <a:prstDash val="solid"/>
+                      <a:round/>
+                      <a:headEnd type="none" w="med" len="med"/>
+                      <a:tailEnd type="none" w="med" len="med"/>
+                    </a:lnR>
+                    <a:lnT w="12700" cap="flat" cmpd="sng" algn="ctr">
+                      <a:solidFill>
+                        <a:schemeClr val="tx1"/>
+                      </a:solidFill>
+                      <a:prstDash val="solid"/>
+                      <a:round/>
+                      <a:headEnd type="none" w="med" len="med"/>
+                      <a:tailEnd type="none" w="med" len="med"/>
+                    </a:lnT>
+                    <a:lnB w="12700" cap="flat" cmpd="sng" algn="ctr">
+                      <a:solidFill>
+                        <a:schemeClr val="tx1"/>
+                      </a:solidFill>
+                      <a:prstDash val="solid"/>
+                      <a:round/>
+                      <a:headEnd type="none" w="med" len="med"/>
+                      <a:tailEnd type="none" w="med" len="med"/>
+                    </a:lnB>
+                    <a:solidFill>
+                      <a:srgbClr val="FF0000"/>
+                    </a:solidFill>
+                  </a:tcPr>
+                </a:tc>
+                <a:tc>
+                  <a:txBody>
+                    <a:bodyPr/>
+                    <a:lstStyle/>
+                    <a:p>
+                      <a:pPr algn="ctr"/>
+                      <a:r>
+                        <a:rPr lang="en-US" dirty="0">
+                          <a:solidFill>
+                            <a:schemeClr val="tx1"/>
+                          </a:solidFill>
+                          <a:latin typeface="Times New Roman" panose="02020603050405020304" pitchFamily="18" charset="0"/>
+                          <a:cs typeface="Times New Roman" panose="02020603050405020304" pitchFamily="18" charset="0"/>
+                        </a:rPr>
+                        <a:t>Red</a:t>
+                      </a:r>
+                    </a:p>
+                  </a:txBody>
+                  <a:tcPr>
+                    <a:lnL w="12700" cap="flat" cmpd="sng" algn="ctr">
+                      <a:solidFill>
+                        <a:schemeClr val="tx1"/>
+                      </a:solidFill>
+                      <a:prstDash val="solid"/>
+                      <a:round/>
+                      <a:headEnd type="none" w="med" len="med"/>
+                      <a:tailEnd type="none" w="med" len="med"/>
+                    </a:lnL>
+                    <a:lnR w="12700" cap="flat" cmpd="sng" algn="ctr">
+                      <a:solidFill>
+                        <a:schemeClr val="tx1"/>
+                      </a:solidFill>
+                      <a:prstDash val="solid"/>
+                      <a:round/>
+                      <a:headEnd type="none" w="med" len="med"/>
+                      <a:tailEnd type="none" w="med" len="med"/>
+                    </a:lnR>
+                    <a:lnT w="12700" cap="flat" cmpd="sng" algn="ctr">
+                      <a:solidFill>
+                        <a:schemeClr val="tx1"/>
+                      </a:solidFill>
+                      <a:prstDash val="solid"/>
+                      <a:round/>
+                      <a:headEnd type="none" w="med" len="med"/>
+                      <a:tailEnd type="none" w="med" len="med"/>
+                    </a:lnT>
+                    <a:lnB w="12700" cap="flat" cmpd="sng" algn="ctr">
+                      <a:solidFill>
+                        <a:schemeClr val="tx1"/>
+                      </a:solidFill>
+                      <a:prstDash val="solid"/>
+                      <a:round/>
+                      <a:headEnd type="none" w="med" len="med"/>
+                      <a:tailEnd type="none" w="med" len="med"/>
+                    </a:lnB>
+                    <a:solidFill>
+                      <a:srgbClr val="FF0000"/>
+                    </a:solidFill>
+                  </a:tcPr>
+                </a:tc>
+                <a:tc>
+                  <a:txBody>
+                    <a:bodyPr/>
+                    <a:lstStyle/>
+                    <a:p>
+                      <a:pPr algn="ctr"/>
+                      <a:r>
+                        <a:rPr lang="en-US" dirty="0">
+                          <a:solidFill>
+                            <a:schemeClr val="tx1"/>
+                          </a:solidFill>
+                          <a:latin typeface="Times New Roman" panose="02020603050405020304" pitchFamily="18" charset="0"/>
+                          <a:cs typeface="Times New Roman" panose="02020603050405020304" pitchFamily="18" charset="0"/>
+                        </a:rPr>
+                        <a:t>Red</a:t>
+                      </a:r>
+                    </a:p>
+                  </a:txBody>
+                  <a:tcPr>
+                    <a:lnL w="12700" cap="flat" cmpd="sng" algn="ctr">
+                      <a:solidFill>
+                        <a:schemeClr val="tx1"/>
+                      </a:solidFill>
+                      <a:prstDash val="solid"/>
+                      <a:round/>
+                      <a:headEnd type="none" w="med" len="med"/>
+                      <a:tailEnd type="none" w="med" len="med"/>
+                    </a:lnL>
+                    <a:lnR w="12700" cap="flat" cmpd="sng" algn="ctr">
+                      <a:solidFill>
+                        <a:schemeClr val="tx1"/>
+                      </a:solidFill>
+                      <a:prstDash val="solid"/>
+                      <a:round/>
+                      <a:headEnd type="none" w="med" len="med"/>
+                      <a:tailEnd type="none" w="med" len="med"/>
+                    </a:lnR>
+                    <a:lnT w="12700" cap="flat" cmpd="sng" algn="ctr">
+                      <a:solidFill>
+                        <a:schemeClr val="tx1"/>
+                      </a:solidFill>
+                      <a:prstDash val="solid"/>
+                      <a:round/>
+                      <a:headEnd type="none" w="med" len="med"/>
+                      <a:tailEnd type="none" w="med" len="med"/>
+                    </a:lnT>
+                    <a:lnB w="12700" cap="flat" cmpd="sng" algn="ctr">
+                      <a:solidFill>
+                        <a:schemeClr val="tx1"/>
+                      </a:solidFill>
+                      <a:prstDash val="solid"/>
+                      <a:round/>
+                      <a:headEnd type="none" w="med" len="med"/>
+                      <a:tailEnd type="none" w="med" len="med"/>
+                    </a:lnB>
+                    <a:solidFill>
+                      <a:srgbClr val="FF0000"/>
+                    </a:solidFill>
+                  </a:tcPr>
+                </a:tc>
+                <a:extLst>
+                  <a:ext uri="{0D108BD9-81ED-4DB2-BD59-A6C34878D82A}">
+                    <a16:rowId xmlns:a16="http://schemas.microsoft.com/office/drawing/2014/main" val="233637714"/>
+                  </a:ext>
+                </a:extLst>
+              </a:tr>
+            </a:tbl>
+          </a:graphicData>
+        </a:graphic>
+      </p:graphicFrame>
     </p:spTree>
     <p:extLst>
       <p:ext uri="{BB962C8B-B14F-4D97-AF65-F5344CB8AC3E}">
